--- a/ch05.pptx
+++ b/ch05.pptx
@@ -5,10 +5,10 @@
     <p:sldMasterId id="2147483662" r:id="rId1"/>
   </p:sldMasterIdLst>
   <p:notesMasterIdLst>
-    <p:notesMasterId r:id="rId66"/>
+    <p:notesMasterId r:id="rId68"/>
   </p:notesMasterIdLst>
   <p:handoutMasterIdLst>
-    <p:handoutMasterId r:id="rId67"/>
+    <p:handoutMasterId r:id="rId69"/>
   </p:handoutMasterIdLst>
   <p:sldIdLst>
     <p:sldId id="384" r:id="rId2"/>
@@ -42,39 +42,41 @@
     <p:sldId id="413" r:id="rId30"/>
     <p:sldId id="414" r:id="rId31"/>
     <p:sldId id="415" r:id="rId32"/>
-    <p:sldId id="416" r:id="rId33"/>
-    <p:sldId id="417" r:id="rId34"/>
-    <p:sldId id="418" r:id="rId35"/>
-    <p:sldId id="448" r:id="rId36"/>
-    <p:sldId id="419" r:id="rId37"/>
-    <p:sldId id="420" r:id="rId38"/>
-    <p:sldId id="421" r:id="rId39"/>
-    <p:sldId id="422" r:id="rId40"/>
-    <p:sldId id="423" r:id="rId41"/>
-    <p:sldId id="424" r:id="rId42"/>
-    <p:sldId id="425" r:id="rId43"/>
-    <p:sldId id="426" r:id="rId44"/>
-    <p:sldId id="427" r:id="rId45"/>
-    <p:sldId id="428" r:id="rId46"/>
-    <p:sldId id="429" r:id="rId47"/>
-    <p:sldId id="430" r:id="rId48"/>
-    <p:sldId id="431" r:id="rId49"/>
-    <p:sldId id="432" r:id="rId50"/>
-    <p:sldId id="433" r:id="rId51"/>
-    <p:sldId id="434" r:id="rId52"/>
-    <p:sldId id="435" r:id="rId53"/>
-    <p:sldId id="436" r:id="rId54"/>
-    <p:sldId id="437" r:id="rId55"/>
-    <p:sldId id="438" r:id="rId56"/>
-    <p:sldId id="439" r:id="rId57"/>
-    <p:sldId id="440" r:id="rId58"/>
-    <p:sldId id="441" r:id="rId59"/>
-    <p:sldId id="442" r:id="rId60"/>
-    <p:sldId id="443" r:id="rId61"/>
-    <p:sldId id="444" r:id="rId62"/>
-    <p:sldId id="445" r:id="rId63"/>
-    <p:sldId id="446" r:id="rId64"/>
-    <p:sldId id="447" r:id="rId65"/>
+    <p:sldId id="449" r:id="rId33"/>
+    <p:sldId id="416" r:id="rId34"/>
+    <p:sldId id="417" r:id="rId35"/>
+    <p:sldId id="418" r:id="rId36"/>
+    <p:sldId id="448" r:id="rId37"/>
+    <p:sldId id="419" r:id="rId38"/>
+    <p:sldId id="420" r:id="rId39"/>
+    <p:sldId id="421" r:id="rId40"/>
+    <p:sldId id="422" r:id="rId41"/>
+    <p:sldId id="423" r:id="rId42"/>
+    <p:sldId id="424" r:id="rId43"/>
+    <p:sldId id="425" r:id="rId44"/>
+    <p:sldId id="426" r:id="rId45"/>
+    <p:sldId id="427" r:id="rId46"/>
+    <p:sldId id="428" r:id="rId47"/>
+    <p:sldId id="429" r:id="rId48"/>
+    <p:sldId id="430" r:id="rId49"/>
+    <p:sldId id="431" r:id="rId50"/>
+    <p:sldId id="432" r:id="rId51"/>
+    <p:sldId id="433" r:id="rId52"/>
+    <p:sldId id="434" r:id="rId53"/>
+    <p:sldId id="435" r:id="rId54"/>
+    <p:sldId id="436" r:id="rId55"/>
+    <p:sldId id="437" r:id="rId56"/>
+    <p:sldId id="438" r:id="rId57"/>
+    <p:sldId id="439" r:id="rId58"/>
+    <p:sldId id="440" r:id="rId59"/>
+    <p:sldId id="441" r:id="rId60"/>
+    <p:sldId id="442" r:id="rId61"/>
+    <p:sldId id="450" r:id="rId62"/>
+    <p:sldId id="443" r:id="rId63"/>
+    <p:sldId id="444" r:id="rId64"/>
+    <p:sldId id="445" r:id="rId65"/>
+    <p:sldId id="446" r:id="rId66"/>
+    <p:sldId id="447" r:id="rId67"/>
   </p:sldIdLst>
   <p:sldSz cx="9144000" cy="6858000" type="screen4x3"/>
   <p:notesSz cx="6881813" cy="9296400"/>
@@ -1073,7 +1075,13 @@
           <a:bodyPr/>
           <a:lstStyle/>
           <a:p>
-            <a:endParaRPr lang="zh-TW" altLang="zh-TW">
+            <a:r>
+              <a:rPr lang="en-US" altLang="zh-TW" dirty="0">
+                <a:latin typeface="Times New Roman" pitchFamily="18" charset="0"/>
+              </a:rPr>
+              <a:t>5-3</a:t>
+            </a:r>
+            <a:endParaRPr lang="zh-TW" altLang="zh-TW" dirty="0">
               <a:latin typeface="Times New Roman" pitchFamily="18" charset="0"/>
             </a:endParaRPr>
           </a:p>
@@ -1162,7 +1170,19 @@
           <a:bodyPr/>
           <a:lstStyle/>
           <a:p>
-            <a:endParaRPr lang="zh-TW" altLang="zh-TW">
+            <a:r>
+              <a:rPr lang="en-US" altLang="zh-TW" dirty="0">
+                <a:latin typeface="Times New Roman" pitchFamily="18" charset="0"/>
+              </a:rPr>
+              <a:t>Convey Eff  &gt; </a:t>
+            </a:r>
+            <a:r>
+              <a:rPr lang="zh-TW" altLang="en-US" dirty="0">
+                <a:latin typeface="Times New Roman" pitchFamily="18" charset="0"/>
+              </a:rPr>
+              <a:t>短排在長的後面  就會導致平均等待時間變長</a:t>
+            </a:r>
+            <a:endParaRPr lang="zh-TW" altLang="zh-TW" dirty="0">
               <a:latin typeface="Times New Roman" pitchFamily="18" charset="0"/>
             </a:endParaRPr>
           </a:p>
@@ -1429,7 +1449,37 @@
           <a:bodyPr/>
           <a:lstStyle/>
           <a:p>
-            <a:endParaRPr lang="zh-TW" altLang="zh-TW">
+            <a:r>
+              <a:rPr lang="en-US" altLang="zh-TW" dirty="0">
+                <a:latin typeface="Times New Roman" pitchFamily="18" charset="0"/>
+              </a:rPr>
+              <a:t>5-4 </a:t>
+            </a:r>
+            <a:r>
+              <a:rPr lang="zh-TW" altLang="en-US" dirty="0">
+                <a:latin typeface="Times New Roman" pitchFamily="18" charset="0"/>
+              </a:rPr>
+              <a:t>用過去推測未來  </a:t>
+            </a:r>
+            <a:r>
+              <a:rPr lang="en-US" altLang="zh-TW" dirty="0">
+                <a:latin typeface="Times New Roman" pitchFamily="18" charset="0"/>
+              </a:rPr>
+              <a:t>t </a:t>
+            </a:r>
+            <a:r>
+              <a:rPr lang="zh-TW" altLang="en-US" dirty="0">
+                <a:latin typeface="Times New Roman" pitchFamily="18" charset="0"/>
+              </a:rPr>
+              <a:t>真正時間  ㄊㄠ預測時間</a:t>
+            </a:r>
+            <a:r>
+              <a:rPr lang="en-US" altLang="zh-TW" dirty="0">
+                <a:latin typeface="Times New Roman" pitchFamily="18" charset="0"/>
+              </a:rPr>
+              <a:t>	</a:t>
+            </a:r>
+            <a:endParaRPr lang="zh-TW" altLang="zh-TW" dirty="0">
               <a:latin typeface="Times New Roman" pitchFamily="18" charset="0"/>
             </a:endParaRPr>
           </a:p>
@@ -1607,7 +1657,145 @@
           <a:bodyPr/>
           <a:lstStyle/>
           <a:p>
-            <a:endParaRPr lang="zh-TW" altLang="zh-TW">
+            <a:r>
+              <a:rPr lang="zh-TW" altLang="en-US" dirty="0">
+                <a:latin typeface="Times New Roman" pitchFamily="18" charset="0"/>
+              </a:rPr>
+              <a:t>看動畫更好懂  右斜線上去  預測</a:t>
+            </a:r>
+            <a:r>
+              <a:rPr lang="en-US" altLang="zh-TW" dirty="0">
+                <a:latin typeface="Times New Roman" pitchFamily="18" charset="0"/>
+              </a:rPr>
+              <a:t>10  </a:t>
+            </a:r>
+            <a:r>
+              <a:rPr lang="zh-TW" altLang="en-US" dirty="0">
+                <a:latin typeface="Times New Roman" pitchFamily="18" charset="0"/>
+              </a:rPr>
+              <a:t>實際</a:t>
+            </a:r>
+            <a:r>
+              <a:rPr lang="en-US" altLang="zh-TW" dirty="0">
+                <a:latin typeface="Times New Roman" pitchFamily="18" charset="0"/>
+              </a:rPr>
+              <a:t>6   &gt;</a:t>
+            </a:r>
+            <a:r>
+              <a:rPr lang="zh-TW" altLang="en-US" dirty="0">
+                <a:latin typeface="Times New Roman" pitchFamily="18" charset="0"/>
+              </a:rPr>
+              <a:t>  </a:t>
+            </a:r>
+            <a:r>
+              <a:rPr lang="en-US" altLang="zh-TW" dirty="0">
+                <a:latin typeface="Times New Roman" pitchFamily="18" charset="0"/>
+              </a:rPr>
+              <a:t>10*1/2+6*1/2 = 8     </a:t>
+            </a:r>
+            <a:r>
+              <a:rPr lang="zh-TW" altLang="en-US" dirty="0">
+                <a:latin typeface="Times New Roman" pitchFamily="18" charset="0"/>
+              </a:rPr>
+              <a:t>實際</a:t>
+            </a:r>
+            <a:r>
+              <a:rPr lang="en-US" altLang="zh-TW" dirty="0">
+                <a:latin typeface="Times New Roman" pitchFamily="18" charset="0"/>
+              </a:rPr>
+              <a:t>4</a:t>
+            </a:r>
+            <a:r>
+              <a:rPr lang="zh-TW" altLang="en-US" dirty="0">
+                <a:latin typeface="Times New Roman" pitchFamily="18" charset="0"/>
+              </a:rPr>
+              <a:t>     類推     希望藍線</a:t>
+            </a:r>
+            <a:r>
+              <a:rPr lang="en-US" altLang="zh-TW" dirty="0">
+                <a:latin typeface="Times New Roman" pitchFamily="18" charset="0"/>
+              </a:rPr>
+              <a:t>(</a:t>
+            </a:r>
+            <a:r>
+              <a:rPr lang="zh-TW" altLang="en-US" dirty="0">
+                <a:latin typeface="Times New Roman" pitchFamily="18" charset="0"/>
+              </a:rPr>
+              <a:t>預測</a:t>
+            </a:r>
+            <a:r>
+              <a:rPr lang="en-US" altLang="zh-TW" dirty="0">
+                <a:latin typeface="Times New Roman" pitchFamily="18" charset="0"/>
+              </a:rPr>
+              <a:t>)</a:t>
+            </a:r>
+            <a:r>
+              <a:rPr lang="zh-TW" altLang="en-US" dirty="0">
+                <a:latin typeface="Times New Roman" pitchFamily="18" charset="0"/>
+              </a:rPr>
+              <a:t>盡量靠近黑線</a:t>
+            </a:r>
+            <a:r>
+              <a:rPr lang="en-US" altLang="zh-TW" dirty="0">
+                <a:latin typeface="Times New Roman" pitchFamily="18" charset="0"/>
+              </a:rPr>
+              <a:t>(</a:t>
+            </a:r>
+            <a:r>
+              <a:rPr lang="zh-TW" altLang="en-US" dirty="0">
+                <a:latin typeface="Times New Roman" pitchFamily="18" charset="0"/>
+              </a:rPr>
+              <a:t>實際</a:t>
+            </a:r>
+            <a:r>
+              <a:rPr lang="en-US" altLang="zh-TW" dirty="0">
+                <a:latin typeface="Times New Roman" pitchFamily="18" charset="0"/>
+              </a:rPr>
+              <a:t>)     </a:t>
+            </a:r>
+            <a:r>
+              <a:rPr lang="zh-TW" altLang="en-US" dirty="0">
+                <a:latin typeface="Times New Roman" pitchFamily="18" charset="0"/>
+              </a:rPr>
+              <a:t>如果猜不準  就會影響排程的順序   </a:t>
+            </a:r>
+            <a:r>
+              <a:rPr lang="en-US" altLang="zh-TW" dirty="0">
+                <a:latin typeface="Times New Roman" pitchFamily="18" charset="0"/>
+              </a:rPr>
+              <a:t>OS</a:t>
+            </a:r>
+            <a:r>
+              <a:rPr lang="zh-TW" altLang="en-US" dirty="0">
+                <a:latin typeface="Times New Roman" pitchFamily="18" charset="0"/>
+              </a:rPr>
+              <a:t> 還是能</a:t>
+            </a:r>
+            <a:r>
+              <a:rPr lang="en-US" altLang="zh-TW" dirty="0">
+                <a:latin typeface="Times New Roman" pitchFamily="18" charset="0"/>
+              </a:rPr>
+              <a:t>run</a:t>
+            </a:r>
+            <a:r>
+              <a:rPr lang="zh-TW" altLang="en-US" dirty="0">
+                <a:latin typeface="Times New Roman" pitchFamily="18" charset="0"/>
+              </a:rPr>
+              <a:t>  只是像是 </a:t>
+            </a:r>
+            <a:r>
+              <a:rPr lang="en-US" altLang="zh-TW" dirty="0">
+                <a:latin typeface="Times New Roman" pitchFamily="18" charset="0"/>
+              </a:rPr>
+              <a:t>SJF</a:t>
+            </a:r>
+            <a:r>
+              <a:rPr lang="zh-TW" altLang="en-US" dirty="0">
+                <a:latin typeface="Times New Roman" pitchFamily="18" charset="0"/>
+              </a:rPr>
+              <a:t>  縮短平均等待時間的效果就沒那麼好</a:t>
+            </a:r>
+            <a:endParaRPr lang="zh-TW" altLang="zh-TW" dirty="0">
               <a:latin typeface="Times New Roman" pitchFamily="18" charset="0"/>
             </a:endParaRPr>
           </a:p>
@@ -1696,7 +1884,79 @@
           <a:bodyPr/>
           <a:lstStyle/>
           <a:p>
-            <a:endParaRPr lang="zh-TW" altLang="zh-TW">
+            <a:r>
+              <a:rPr lang="zh-TW" altLang="en-US" dirty="0">
+                <a:latin typeface="Times New Roman" pitchFamily="18" charset="0"/>
+              </a:rPr>
+              <a:t>時間</a:t>
+            </a:r>
+            <a:r>
+              <a:rPr lang="en-US" altLang="zh-TW" dirty="0">
+                <a:latin typeface="Times New Roman" pitchFamily="18" charset="0"/>
+              </a:rPr>
+              <a:t>5 p2</a:t>
+            </a:r>
+            <a:r>
+              <a:rPr lang="zh-TW" altLang="en-US" dirty="0">
+                <a:latin typeface="Times New Roman" pitchFamily="18" charset="0"/>
+              </a:rPr>
+              <a:t>結束 </a:t>
+            </a:r>
+            <a:r>
+              <a:rPr lang="en-US" altLang="zh-TW" dirty="0">
+                <a:latin typeface="Times New Roman" pitchFamily="18" charset="0"/>
+              </a:rPr>
+              <a:t>&gt; p1</a:t>
+            </a:r>
+            <a:r>
+              <a:rPr lang="zh-TW" altLang="en-US" dirty="0">
+                <a:latin typeface="Times New Roman" pitchFamily="18" charset="0"/>
+              </a:rPr>
+              <a:t>剩</a:t>
+            </a:r>
+            <a:r>
+              <a:rPr lang="en-US" altLang="zh-TW" dirty="0">
+                <a:latin typeface="Times New Roman" pitchFamily="18" charset="0"/>
+              </a:rPr>
+              <a:t>7  p3 9  p2 4 &gt; p2</a:t>
+            </a:r>
+            <a:r>
+              <a:rPr lang="zh-TW" altLang="en-US" dirty="0">
+                <a:latin typeface="Times New Roman" pitchFamily="18" charset="0"/>
+              </a:rPr>
+              <a:t>最短先跑</a:t>
+            </a:r>
+            <a:r>
+              <a:rPr lang="en-US" altLang="zh-TW" dirty="0">
+                <a:latin typeface="Times New Roman" pitchFamily="18" charset="0"/>
+              </a:rPr>
+              <a:t>       avg&gt; p1:0+10  p2:0 p3:15  p4:2   33/4 = 8.25     &gt;</a:t>
+            </a:r>
+            <a:r>
+              <a:rPr lang="zh-TW" altLang="en-US" dirty="0">
+                <a:latin typeface="Times New Roman" pitchFamily="18" charset="0"/>
+              </a:rPr>
+              <a:t>如果</a:t>
+            </a:r>
+            <a:r>
+              <a:rPr lang="en-US" altLang="zh-TW" dirty="0">
+                <a:latin typeface="Times New Roman" pitchFamily="18" charset="0"/>
+              </a:rPr>
+              <a:t>FCFS</a:t>
+            </a:r>
+            <a:r>
+              <a:rPr lang="zh-TW" altLang="en-US" dirty="0">
+                <a:latin typeface="Times New Roman" pitchFamily="18" charset="0"/>
+              </a:rPr>
+              <a:t>  </a:t>
+            </a:r>
+            <a:r>
+              <a:rPr lang="en-US" altLang="zh-TW" dirty="0">
+                <a:latin typeface="Times New Roman" pitchFamily="18" charset="0"/>
+              </a:rPr>
+              <a:t>0+8+12+21  = 41/4=10.25</a:t>
+            </a:r>
+            <a:endParaRPr lang="zh-TW" altLang="zh-TW" dirty="0">
               <a:latin typeface="Times New Roman" pitchFamily="18" charset="0"/>
             </a:endParaRPr>
           </a:p>
@@ -1874,7 +2134,67 @@
           <a:bodyPr/>
           <a:lstStyle/>
           <a:p>
-            <a:endParaRPr lang="zh-TW" altLang="zh-TW">
+            <a:r>
+              <a:rPr lang="en-US" altLang="zh-TW" dirty="0">
+                <a:latin typeface="Times New Roman" pitchFamily="18" charset="0"/>
+              </a:rPr>
+              <a:t>q</a:t>
+            </a:r>
+            <a:r>
+              <a:rPr lang="zh-TW" altLang="en-US" dirty="0">
+                <a:latin typeface="Times New Roman" pitchFamily="18" charset="0"/>
+              </a:rPr>
+              <a:t>太小  切換太頻繁</a:t>
+            </a:r>
+            <a:r>
+              <a:rPr lang="en-US" altLang="zh-TW" dirty="0">
+                <a:latin typeface="Times New Roman" pitchFamily="18" charset="0"/>
+              </a:rPr>
+              <a:t>&gt;CPU</a:t>
+            </a:r>
+            <a:r>
+              <a:rPr lang="zh-TW" altLang="en-US" dirty="0">
+                <a:latin typeface="Times New Roman" pitchFamily="18" charset="0"/>
+              </a:rPr>
+              <a:t>使用效率差    </a:t>
+            </a:r>
+            <a:r>
+              <a:rPr lang="en-US" altLang="zh-TW" dirty="0">
+                <a:latin typeface="Times New Roman" pitchFamily="18" charset="0"/>
+              </a:rPr>
+              <a:t>q</a:t>
+            </a:r>
+            <a:r>
+              <a:rPr lang="zh-TW" altLang="en-US" dirty="0">
+                <a:latin typeface="Times New Roman" pitchFamily="18" charset="0"/>
+              </a:rPr>
+              <a:t>太長 </a:t>
+            </a:r>
+            <a:r>
+              <a:rPr lang="en-US" altLang="zh-TW" dirty="0">
+                <a:latin typeface="Times New Roman" pitchFamily="18" charset="0"/>
+              </a:rPr>
+              <a:t>&gt; waiting</a:t>
+            </a:r>
+            <a:r>
+              <a:rPr lang="zh-TW" altLang="en-US" dirty="0">
+                <a:latin typeface="Times New Roman" pitchFamily="18" charset="0"/>
+              </a:rPr>
+              <a:t> </a:t>
+            </a:r>
+            <a:r>
+              <a:rPr lang="en-US" altLang="zh-TW" dirty="0">
+                <a:latin typeface="Times New Roman" pitchFamily="18" charset="0"/>
+              </a:rPr>
+              <a:t>time</a:t>
+            </a:r>
+            <a:r>
+              <a:rPr lang="zh-TW" altLang="en-US" dirty="0">
+                <a:latin typeface="Times New Roman" pitchFamily="18" charset="0"/>
+              </a:rPr>
+              <a:t>長</a:t>
+            </a:r>
+            <a:endParaRPr lang="zh-TW" altLang="zh-TW" dirty="0">
               <a:latin typeface="Times New Roman" pitchFamily="18" charset="0"/>
             </a:endParaRPr>
           </a:p>
@@ -2052,7 +2372,7 @@
           <a:bodyPr/>
           <a:lstStyle/>
           <a:p>
-            <a:endParaRPr lang="zh-TW" altLang="zh-TW">
+            <a:endParaRPr lang="zh-TW" altLang="zh-TW" dirty="0">
               <a:latin typeface="Times New Roman" pitchFamily="18" charset="0"/>
             </a:endParaRPr>
           </a:p>
@@ -2230,7 +2550,37 @@
           <a:bodyPr/>
           <a:lstStyle/>
           <a:p>
-            <a:endParaRPr lang="zh-TW" altLang="zh-TW">
+            <a:r>
+              <a:rPr lang="en-US" altLang="zh-TW" dirty="0">
+                <a:latin typeface="Times New Roman" pitchFamily="18" charset="0"/>
+              </a:rPr>
+              <a:t>x </a:t>
+            </a:r>
+            <a:r>
+              <a:rPr lang="zh-TW" altLang="en-US" dirty="0">
+                <a:latin typeface="Times New Roman" pitchFamily="18" charset="0"/>
+              </a:rPr>
+              <a:t>不同 </a:t>
+            </a:r>
+            <a:r>
+              <a:rPr lang="en-US" altLang="zh-TW" dirty="0">
+                <a:latin typeface="Times New Roman" pitchFamily="18" charset="0"/>
+              </a:rPr>
+              <a:t>time q </a:t>
+            </a:r>
+            <a:r>
+              <a:rPr lang="zh-TW" altLang="en-US" dirty="0">
+                <a:latin typeface="Times New Roman" pitchFamily="18" charset="0"/>
+              </a:rPr>
+              <a:t>得到不同 </a:t>
+            </a:r>
+            <a:r>
+              <a:rPr lang="en-US" altLang="zh-TW" dirty="0">
+                <a:latin typeface="Times New Roman" pitchFamily="18" charset="0"/>
+              </a:rPr>
+              <a:t>y turnaround time</a:t>
+            </a:r>
+            <a:endParaRPr lang="zh-TW" altLang="zh-TW" dirty="0">
               <a:latin typeface="Times New Roman" pitchFamily="18" charset="0"/>
             </a:endParaRPr>
           </a:p>
@@ -2319,7 +2669,97 @@
           <a:bodyPr/>
           <a:lstStyle/>
           <a:p>
-            <a:endParaRPr lang="zh-TW" altLang="zh-TW">
+            <a:r>
+              <a:rPr lang="zh-TW" altLang="en-US" dirty="0">
+                <a:latin typeface="Times New Roman" pitchFamily="18" charset="0"/>
+              </a:rPr>
+              <a:t>一個</a:t>
+            </a:r>
+            <a:r>
+              <a:rPr lang="en-US" altLang="zh-TW" dirty="0">
+                <a:latin typeface="Times New Roman" pitchFamily="18" charset="0"/>
+              </a:rPr>
+              <a:t>queue</a:t>
+            </a:r>
+            <a:r>
+              <a:rPr lang="zh-TW" altLang="en-US" dirty="0">
+                <a:latin typeface="Times New Roman" pitchFamily="18" charset="0"/>
+              </a:rPr>
+              <a:t> 能用不同</a:t>
+            </a:r>
+            <a:r>
+              <a:rPr lang="en-US" altLang="zh-TW" dirty="0">
+                <a:latin typeface="Times New Roman" pitchFamily="18" charset="0"/>
+              </a:rPr>
+              <a:t>schedule </a:t>
+            </a:r>
+            <a:r>
+              <a:rPr lang="en-US" altLang="zh-TW" dirty="0" err="1">
+                <a:latin typeface="Times New Roman" pitchFamily="18" charset="0"/>
+              </a:rPr>
+              <a:t>algo</a:t>
+            </a:r>
+            <a:r>
+              <a:rPr lang="zh-TW" altLang="en-US" dirty="0">
+                <a:latin typeface="Times New Roman" pitchFamily="18" charset="0"/>
+              </a:rPr>
+              <a:t>來排      多個</a:t>
+            </a:r>
+            <a:r>
+              <a:rPr lang="en-US" altLang="zh-TW" dirty="0">
+                <a:latin typeface="Times New Roman" pitchFamily="18" charset="0"/>
+              </a:rPr>
+              <a:t>queue</a:t>
+            </a:r>
+            <a:r>
+              <a:rPr lang="zh-TW" altLang="en-US" dirty="0">
+                <a:latin typeface="Times New Roman" pitchFamily="18" charset="0"/>
+              </a:rPr>
+              <a:t>就如上說明    程式分兩大類 </a:t>
+            </a:r>
+            <a:r>
+              <a:rPr lang="en-US" altLang="zh-TW" dirty="0">
+                <a:latin typeface="Times New Roman" pitchFamily="18" charset="0"/>
+              </a:rPr>
+              <a:t>CPU bound(</a:t>
+            </a:r>
+            <a:r>
+              <a:rPr lang="zh-TW" altLang="en-US" dirty="0">
+                <a:latin typeface="Times New Roman" pitchFamily="18" charset="0"/>
+              </a:rPr>
+              <a:t>也就是</a:t>
+            </a:r>
+            <a:r>
+              <a:rPr lang="en-US" altLang="zh-TW" dirty="0">
+                <a:latin typeface="Times New Roman" pitchFamily="18" charset="0"/>
+              </a:rPr>
+              <a:t>batch)  IO bound(IO</a:t>
+            </a:r>
+            <a:r>
+              <a:rPr lang="zh-TW" altLang="en-US" dirty="0">
+                <a:latin typeface="Times New Roman" pitchFamily="18" charset="0"/>
+              </a:rPr>
+              <a:t>頻繁 例如說</a:t>
+            </a:r>
+            <a:r>
+              <a:rPr lang="en-US" altLang="zh-TW" dirty="0">
+                <a:latin typeface="Times New Roman" pitchFamily="18" charset="0"/>
+              </a:rPr>
+              <a:t>game </a:t>
+            </a:r>
+            <a:r>
+              <a:rPr lang="zh-TW" altLang="en-US" dirty="0">
+                <a:latin typeface="Times New Roman" pitchFamily="18" charset="0"/>
+              </a:rPr>
+              <a:t>頻繁互動的</a:t>
+            </a:r>
+            <a:r>
+              <a:rPr lang="en-US" altLang="zh-TW" dirty="0">
+                <a:latin typeface="Times New Roman" pitchFamily="18" charset="0"/>
+              </a:rPr>
+              <a:t>)    </a:t>
+            </a:r>
+            <a:endParaRPr lang="zh-TW" altLang="zh-TW" dirty="0">
               <a:latin typeface="Times New Roman" pitchFamily="18" charset="0"/>
             </a:endParaRPr>
           </a:p>
@@ -2408,7 +2848,7 @@
           <a:bodyPr/>
           <a:lstStyle/>
           <a:p>
-            <a:endParaRPr lang="zh-TW" altLang="zh-TW">
+            <a:endParaRPr lang="zh-TW" altLang="zh-TW" dirty="0">
               <a:latin typeface="Times New Roman" pitchFamily="18" charset="0"/>
             </a:endParaRPr>
           </a:p>
@@ -2622,6 +3062,84 @@
               </a:rPr>
               <a:t>Q0 Q1 FCFS</a:t>
             </a:r>
+            <a:r>
+              <a:rPr lang="zh-TW" altLang="en-US" dirty="0">
+                <a:latin typeface="Times New Roman" pitchFamily="18" charset="0"/>
+              </a:rPr>
+              <a:t>          應該是寫錯   我直接幫他改掉        要怎麼訂</a:t>
+            </a:r>
+            <a:r>
+              <a:rPr lang="en-US" altLang="zh-TW" dirty="0">
+                <a:latin typeface="Times New Roman" pitchFamily="18" charset="0"/>
+              </a:rPr>
+              <a:t>feedback</a:t>
+            </a:r>
+            <a:r>
+              <a:rPr lang="zh-TW" altLang="en-US" dirty="0">
+                <a:latin typeface="Times New Roman" pitchFamily="18" charset="0"/>
+              </a:rPr>
+              <a:t>切換</a:t>
+            </a:r>
+            <a:r>
+              <a:rPr lang="en-US" altLang="zh-TW" dirty="0">
+                <a:latin typeface="Times New Roman" pitchFamily="18" charset="0"/>
+              </a:rPr>
+              <a:t>queue</a:t>
+            </a:r>
+            <a:r>
+              <a:rPr lang="zh-TW" altLang="en-US" dirty="0">
+                <a:latin typeface="Times New Roman" pitchFamily="18" charset="0"/>
+              </a:rPr>
+              <a:t>的規則   就是看目的是什麼   例如說</a:t>
+            </a:r>
+            <a:r>
+              <a:rPr lang="en-US" altLang="zh-TW" dirty="0">
+                <a:latin typeface="Times New Roman" pitchFamily="18" charset="0"/>
+              </a:rPr>
+              <a:t>CPU</a:t>
+            </a:r>
+            <a:r>
+              <a:rPr lang="zh-TW" altLang="en-US" dirty="0">
+                <a:latin typeface="Times New Roman" pitchFamily="18" charset="0"/>
+              </a:rPr>
+              <a:t>使用率最高  或是</a:t>
+            </a:r>
+            <a:r>
+              <a:rPr lang="en-US" altLang="zh-TW" dirty="0">
+                <a:latin typeface="Times New Roman" pitchFamily="18" charset="0"/>
+              </a:rPr>
+              <a:t>throughput</a:t>
+            </a:r>
+            <a:r>
+              <a:rPr lang="zh-TW" altLang="en-US" dirty="0">
+                <a:latin typeface="Times New Roman" pitchFamily="18" charset="0"/>
+              </a:rPr>
+              <a:t>最大  或是</a:t>
+            </a:r>
+            <a:r>
+              <a:rPr lang="en-US" altLang="zh-TW" dirty="0">
+                <a:latin typeface="Times New Roman" pitchFamily="18" charset="0"/>
+              </a:rPr>
+              <a:t>respond time</a:t>
+            </a:r>
+            <a:r>
+              <a:rPr lang="zh-TW" altLang="en-US" dirty="0">
+                <a:latin typeface="Times New Roman" pitchFamily="18" charset="0"/>
+              </a:rPr>
+              <a:t>最短   再去設計  給</a:t>
+            </a:r>
+            <a:r>
+              <a:rPr lang="en-US" altLang="zh-TW" dirty="0">
+                <a:latin typeface="Times New Roman" pitchFamily="18" charset="0"/>
+              </a:rPr>
+              <a:t>OS</a:t>
+            </a:r>
+            <a:r>
+              <a:rPr lang="zh-TW" altLang="en-US" dirty="0">
+                <a:latin typeface="Times New Roman" pitchFamily="18" charset="0"/>
+              </a:rPr>
+              <a:t>執行</a:t>
+            </a:r>
             <a:endParaRPr lang="zh-TW" altLang="zh-TW" dirty="0">
               <a:latin typeface="Times New Roman" pitchFamily="18" charset="0"/>
             </a:endParaRPr>
@@ -2800,7 +3318,159 @@
           <a:bodyPr/>
           <a:lstStyle/>
           <a:p>
-            <a:endParaRPr lang="zh-TW" altLang="zh-TW">
+            <a:r>
+              <a:rPr lang="zh-TW" altLang="en-US" dirty="0">
+                <a:latin typeface="Times New Roman" pitchFamily="18" charset="0"/>
+              </a:rPr>
+              <a:t>前面是</a:t>
+            </a:r>
+            <a:r>
+              <a:rPr lang="en-US" altLang="zh-TW" dirty="0">
+                <a:latin typeface="Times New Roman" pitchFamily="18" charset="0"/>
+              </a:rPr>
+              <a:t>process</a:t>
+            </a:r>
+            <a:r>
+              <a:rPr lang="zh-TW" altLang="en-US" dirty="0">
+                <a:latin typeface="Times New Roman" pitchFamily="18" charset="0"/>
+              </a:rPr>
+              <a:t>的</a:t>
+            </a:r>
+            <a:r>
+              <a:rPr lang="en-US" altLang="zh-TW" dirty="0">
+                <a:latin typeface="Times New Roman" pitchFamily="18" charset="0"/>
+              </a:rPr>
+              <a:t>schedule</a:t>
+            </a:r>
+            <a:r>
+              <a:rPr lang="zh-TW" altLang="en-US" dirty="0">
+                <a:latin typeface="Times New Roman" pitchFamily="18" charset="0"/>
+              </a:rPr>
+              <a:t>    這邊就是</a:t>
+            </a:r>
+            <a:r>
+              <a:rPr lang="en-US" altLang="zh-TW" dirty="0">
+                <a:latin typeface="Times New Roman" pitchFamily="18" charset="0"/>
+              </a:rPr>
+              <a:t>Thread</a:t>
+            </a:r>
+            <a:r>
+              <a:rPr lang="zh-TW" altLang="en-US" dirty="0">
+                <a:latin typeface="Times New Roman" pitchFamily="18" charset="0"/>
+              </a:rPr>
+              <a:t>的</a:t>
+            </a:r>
+            <a:r>
+              <a:rPr lang="en-US" altLang="zh-TW" dirty="0">
+                <a:latin typeface="Times New Roman" pitchFamily="18" charset="0"/>
+              </a:rPr>
+              <a:t>schedule         </a:t>
+            </a:r>
+            <a:r>
+              <a:rPr lang="en-US" altLang="zh-TW" sz="1200" dirty="0">
+                <a:solidFill>
+                  <a:srgbClr val="FF0000"/>
+                </a:solidFill>
+              </a:rPr>
+              <a:t>Contention Scope </a:t>
+            </a:r>
+            <a:r>
+              <a:rPr lang="zh-TW" altLang="en-US" sz="1200" dirty="0">
+                <a:solidFill>
+                  <a:srgbClr val="FF0000"/>
+                </a:solidFill>
+              </a:rPr>
+              <a:t>要跟誰競爭  競爭的範圍對象是誰   </a:t>
+            </a:r>
+            <a:r>
+              <a:rPr lang="en-US" altLang="zh-TW" sz="1200" dirty="0" err="1">
+                <a:solidFill>
+                  <a:srgbClr val="FF0000"/>
+                </a:solidFill>
+              </a:rPr>
+              <a:t>scs</a:t>
+            </a:r>
+            <a:r>
+              <a:rPr lang="zh-TW" altLang="en-US" sz="1200" dirty="0">
+                <a:solidFill>
+                  <a:srgbClr val="FF0000"/>
+                </a:solidFill>
+              </a:rPr>
+              <a:t>就是跟整個</a:t>
+            </a:r>
+            <a:r>
+              <a:rPr lang="en-US" altLang="zh-TW" sz="1200" dirty="0">
+                <a:solidFill>
+                  <a:srgbClr val="FF0000"/>
+                </a:solidFill>
+              </a:rPr>
+              <a:t>system</a:t>
+            </a:r>
+            <a:r>
+              <a:rPr lang="zh-TW" altLang="en-US" sz="1200" dirty="0">
+                <a:solidFill>
+                  <a:srgbClr val="FF0000"/>
+                </a:solidFill>
+              </a:rPr>
+              <a:t>的</a:t>
+            </a:r>
+            <a:r>
+              <a:rPr lang="en-US" altLang="zh-TW" sz="1200" dirty="0">
+                <a:solidFill>
+                  <a:srgbClr val="FF0000"/>
+                </a:solidFill>
+              </a:rPr>
+              <a:t>kernel </a:t>
+            </a:r>
+            <a:r>
+              <a:rPr lang="en-US" altLang="zh-TW" sz="1200" dirty="0" err="1">
+                <a:solidFill>
+                  <a:srgbClr val="FF0000"/>
+                </a:solidFill>
+              </a:rPr>
+              <a:t>th</a:t>
+            </a:r>
+            <a:r>
+              <a:rPr lang="zh-TW" altLang="en-US" sz="1200" dirty="0">
+                <a:solidFill>
+                  <a:srgbClr val="FF0000"/>
+                </a:solidFill>
+              </a:rPr>
+              <a:t>競爭   </a:t>
+            </a:r>
+            <a:r>
+              <a:rPr lang="en-US" altLang="zh-TW" sz="1200" dirty="0">
+                <a:solidFill>
+                  <a:srgbClr val="FF0000"/>
+                </a:solidFill>
+              </a:rPr>
+              <a:t>pcs</a:t>
+            </a:r>
+            <a:r>
+              <a:rPr lang="zh-TW" altLang="en-US" sz="1200" dirty="0">
+                <a:solidFill>
+                  <a:srgbClr val="FF0000"/>
+                </a:solidFill>
+              </a:rPr>
+              <a:t>是跟</a:t>
+            </a:r>
+            <a:r>
+              <a:rPr lang="en-US" altLang="zh-TW" sz="1200" dirty="0">
+                <a:solidFill>
+                  <a:srgbClr val="FF0000"/>
+                </a:solidFill>
+              </a:rPr>
+              <a:t>proc</a:t>
+            </a:r>
+            <a:r>
+              <a:rPr lang="zh-TW" altLang="en-US" sz="1200" dirty="0">
+                <a:solidFill>
+                  <a:srgbClr val="FF0000"/>
+                </a:solidFill>
+              </a:rPr>
+              <a:t>裡的</a:t>
+            </a:r>
+            <a:endParaRPr lang="zh-TW" altLang="zh-TW" dirty="0">
               <a:latin typeface="Times New Roman" pitchFamily="18" charset="0"/>
             </a:endParaRPr>
           </a:p>
@@ -2889,7 +3559,73 @@
           <a:bodyPr/>
           <a:lstStyle/>
           <a:p>
-            <a:endParaRPr lang="zh-TW" altLang="zh-TW">
+            <a:r>
+              <a:rPr lang="zh-TW" altLang="en-US" dirty="0">
+                <a:latin typeface="Times New Roman" pitchFamily="18" charset="0"/>
+              </a:rPr>
+              <a:t>排在</a:t>
+            </a:r>
+            <a:r>
+              <a:rPr lang="en-US" altLang="zh-TW" dirty="0">
+                <a:latin typeface="Times New Roman" pitchFamily="18" charset="0"/>
+              </a:rPr>
+              <a:t>LWP</a:t>
+            </a:r>
+            <a:r>
+              <a:rPr lang="zh-TW" altLang="en-US" dirty="0">
+                <a:latin typeface="Times New Roman" pitchFamily="18" charset="0"/>
+              </a:rPr>
+              <a:t>上布代表馬上可用</a:t>
+            </a:r>
+            <a:r>
+              <a:rPr lang="en-US" altLang="zh-TW" dirty="0">
+                <a:latin typeface="Times New Roman" pitchFamily="18" charset="0"/>
+              </a:rPr>
+              <a:t>CPU</a:t>
+            </a:r>
+            <a:r>
+              <a:rPr lang="zh-TW" altLang="en-US" dirty="0">
+                <a:latin typeface="Times New Roman" pitchFamily="18" charset="0"/>
+              </a:rPr>
+              <a:t>  還要等</a:t>
+            </a:r>
+            <a:r>
+              <a:rPr lang="en-US" altLang="zh-TW" dirty="0">
+                <a:latin typeface="Times New Roman" pitchFamily="18" charset="0"/>
+              </a:rPr>
+              <a:t>OS</a:t>
+            </a:r>
+            <a:r>
+              <a:rPr lang="zh-TW" altLang="en-US" dirty="0">
+                <a:latin typeface="Times New Roman" pitchFamily="18" charset="0"/>
+              </a:rPr>
+              <a:t>去安排對應的</a:t>
+            </a:r>
+            <a:r>
+              <a:rPr lang="en-US" altLang="zh-TW" dirty="0">
+                <a:latin typeface="Times New Roman" pitchFamily="18" charset="0"/>
+              </a:rPr>
+              <a:t>Kernel</a:t>
+            </a:r>
+            <a:r>
+              <a:rPr lang="zh-TW" altLang="en-US" dirty="0">
+                <a:latin typeface="Times New Roman" pitchFamily="18" charset="0"/>
+              </a:rPr>
+              <a:t> </a:t>
+            </a:r>
+            <a:r>
+              <a:rPr lang="en-US" altLang="zh-TW" dirty="0">
+                <a:latin typeface="Times New Roman" pitchFamily="18" charset="0"/>
+              </a:rPr>
+              <a:t>Th</a:t>
+            </a:r>
+            <a:r>
+              <a:rPr lang="zh-TW" altLang="en-US" dirty="0">
+                <a:latin typeface="Times New Roman" pitchFamily="18" charset="0"/>
+              </a:rPr>
+              <a:t>的動作</a:t>
+            </a:r>
+            <a:endParaRPr lang="zh-TW" altLang="zh-TW" dirty="0">
               <a:latin typeface="Times New Roman" pitchFamily="18" charset="0"/>
             </a:endParaRPr>
           </a:p>
@@ -2956,7 +3692,132 @@
               <a:rPr lang="en-US" altLang="zh-TW" dirty="0">
                 <a:latin typeface="Times New Roman" pitchFamily="18" charset="0"/>
               </a:rPr>
-              <a:t>ok</a:t>
+              <a:t>Ok    </a:t>
+            </a:r>
+            <a:r>
+              <a:rPr lang="zh-TW" altLang="en-US" dirty="0">
+                <a:latin typeface="Times New Roman" pitchFamily="18" charset="0"/>
+              </a:rPr>
+              <a:t>假設設計好一個排程的</a:t>
+            </a:r>
+            <a:r>
+              <a:rPr lang="en-US" altLang="zh-TW" dirty="0" err="1">
+                <a:latin typeface="Times New Roman" pitchFamily="18" charset="0"/>
+              </a:rPr>
+              <a:t>Algo</a:t>
+            </a:r>
+            <a:r>
+              <a:rPr lang="zh-TW" altLang="en-US" dirty="0">
+                <a:latin typeface="Times New Roman" pitchFamily="18" charset="0"/>
+              </a:rPr>
+              <a:t>  怎麼評估呢    </a:t>
+            </a:r>
+            <a:r>
+              <a:rPr lang="en-US" altLang="zh-TW" dirty="0">
+                <a:latin typeface="Times New Roman" pitchFamily="18" charset="0"/>
+              </a:rPr>
+              <a:t>1 simulation</a:t>
+            </a:r>
+            <a:r>
+              <a:rPr lang="zh-TW" altLang="en-US" dirty="0">
+                <a:latin typeface="Times New Roman" pitchFamily="18" charset="0"/>
+              </a:rPr>
+              <a:t>跑模擬  </a:t>
+            </a:r>
+            <a:r>
+              <a:rPr lang="en-US" altLang="zh-TW" dirty="0">
+                <a:latin typeface="Times New Roman" pitchFamily="18" charset="0"/>
+              </a:rPr>
+              <a:t>2 </a:t>
+            </a:r>
+            <a:r>
+              <a:rPr lang="zh-TW" altLang="en-US" dirty="0">
+                <a:latin typeface="Times New Roman" pitchFamily="18" charset="0"/>
+              </a:rPr>
+              <a:t>數學分析  理論值  </a:t>
+            </a:r>
+            <a:r>
+              <a:rPr lang="en-US" altLang="zh-TW" dirty="0">
+                <a:latin typeface="Times New Roman" pitchFamily="18" charset="0"/>
+              </a:rPr>
+              <a:t>3</a:t>
+            </a:r>
+            <a:r>
+              <a:rPr lang="zh-TW" altLang="en-US" dirty="0">
+                <a:latin typeface="Times New Roman" pitchFamily="18" charset="0"/>
+              </a:rPr>
+              <a:t> 實際做出來 實際環境去測量</a:t>
+            </a:r>
+            <a:endParaRPr lang="en-US" altLang="zh-TW" dirty="0">
+              <a:latin typeface="Times New Roman" pitchFamily="18" charset="0"/>
+            </a:endParaRPr>
+          </a:p>
+          <a:p>
+            <a:r>
+              <a:rPr lang="zh-TW" altLang="en-US" dirty="0">
+                <a:latin typeface="Times New Roman" pitchFamily="18" charset="0"/>
+              </a:rPr>
+              <a:t>為了不讓</a:t>
+            </a:r>
+            <a:r>
+              <a:rPr lang="en-US" altLang="zh-TW" dirty="0">
+                <a:latin typeface="Times New Roman" pitchFamily="18" charset="0"/>
+              </a:rPr>
+              <a:t>CPU</a:t>
+            </a:r>
+            <a:r>
+              <a:rPr lang="zh-TW" altLang="en-US" dirty="0">
+                <a:latin typeface="Times New Roman" pitchFamily="18" charset="0"/>
+              </a:rPr>
+              <a:t> </a:t>
+            </a:r>
+            <a:r>
+              <a:rPr lang="en-US" altLang="zh-TW" dirty="0">
+                <a:latin typeface="Times New Roman" pitchFamily="18" charset="0"/>
+              </a:rPr>
+              <a:t>idle</a:t>
+            </a:r>
+            <a:r>
+              <a:rPr lang="zh-TW" altLang="en-US" dirty="0">
+                <a:latin typeface="Times New Roman" pitchFamily="18" charset="0"/>
+              </a:rPr>
+              <a:t>時間太長   會把好幾個</a:t>
+            </a:r>
+            <a:r>
+              <a:rPr lang="en-US" altLang="zh-TW" dirty="0">
+                <a:latin typeface="Times New Roman" pitchFamily="18" charset="0"/>
+              </a:rPr>
+              <a:t>process </a:t>
+            </a:r>
+            <a:r>
+              <a:rPr lang="zh-TW" altLang="en-US" dirty="0">
+                <a:latin typeface="Times New Roman" pitchFamily="18" charset="0"/>
+              </a:rPr>
+              <a:t>放在記憶體  也有放再</a:t>
+            </a:r>
+            <a:r>
+              <a:rPr lang="en-US" altLang="zh-TW" dirty="0">
+                <a:latin typeface="Times New Roman" pitchFamily="18" charset="0"/>
+              </a:rPr>
+              <a:t>ready queue</a:t>
+            </a:r>
+            <a:r>
+              <a:rPr lang="zh-TW" altLang="en-US" dirty="0">
+                <a:latin typeface="Times New Roman" pitchFamily="18" charset="0"/>
+              </a:rPr>
+              <a:t>的機制  再去挑 一個發生</a:t>
+            </a:r>
+            <a:r>
+              <a:rPr lang="en-US" altLang="zh-TW" dirty="0">
+                <a:latin typeface="Times New Roman" pitchFamily="18" charset="0"/>
+              </a:rPr>
+              <a:t>IO</a:t>
+            </a:r>
+            <a:r>
+              <a:rPr lang="zh-TW" altLang="en-US" dirty="0">
+                <a:latin typeface="Times New Roman" pitchFamily="18" charset="0"/>
+              </a:rPr>
+              <a:t>的時候  其他就可以繼續執行</a:t>
             </a:r>
             <a:endParaRPr lang="zh-TW" altLang="zh-TW" dirty="0">
               <a:latin typeface="Times New Roman" pitchFamily="18" charset="0"/>
@@ -3053,9 +3914,89 @@
                   <a:srgbClr val="FF0000"/>
                 </a:solidFill>
               </a:rPr>
-              <a:t>system-contention scope (SCS) </a:t>
-            </a:r>
-            <a:endParaRPr lang="zh-TW" altLang="zh-TW" dirty="0">
+              <a:t>system-contention scope (SCS) process-contention scope (PCS)      </a:t>
+            </a:r>
+            <a:r>
+              <a:rPr lang="en-US" altLang="zh-TW" sz="1200" b="0" dirty="0">
+                <a:solidFill>
+                  <a:srgbClr val="FF0000"/>
+                </a:solidFill>
+              </a:rPr>
+              <a:t>PCS</a:t>
+            </a:r>
+            <a:r>
+              <a:rPr lang="zh-TW" altLang="en-US" sz="1200" b="0" dirty="0">
+                <a:solidFill>
+                  <a:srgbClr val="FF0000"/>
+                </a:solidFill>
+              </a:rPr>
+              <a:t> 的 </a:t>
+            </a:r>
+            <a:r>
+              <a:rPr lang="en-US" altLang="zh-TW" sz="1200" b="0" dirty="0">
+                <a:solidFill>
+                  <a:srgbClr val="FF0000"/>
+                </a:solidFill>
+              </a:rPr>
+              <a:t>preempt:  </a:t>
+            </a:r>
+            <a:r>
+              <a:rPr lang="zh-TW" altLang="en-US" sz="1200" b="0" dirty="0">
+                <a:solidFill>
+                  <a:srgbClr val="FF0000"/>
+                </a:solidFill>
+              </a:rPr>
+              <a:t>高優先權的</a:t>
+            </a:r>
+            <a:r>
+              <a:rPr lang="en-US" altLang="zh-TW" sz="1200" b="0" dirty="0" err="1">
+                <a:solidFill>
+                  <a:srgbClr val="FF0000"/>
+                </a:solidFill>
+              </a:rPr>
+              <a:t>th</a:t>
+            </a:r>
+            <a:r>
+              <a:rPr lang="zh-TW" altLang="en-US" sz="1200" b="0" dirty="0">
+                <a:solidFill>
+                  <a:srgbClr val="FF0000"/>
+                </a:solidFill>
+              </a:rPr>
+              <a:t>復活的時候  可以掠奪正在執行中較低優先權的</a:t>
+            </a:r>
+            <a:r>
+              <a:rPr lang="en-US" altLang="zh-TW" sz="1200" b="0" dirty="0">
+                <a:solidFill>
+                  <a:srgbClr val="FF0000"/>
+                </a:solidFill>
+              </a:rPr>
+              <a:t>Th</a:t>
+            </a:r>
+            <a:r>
+              <a:rPr lang="zh-TW" altLang="en-US" sz="1200" b="0" dirty="0">
+                <a:solidFill>
+                  <a:srgbClr val="FF0000"/>
+                </a:solidFill>
+              </a:rPr>
+              <a:t>的</a:t>
+            </a:r>
+            <a:r>
+              <a:rPr lang="en-US" altLang="zh-TW" sz="1200" b="0" dirty="0">
+                <a:solidFill>
+                  <a:srgbClr val="FF0000"/>
+                </a:solidFill>
+              </a:rPr>
+              <a:t>CPU</a:t>
+            </a:r>
+            <a:r>
+              <a:rPr lang="zh-TW" altLang="en-US" sz="1200" b="0" dirty="0">
+                <a:solidFill>
+                  <a:srgbClr val="FF0000"/>
+                </a:solidFill>
+              </a:rPr>
+              <a:t> 拿來執行</a:t>
+            </a:r>
+            <a:endParaRPr lang="zh-TW" altLang="zh-TW" b="0" dirty="0">
               <a:latin typeface="Times New Roman" pitchFamily="18" charset="0"/>
             </a:endParaRPr>
           </a:p>
@@ -3169,9 +4110,53 @@
                 <a:ea typeface="MS PGothic" pitchFamily="34" charset="-128"/>
                 <a:cs typeface="ＭＳ Ｐゴシック" charset="-128"/>
               </a:rPr>
-              <a:t>system-contention scope (SCS) </a:t>
-            </a:r>
-            <a:endParaRPr lang="zh-TW" altLang="zh-TW" dirty="0">
+              <a:t>system-contention scope (SCS)     </a:t>
+            </a:r>
+            <a:r>
+              <a:rPr lang="en-US" altLang="zh-TW" sz="1200" b="0" i="0" u="none" strike="noStrike" kern="1200" baseline="0" dirty="0">
+                <a:solidFill>
+                  <a:schemeClr val="tx1"/>
+                </a:solidFill>
+                <a:latin typeface="Times New Roman" charset="0"/>
+                <a:ea typeface="MS PGothic" pitchFamily="34" charset="-128"/>
+                <a:cs typeface="ＭＳ Ｐゴシック" charset="-128"/>
+              </a:rPr>
+              <a:t>Thread</a:t>
+            </a:r>
+            <a:r>
+              <a:rPr lang="zh-TW" altLang="en-US" sz="1200" b="0" i="0" u="none" strike="noStrike" kern="1200" baseline="0" dirty="0">
+                <a:solidFill>
+                  <a:schemeClr val="tx1"/>
+                </a:solidFill>
+                <a:latin typeface="Times New Roman" charset="0"/>
+                <a:ea typeface="MS PGothic" pitchFamily="34" charset="-128"/>
+                <a:cs typeface="ＭＳ Ｐゴシック" charset="-128"/>
+              </a:rPr>
+              <a:t>有三大系統   </a:t>
+            </a:r>
+            <a:r>
+              <a:rPr lang="en-US" altLang="zh-TW" sz="1200" b="0" i="0" u="none" strike="noStrike" kern="1200" baseline="0" dirty="0" err="1">
+                <a:solidFill>
+                  <a:schemeClr val="tx1"/>
+                </a:solidFill>
+                <a:latin typeface="Times New Roman" charset="0"/>
+                <a:ea typeface="MS PGothic" pitchFamily="34" charset="-128"/>
+                <a:cs typeface="ＭＳ Ｐゴシック" charset="-128"/>
+              </a:rPr>
+              <a:t>pThread</a:t>
+            </a:r>
+            <a:r>
+              <a:rPr lang="en-US" altLang="zh-TW" sz="1200" b="0" i="0" u="none" strike="noStrike" kern="1200" baseline="0" dirty="0">
+                <a:solidFill>
+                  <a:schemeClr val="tx1"/>
+                </a:solidFill>
+                <a:latin typeface="Times New Roman" charset="0"/>
+                <a:ea typeface="MS PGothic" pitchFamily="34" charset="-128"/>
+                <a:cs typeface="ＭＳ Ｐゴシック" charset="-128"/>
+              </a:rPr>
+              <a:t> / win32 / java virtual machine     </a:t>
+            </a:r>
+            <a:endParaRPr lang="zh-TW" altLang="zh-TW" b="0" dirty="0">
               <a:latin typeface="Times New Roman" pitchFamily="18" charset="0"/>
             </a:endParaRPr>
           </a:p>
@@ -3222,7 +4207,7 @@
             <a:fld id="{73F4B35C-E8E4-4082-84DA-230459EBD443}" type="slidenum">
               <a:rPr lang="en-US" altLang="zh-TW"/>
               <a:pPr/>
-              <a:t>32</a:t>
+              <a:t>33</a:t>
             </a:fld>
             <a:endParaRPr lang="en-US" altLang="zh-TW"/>
           </a:p>
@@ -3304,7 +4289,40 @@
               </a:rPr>
               <a:t>system-contention scope (SCS) </a:t>
             </a:r>
-            <a:endParaRPr lang="zh-TW" altLang="zh-TW" dirty="0">
+            <a:r>
+              <a:rPr lang="zh-TW" altLang="en-US" sz="1200" b="1" i="0" u="none" strike="noStrike" kern="1200" baseline="0" dirty="0">
+                <a:solidFill>
+                  <a:schemeClr val="tx1"/>
+                </a:solidFill>
+                <a:latin typeface="Times New Roman" charset="0"/>
+                <a:ea typeface="MS PGothic" pitchFamily="34" charset="-128"/>
+                <a:cs typeface="ＭＳ Ｐゴシック" charset="-128"/>
+              </a:rPr>
+              <a:t>    </a:t>
+            </a:r>
+            <a:r>
+              <a:rPr lang="zh-TW" altLang="en-US" sz="1200" b="0" i="0" u="none" strike="noStrike" kern="1200" baseline="0" dirty="0">
+                <a:solidFill>
+                  <a:schemeClr val="tx1"/>
+                </a:solidFill>
+                <a:latin typeface="Times New Roman" charset="0"/>
+                <a:ea typeface="MS PGothic" pitchFamily="34" charset="-128"/>
+                <a:cs typeface="ＭＳ Ｐゴシック" charset="-128"/>
+              </a:rPr>
+              <a:t>底下有判斷是 </a:t>
+            </a:r>
+            <a:r>
+              <a:rPr lang="en-US" altLang="zh-TW" sz="1200" b="0" i="0" u="none" strike="noStrike" kern="1200" baseline="0" dirty="0">
+                <a:solidFill>
+                  <a:schemeClr val="tx1"/>
+                </a:solidFill>
+                <a:latin typeface="Times New Roman" charset="0"/>
+                <a:ea typeface="MS PGothic" pitchFamily="34" charset="-128"/>
+                <a:cs typeface="ＭＳ Ｐゴシック" charset="-128"/>
+              </a:rPr>
+              <a:t>== SCS PCS</a:t>
+            </a:r>
+            <a:endParaRPr lang="zh-TW" altLang="zh-TW" b="0" dirty="0">
               <a:latin typeface="Times New Roman" pitchFamily="18" charset="0"/>
             </a:endParaRPr>
           </a:p>
@@ -3360,7 +4378,7 @@
             <a:fld id="{FF3657B1-E260-498B-A4CB-76A9AE5776F1}" type="slidenum">
               <a:rPr lang="en-US" altLang="zh-TW"/>
               <a:pPr/>
-              <a:t>33</a:t>
+              <a:t>34</a:t>
             </a:fld>
             <a:endParaRPr lang="en-US" altLang="zh-TW"/>
           </a:p>
@@ -3442,12 +4460,150 @@
               </a:rPr>
               <a:t>system-contention scope (SCS) </a:t>
             </a:r>
-            <a:endParaRPr lang="zh-TW" altLang="zh-TW" dirty="0">
-              <a:latin typeface="Times New Roman" pitchFamily="18" charset="0"/>
-            </a:endParaRPr>
-          </a:p>
-          <a:p>
-            <a:endParaRPr lang="zh-TW" altLang="zh-TW" dirty="0">
+            <a:r>
+              <a:rPr lang="en-US" altLang="zh-TW" sz="1200" b="1" i="0" u="none" strike="noStrike" kern="1200" baseline="0" dirty="0">
+                <a:solidFill>
+                  <a:schemeClr val="tx1"/>
+                </a:solidFill>
+                <a:latin typeface="Times New Roman" pitchFamily="18" charset="0"/>
+                <a:ea typeface="MS PGothic" pitchFamily="34" charset="-128"/>
+                <a:cs typeface="ＭＳ Ｐゴシック" charset="-128"/>
+              </a:rPr>
+              <a:t>     </a:t>
+            </a:r>
+            <a:r>
+              <a:rPr lang="zh-TW" altLang="en-US" sz="1200" b="0" i="0" u="none" strike="noStrike" kern="1200" baseline="0" dirty="0">
+                <a:solidFill>
+                  <a:schemeClr val="tx1"/>
+                </a:solidFill>
+                <a:latin typeface="Times New Roman" pitchFamily="18" charset="0"/>
+                <a:ea typeface="MS PGothic" pitchFamily="34" charset="-128"/>
+                <a:cs typeface="ＭＳ Ｐゴシック" charset="-128"/>
+              </a:rPr>
+              <a:t>設成</a:t>
+            </a:r>
+            <a:r>
+              <a:rPr lang="en-US" altLang="zh-TW" sz="1200" b="0" i="0" u="none" strike="noStrike" kern="1200" baseline="0" dirty="0">
+                <a:solidFill>
+                  <a:schemeClr val="tx1"/>
+                </a:solidFill>
+                <a:latin typeface="Times New Roman" pitchFamily="18" charset="0"/>
+                <a:ea typeface="MS PGothic" pitchFamily="34" charset="-128"/>
+                <a:cs typeface="ＭＳ Ｐゴシック" charset="-128"/>
+              </a:rPr>
+              <a:t>SCS</a:t>
+            </a:r>
+            <a:r>
+              <a:rPr lang="zh-TW" altLang="en-US" sz="1200" b="0" i="0" u="none" strike="noStrike" kern="1200" baseline="0" dirty="0">
+                <a:solidFill>
+                  <a:schemeClr val="tx1"/>
+                </a:solidFill>
+                <a:latin typeface="Times New Roman" pitchFamily="18" charset="0"/>
+                <a:ea typeface="MS PGothic" pitchFamily="34" charset="-128"/>
+                <a:cs typeface="ＭＳ Ｐゴシック" charset="-128"/>
+              </a:rPr>
+              <a:t>   </a:t>
+            </a:r>
+            <a:r>
+              <a:rPr lang="en-US" altLang="zh-TW" sz="1200" b="0" i="0" u="none" strike="noStrike" kern="1200" baseline="0" dirty="0">
+                <a:solidFill>
+                  <a:schemeClr val="tx1"/>
+                </a:solidFill>
+                <a:latin typeface="Times New Roman" pitchFamily="18" charset="0"/>
+                <a:ea typeface="MS PGothic" pitchFamily="34" charset="-128"/>
+                <a:cs typeface="ＭＳ Ｐゴシック" charset="-128"/>
+              </a:rPr>
+              <a:t>for create 5 </a:t>
+            </a:r>
+            <a:r>
+              <a:rPr lang="zh-TW" altLang="en-US" sz="1200" b="0" i="0" u="none" strike="noStrike" kern="1200" baseline="0" dirty="0">
+                <a:solidFill>
+                  <a:schemeClr val="tx1"/>
+                </a:solidFill>
+                <a:latin typeface="Times New Roman" pitchFamily="18" charset="0"/>
+                <a:ea typeface="MS PGothic" pitchFamily="34" charset="-128"/>
+                <a:cs typeface="ＭＳ Ｐゴシック" charset="-128"/>
+              </a:rPr>
+              <a:t>個 </a:t>
+            </a:r>
+            <a:r>
+              <a:rPr lang="en-US" altLang="zh-TW" sz="1200" b="0" i="0" u="none" strike="noStrike" kern="1200" baseline="0" dirty="0" err="1">
+                <a:solidFill>
+                  <a:schemeClr val="tx1"/>
+                </a:solidFill>
+                <a:latin typeface="Times New Roman" pitchFamily="18" charset="0"/>
+                <a:ea typeface="MS PGothic" pitchFamily="34" charset="-128"/>
+                <a:cs typeface="ＭＳ Ｐゴシック" charset="-128"/>
+              </a:rPr>
+              <a:t>th</a:t>
+            </a:r>
+            <a:r>
+              <a:rPr lang="zh-TW" altLang="en-US" sz="1200" b="0" i="0" u="none" strike="noStrike" kern="1200" baseline="0" dirty="0">
+                <a:solidFill>
+                  <a:schemeClr val="tx1"/>
+                </a:solidFill>
+                <a:latin typeface="Times New Roman" pitchFamily="18" charset="0"/>
+                <a:ea typeface="MS PGothic" pitchFamily="34" charset="-128"/>
+                <a:cs typeface="ＭＳ Ｐゴシック" charset="-128"/>
+              </a:rPr>
+              <a:t>  </a:t>
+            </a:r>
+            <a:r>
+              <a:rPr lang="en-US" altLang="zh-TW" sz="1200" b="0" i="0" u="none" strike="noStrike" kern="1200" baseline="0" dirty="0">
+                <a:solidFill>
+                  <a:schemeClr val="tx1"/>
+                </a:solidFill>
+                <a:latin typeface="Times New Roman" pitchFamily="18" charset="0"/>
+                <a:ea typeface="MS PGothic" pitchFamily="34" charset="-128"/>
+                <a:cs typeface="ＭＳ Ｐゴシック" charset="-128"/>
+              </a:rPr>
+              <a:t>join</a:t>
+            </a:r>
+            <a:r>
+              <a:rPr lang="zh-TW" altLang="en-US" sz="1200" b="0" i="0" u="none" strike="noStrike" kern="1200" baseline="0" dirty="0">
+                <a:solidFill>
+                  <a:schemeClr val="tx1"/>
+                </a:solidFill>
+                <a:latin typeface="Times New Roman" pitchFamily="18" charset="0"/>
+                <a:ea typeface="MS PGothic" pitchFamily="34" charset="-128"/>
+                <a:cs typeface="ＭＳ Ｐゴシック" charset="-128"/>
+              </a:rPr>
+              <a:t>等待全部</a:t>
+            </a:r>
+            <a:r>
+              <a:rPr lang="en-US" altLang="zh-TW" sz="1200" b="0" i="0" u="none" strike="noStrike" kern="1200" baseline="0" dirty="0" err="1">
+                <a:solidFill>
+                  <a:schemeClr val="tx1"/>
+                </a:solidFill>
+                <a:latin typeface="Times New Roman" pitchFamily="18" charset="0"/>
+                <a:ea typeface="MS PGothic" pitchFamily="34" charset="-128"/>
+                <a:cs typeface="ＭＳ Ｐゴシック" charset="-128"/>
+              </a:rPr>
+              <a:t>th</a:t>
+            </a:r>
+            <a:r>
+              <a:rPr lang="zh-TW" altLang="en-US" sz="1200" b="0" i="0" u="none" strike="noStrike" kern="1200" baseline="0" dirty="0">
+                <a:solidFill>
+                  <a:schemeClr val="tx1"/>
+                </a:solidFill>
+                <a:latin typeface="Times New Roman" pitchFamily="18" charset="0"/>
+                <a:ea typeface="MS PGothic" pitchFamily="34" charset="-128"/>
+                <a:cs typeface="ＭＳ Ｐゴシック" charset="-128"/>
+              </a:rPr>
+              <a:t>執行完</a:t>
+            </a:r>
+            <a:r>
+              <a:rPr lang="en-US" altLang="zh-TW" sz="1200" b="0" i="0" u="none" strike="noStrike" kern="1200" baseline="0" dirty="0">
+                <a:solidFill>
+                  <a:schemeClr val="tx1"/>
+                </a:solidFill>
+                <a:latin typeface="Times New Roman" pitchFamily="18" charset="0"/>
+                <a:ea typeface="MS PGothic" pitchFamily="34" charset="-128"/>
+                <a:cs typeface="ＭＳ Ｐゴシック" charset="-128"/>
+              </a:rPr>
+              <a:t>    </a:t>
+            </a:r>
+            <a:endParaRPr lang="zh-TW" altLang="zh-TW" b="0" dirty="0">
               <a:latin typeface="Times New Roman" pitchFamily="18" charset="0"/>
             </a:endParaRPr>
           </a:p>
@@ -3498,7 +4654,7 @@
             <a:fld id="{B4795CE5-B7AA-49F0-819D-9F51B44470D9}" type="slidenum">
               <a:rPr lang="en-US" altLang="zh-TW"/>
               <a:pPr/>
-              <a:t>34</a:t>
+              <a:t>35</a:t>
             </a:fld>
             <a:endParaRPr lang="en-US" altLang="zh-TW"/>
           </a:p>
@@ -3594,7 +4750,25 @@
               <a:rPr lang="zh-TW" altLang="en-US" dirty="0">
                 <a:latin typeface="Times New Roman" pitchFamily="18" charset="0"/>
               </a:rPr>
-              <a:t>就行啦</a:t>
+              <a:t>就行啦       </a:t>
+            </a:r>
+            <a:r>
+              <a:rPr lang="en-US" altLang="zh-TW" dirty="0">
+                <a:latin typeface="Times New Roman" pitchFamily="18" charset="0"/>
+              </a:rPr>
+              <a:t>master</a:t>
+            </a:r>
+            <a:r>
+              <a:rPr lang="zh-TW" altLang="en-US" dirty="0">
+                <a:latin typeface="Times New Roman" pitchFamily="18" charset="0"/>
+              </a:rPr>
+              <a:t>管理   其他人執行   比較不用</a:t>
+            </a:r>
+            <a:r>
+              <a:rPr lang="en-US" altLang="zh-TW" dirty="0">
+                <a:latin typeface="Times New Roman" pitchFamily="18" charset="0"/>
+              </a:rPr>
+              <a:t>data sharing</a:t>
             </a:r>
             <a:endParaRPr lang="zh-TW" altLang="zh-TW" dirty="0">
               <a:latin typeface="Times New Roman" pitchFamily="18" charset="0"/>
@@ -3647,7 +4821,7 @@
             <a:fld id="{F82CC03D-7C30-48E7-A07D-ED04DBDB091F}" type="slidenum">
               <a:rPr lang="en-US" altLang="zh-TW"/>
               <a:pPr/>
-              <a:t>36</a:t>
+              <a:t>37</a:t>
             </a:fld>
             <a:endParaRPr lang="en-US" altLang="zh-TW"/>
           </a:p>
@@ -3685,7 +4859,91 @@
           <a:bodyPr/>
           <a:lstStyle/>
           <a:p>
-            <a:endParaRPr lang="zh-TW" altLang="zh-TW">
+            <a:r>
+              <a:rPr lang="en-US" altLang="zh-TW" dirty="0">
+                <a:latin typeface="Times New Roman" pitchFamily="18" charset="0"/>
+              </a:rPr>
+              <a:t>Soft affinity   </a:t>
+            </a:r>
+            <a:r>
+              <a:rPr lang="zh-TW" altLang="en-US" dirty="0">
+                <a:latin typeface="Times New Roman" pitchFamily="18" charset="0"/>
+              </a:rPr>
+              <a:t>一個</a:t>
+            </a:r>
+            <a:r>
+              <a:rPr lang="en-US" altLang="zh-TW" dirty="0">
+                <a:latin typeface="Times New Roman" pitchFamily="18" charset="0"/>
+              </a:rPr>
+              <a:t>proc</a:t>
+            </a:r>
+            <a:r>
+              <a:rPr lang="zh-TW" altLang="en-US" dirty="0">
+                <a:latin typeface="Times New Roman" pitchFamily="18" charset="0"/>
+              </a:rPr>
+              <a:t>在一個</a:t>
+            </a:r>
+            <a:r>
+              <a:rPr lang="en-US" altLang="zh-TW" dirty="0" err="1">
+                <a:latin typeface="Times New Roman" pitchFamily="18" charset="0"/>
+              </a:rPr>
+              <a:t>procr</a:t>
+            </a:r>
+            <a:r>
+              <a:rPr lang="zh-TW" altLang="en-US" dirty="0">
+                <a:latin typeface="Times New Roman" pitchFamily="18" charset="0"/>
+              </a:rPr>
+              <a:t>執行</a:t>
+            </a:r>
+            <a:r>
+              <a:rPr lang="en-US" altLang="zh-TW" dirty="0">
+                <a:latin typeface="Times New Roman" pitchFamily="18" charset="0"/>
+              </a:rPr>
+              <a:t>&gt;IO&gt;waiting&gt;IO done&gt;ready&gt;</a:t>
+            </a:r>
+            <a:r>
+              <a:rPr lang="zh-TW" altLang="en-US" dirty="0">
+                <a:latin typeface="Times New Roman" pitchFamily="18" charset="0"/>
+              </a:rPr>
+              <a:t>可以用不同的另一個</a:t>
+            </a:r>
+            <a:r>
+              <a:rPr lang="en-US" altLang="zh-TW" dirty="0" err="1">
+                <a:latin typeface="Times New Roman" pitchFamily="18" charset="0"/>
+              </a:rPr>
+              <a:t>procr</a:t>
+            </a:r>
+            <a:r>
+              <a:rPr lang="zh-TW" altLang="en-US" dirty="0">
+                <a:latin typeface="Times New Roman" pitchFamily="18" charset="0"/>
+              </a:rPr>
+              <a:t>跑     </a:t>
+            </a:r>
+            <a:r>
+              <a:rPr lang="en-US" altLang="zh-TW" dirty="0">
+                <a:latin typeface="Times New Roman" pitchFamily="18" charset="0"/>
+              </a:rPr>
+              <a:t>hard</a:t>
+            </a:r>
+            <a:r>
+              <a:rPr lang="zh-TW" altLang="en-US" dirty="0">
+                <a:latin typeface="Times New Roman" pitchFamily="18" charset="0"/>
+              </a:rPr>
+              <a:t>都在同一個</a:t>
+            </a:r>
+            <a:r>
+              <a:rPr lang="en-US" altLang="zh-TW" dirty="0" err="1">
+                <a:latin typeface="Times New Roman" pitchFamily="18" charset="0"/>
+              </a:rPr>
+              <a:t>procr</a:t>
+            </a:r>
+            <a:r>
+              <a:rPr lang="zh-TW" altLang="en-US" dirty="0">
+                <a:latin typeface="Times New Roman" pitchFamily="18" charset="0"/>
+              </a:rPr>
+              <a:t>跑</a:t>
+            </a:r>
+            <a:endParaRPr lang="zh-TW" altLang="zh-TW" dirty="0">
               <a:latin typeface="Times New Roman" pitchFamily="18" charset="0"/>
             </a:endParaRPr>
           </a:p>
@@ -3748,7 +5006,49 @@
           <a:bodyPr/>
           <a:lstStyle/>
           <a:p>
-            <a:endParaRPr lang="zh-TW" altLang="zh-TW">
+            <a:r>
+              <a:rPr lang="zh-TW" altLang="en-US" dirty="0">
+                <a:latin typeface="Times New Roman" pitchFamily="18" charset="0"/>
+              </a:rPr>
+              <a:t>要避免</a:t>
+            </a:r>
+            <a:r>
+              <a:rPr lang="en-US" altLang="zh-TW" dirty="0">
+                <a:latin typeface="Times New Roman" pitchFamily="18" charset="0"/>
+              </a:rPr>
+              <a:t>slow acc  </a:t>
+            </a:r>
+            <a:r>
+              <a:rPr lang="zh-TW" altLang="en-US" dirty="0">
+                <a:latin typeface="Times New Roman" pitchFamily="18" charset="0"/>
+              </a:rPr>
+              <a:t>就是盡量一個</a:t>
+            </a:r>
+            <a:r>
+              <a:rPr lang="en-US" altLang="zh-TW" dirty="0">
+                <a:latin typeface="Times New Roman" pitchFamily="18" charset="0"/>
+              </a:rPr>
+              <a:t>proc</a:t>
+            </a:r>
+            <a:r>
+              <a:rPr lang="zh-TW" altLang="en-US" dirty="0">
+                <a:latin typeface="Times New Roman" pitchFamily="18" charset="0"/>
+              </a:rPr>
+              <a:t>都在同一個</a:t>
+            </a:r>
+            <a:r>
+              <a:rPr lang="en-US" altLang="zh-TW" dirty="0" err="1">
+                <a:latin typeface="Times New Roman" pitchFamily="18" charset="0"/>
+              </a:rPr>
+              <a:t>procr</a:t>
+            </a:r>
+            <a:r>
+              <a:rPr lang="zh-TW" altLang="en-US" dirty="0">
+                <a:latin typeface="Times New Roman" pitchFamily="18" charset="0"/>
+              </a:rPr>
+              <a:t>上面跑</a:t>
+            </a:r>
+            <a:endParaRPr lang="zh-TW" altLang="zh-TW" dirty="0">
               <a:latin typeface="Times New Roman" pitchFamily="18" charset="0"/>
             </a:endParaRPr>
           </a:p>
@@ -3925,7 +5225,7 @@
             <a:fld id="{039645A6-D88A-4E44-A553-F4D73CB867E4}" type="slidenum">
               <a:rPr lang="en-US" altLang="zh-TW"/>
               <a:pPr/>
-              <a:t>40</a:t>
+              <a:t>41</a:t>
             </a:fld>
             <a:endParaRPr lang="en-US" altLang="zh-TW"/>
           </a:p>
@@ -4052,7 +5352,13 @@
           <a:bodyPr/>
           <a:lstStyle/>
           <a:p>
-            <a:endParaRPr lang="zh-TW" altLang="zh-TW">
+            <a:r>
+              <a:rPr lang="zh-TW" altLang="en-US" dirty="0">
+                <a:latin typeface="Times New Roman" pitchFamily="18" charset="0"/>
+              </a:rPr>
+              <a:t>這張圖的分布說明就是下頁</a:t>
+            </a:r>
+            <a:endParaRPr lang="zh-TW" altLang="zh-TW" dirty="0">
               <a:latin typeface="Times New Roman" pitchFamily="18" charset="0"/>
             </a:endParaRPr>
           </a:p>
@@ -4103,7 +5409,7 @@
             <a:fld id="{2DC41EAA-03ED-4552-BBFE-7EEEA2B89C46}" type="slidenum">
               <a:rPr lang="en-US" altLang="zh-TW"/>
               <a:pPr/>
-              <a:t>41</a:t>
+              <a:t>42</a:t>
             </a:fld>
             <a:endParaRPr lang="en-US" altLang="zh-TW"/>
           </a:p>
@@ -4192,7 +5498,7 @@
             <a:fld id="{8573E33F-2F28-42D2-B5CE-9878BBEDB77A}" type="slidenum">
               <a:rPr lang="en-US" altLang="zh-TW"/>
               <a:pPr/>
-              <a:t>42</a:t>
+              <a:t>43</a:t>
             </a:fld>
             <a:endParaRPr lang="en-US" altLang="zh-TW"/>
           </a:p>
@@ -4281,7 +5587,7 @@
             <a:fld id="{6877F15D-87BE-4B1F-9C54-70AA2F2C6779}" type="slidenum">
               <a:rPr lang="en-US" altLang="zh-TW"/>
               <a:pPr/>
-              <a:t>43</a:t>
+              <a:t>44</a:t>
             </a:fld>
             <a:endParaRPr lang="en-US" altLang="zh-TW"/>
           </a:p>
@@ -4319,7 +5625,181 @@
           <a:bodyPr/>
           <a:lstStyle/>
           <a:p>
-            <a:endParaRPr lang="zh-TW" altLang="zh-TW">
+            <a:r>
+              <a:rPr lang="zh-TW" altLang="en-US" dirty="0">
+                <a:latin typeface="Times New Roman" pitchFamily="18" charset="0"/>
+              </a:rPr>
+              <a:t>最左</a:t>
+            </a:r>
+            <a:r>
+              <a:rPr lang="en-US" altLang="zh-TW" dirty="0">
+                <a:latin typeface="Times New Roman" pitchFamily="18" charset="0"/>
+              </a:rPr>
+              <a:t>0~59</a:t>
+            </a:r>
+            <a:r>
+              <a:rPr lang="zh-TW" altLang="en-US" dirty="0">
+                <a:latin typeface="Times New Roman" pitchFamily="18" charset="0"/>
+              </a:rPr>
+              <a:t>個</a:t>
+            </a:r>
+            <a:r>
+              <a:rPr lang="en-US" altLang="zh-TW" dirty="0" err="1">
+                <a:latin typeface="Times New Roman" pitchFamily="18" charset="0"/>
+              </a:rPr>
+              <a:t>pri</a:t>
+            </a:r>
+            <a:r>
+              <a:rPr lang="en-US" altLang="zh-TW" dirty="0">
+                <a:latin typeface="Times New Roman" pitchFamily="18" charset="0"/>
+              </a:rPr>
+              <a:t>   </a:t>
+            </a:r>
+            <a:r>
+              <a:rPr lang="zh-TW" altLang="en-US" dirty="0">
+                <a:latin typeface="Times New Roman" pitchFamily="18" charset="0"/>
+              </a:rPr>
+              <a:t>以</a:t>
+            </a:r>
+            <a:r>
+              <a:rPr lang="en-US" altLang="zh-TW" dirty="0">
+                <a:latin typeface="Times New Roman" pitchFamily="18" charset="0"/>
+              </a:rPr>
+              <a:t>55</a:t>
+            </a:r>
+            <a:r>
+              <a:rPr lang="zh-TW" altLang="en-US" dirty="0">
+                <a:latin typeface="Times New Roman" pitchFamily="18" charset="0"/>
+              </a:rPr>
+              <a:t>高</a:t>
+            </a:r>
+            <a:r>
+              <a:rPr lang="en-US" altLang="zh-TW" dirty="0" err="1">
+                <a:latin typeface="Times New Roman" pitchFamily="18" charset="0"/>
+              </a:rPr>
+              <a:t>pri</a:t>
+            </a:r>
+            <a:r>
+              <a:rPr lang="zh-TW" altLang="en-US" dirty="0">
+                <a:latin typeface="Times New Roman" pitchFamily="18" charset="0"/>
+              </a:rPr>
+              <a:t>為例  </a:t>
+            </a:r>
+            <a:r>
+              <a:rPr lang="en-US" altLang="zh-TW" dirty="0" err="1">
+                <a:latin typeface="Times New Roman" pitchFamily="18" charset="0"/>
+              </a:rPr>
+              <a:t>timeQ</a:t>
+            </a:r>
+            <a:r>
+              <a:rPr lang="zh-TW" altLang="en-US" dirty="0">
+                <a:latin typeface="Times New Roman" pitchFamily="18" charset="0"/>
+              </a:rPr>
+              <a:t>只給</a:t>
+            </a:r>
+            <a:r>
+              <a:rPr lang="en-US" altLang="zh-TW" dirty="0">
+                <a:latin typeface="Times New Roman" pitchFamily="18" charset="0"/>
+              </a:rPr>
+              <a:t>40</a:t>
+            </a:r>
+            <a:r>
+              <a:rPr lang="zh-TW" altLang="en-US" dirty="0">
+                <a:latin typeface="Times New Roman" pitchFamily="18" charset="0"/>
+              </a:rPr>
+              <a:t>少   如果完全用完</a:t>
+            </a:r>
+            <a:r>
+              <a:rPr lang="en-US" altLang="zh-TW" dirty="0">
+                <a:latin typeface="Times New Roman" pitchFamily="18" charset="0"/>
+              </a:rPr>
+              <a:t>40</a:t>
+            </a:r>
+            <a:r>
+              <a:rPr lang="zh-TW" altLang="en-US" dirty="0">
+                <a:latin typeface="Times New Roman" pitchFamily="18" charset="0"/>
+              </a:rPr>
+              <a:t> 下次排就降級到</a:t>
+            </a:r>
+            <a:r>
+              <a:rPr lang="en-US" altLang="zh-TW" dirty="0">
+                <a:latin typeface="Times New Roman" pitchFamily="18" charset="0"/>
+              </a:rPr>
+              <a:t>45(</a:t>
+            </a:r>
+            <a:r>
+              <a:rPr lang="zh-TW" altLang="en-US" dirty="0">
+                <a:latin typeface="Times New Roman" pitchFamily="18" charset="0"/>
+              </a:rPr>
+              <a:t>越降</a:t>
+            </a:r>
+            <a:r>
+              <a:rPr lang="en-US" altLang="zh-TW" dirty="0">
+                <a:latin typeface="Times New Roman" pitchFamily="18" charset="0"/>
+              </a:rPr>
+              <a:t>CPU</a:t>
+            </a:r>
+            <a:r>
+              <a:rPr lang="zh-TW" altLang="en-US" dirty="0">
+                <a:latin typeface="Times New Roman" pitchFamily="18" charset="0"/>
+              </a:rPr>
+              <a:t>時間給越多</a:t>
+            </a:r>
+            <a:r>
+              <a:rPr lang="en-US" altLang="zh-TW" dirty="0">
+                <a:latin typeface="Times New Roman" pitchFamily="18" charset="0"/>
+              </a:rPr>
+              <a:t>)  </a:t>
+            </a:r>
+            <a:r>
+              <a:rPr lang="zh-TW" altLang="en-US" dirty="0">
+                <a:latin typeface="Times New Roman" pitchFamily="18" charset="0"/>
+              </a:rPr>
+              <a:t>執行不到</a:t>
+            </a:r>
+            <a:r>
+              <a:rPr lang="en-US" altLang="zh-TW" dirty="0">
+                <a:latin typeface="Times New Roman" pitchFamily="18" charset="0"/>
+              </a:rPr>
+              <a:t>40</a:t>
+            </a:r>
+            <a:r>
+              <a:rPr lang="zh-TW" altLang="en-US" dirty="0">
+                <a:latin typeface="Times New Roman" pitchFamily="18" charset="0"/>
+              </a:rPr>
+              <a:t>就結束</a:t>
+            </a:r>
+            <a:r>
+              <a:rPr lang="en-US" altLang="zh-TW" dirty="0">
+                <a:latin typeface="Times New Roman" pitchFamily="18" charset="0"/>
+              </a:rPr>
+              <a:t>&gt;58</a:t>
+            </a:r>
+            <a:r>
+              <a:rPr lang="zh-TW" altLang="en-US" dirty="0">
+                <a:latin typeface="Times New Roman" pitchFamily="18" charset="0"/>
+              </a:rPr>
+              <a:t>更優先     </a:t>
+            </a:r>
+            <a:r>
+              <a:rPr lang="en-US" altLang="zh-TW" dirty="0" err="1">
+                <a:latin typeface="Times New Roman" pitchFamily="18" charset="0"/>
+              </a:rPr>
+              <a:t>pri</a:t>
+            </a:r>
+            <a:r>
+              <a:rPr lang="en-US" altLang="zh-TW" dirty="0">
+                <a:latin typeface="Times New Roman" pitchFamily="18" charset="0"/>
+              </a:rPr>
+              <a:t>=15</a:t>
+            </a:r>
+            <a:r>
+              <a:rPr lang="zh-TW" altLang="en-US" dirty="0">
+                <a:latin typeface="Times New Roman" pitchFamily="18" charset="0"/>
+              </a:rPr>
+              <a:t>是另個例子 有點類似 </a:t>
+            </a:r>
+            <a:endParaRPr lang="zh-TW" altLang="zh-TW" dirty="0">
               <a:latin typeface="Times New Roman" pitchFamily="18" charset="0"/>
             </a:endParaRPr>
           </a:p>
@@ -4370,7 +5850,7 @@
             <a:fld id="{FF6028F4-CA53-4958-AA12-5A30AC5D681B}" type="slidenum">
               <a:rPr lang="en-US" altLang="zh-TW"/>
               <a:pPr/>
-              <a:t>44</a:t>
+              <a:t>45</a:t>
             </a:fld>
             <a:endParaRPr lang="en-US" altLang="zh-TW"/>
           </a:p>
@@ -4408,7 +5888,13 @@
           <a:bodyPr/>
           <a:lstStyle/>
           <a:p>
-            <a:endParaRPr lang="zh-TW" altLang="zh-TW">
+            <a:r>
+              <a:rPr lang="zh-TW" altLang="en-US" dirty="0">
+                <a:latin typeface="Times New Roman" pitchFamily="18" charset="0"/>
+              </a:rPr>
+              <a:t>就是在說前一頁</a:t>
+            </a:r>
+            <a:endParaRPr lang="zh-TW" altLang="zh-TW" dirty="0">
               <a:latin typeface="Times New Roman" pitchFamily="18" charset="0"/>
             </a:endParaRPr>
           </a:p>
@@ -4471,7 +5957,31 @@
           <a:bodyPr/>
           <a:lstStyle/>
           <a:p>
-            <a:endParaRPr lang="zh-TW" altLang="zh-TW">
+            <a:r>
+              <a:rPr lang="zh-TW" altLang="en-US" dirty="0">
+                <a:latin typeface="Times New Roman" pitchFamily="18" charset="0"/>
+              </a:rPr>
+              <a:t>全部的</a:t>
+            </a:r>
+            <a:r>
+              <a:rPr lang="en-US" altLang="zh-TW" dirty="0" err="1">
+                <a:latin typeface="Times New Roman" pitchFamily="18" charset="0"/>
+              </a:rPr>
+              <a:t>Pri</a:t>
+            </a:r>
+            <a:r>
+              <a:rPr lang="zh-TW" altLang="en-US" dirty="0">
+                <a:latin typeface="Times New Roman" pitchFamily="18" charset="0"/>
+              </a:rPr>
+              <a:t>是 </a:t>
+            </a:r>
+            <a:r>
+              <a:rPr lang="en-US" altLang="zh-TW" dirty="0">
+                <a:latin typeface="Times New Roman" pitchFamily="18" charset="0"/>
+              </a:rPr>
+              <a:t>0 ~ 169</a:t>
+            </a:r>
+            <a:endParaRPr lang="zh-TW" altLang="zh-TW" dirty="0">
               <a:latin typeface="Times New Roman" pitchFamily="18" charset="0"/>
             </a:endParaRPr>
           </a:p>
@@ -4522,7 +6032,7 @@
             <a:fld id="{DBEA53ED-6C1F-4761-B45D-4771535C2983}" type="slidenum">
               <a:rPr lang="en-US" altLang="zh-TW"/>
               <a:pPr/>
-              <a:t>46</a:t>
+              <a:t>47</a:t>
             </a:fld>
             <a:endParaRPr lang="en-US" altLang="zh-TW"/>
           </a:p>
@@ -4611,7 +6121,7 @@
             <a:fld id="{0C40940A-6DE5-48B1-AF57-CB9ED112F7D5}" type="slidenum">
               <a:rPr lang="en-US" altLang="zh-TW"/>
               <a:pPr/>
-              <a:t>47</a:t>
+              <a:t>48</a:t>
             </a:fld>
             <a:endParaRPr lang="en-US" altLang="zh-TW"/>
           </a:p>
@@ -4700,7 +6210,7 @@
             <a:fld id="{17B7B78D-2B20-4A22-9771-6494CACD8048}" type="slidenum">
               <a:rPr lang="en-US" altLang="zh-TW"/>
               <a:pPr/>
-              <a:t>48</a:t>
+              <a:t>49</a:t>
             </a:fld>
             <a:endParaRPr lang="en-US" altLang="zh-TW"/>
           </a:p>
@@ -4738,7 +6248,43 @@
           <a:bodyPr/>
           <a:lstStyle/>
           <a:p>
-            <a:endParaRPr lang="zh-TW" altLang="zh-TW">
+            <a:r>
+              <a:rPr lang="en-US" altLang="zh-TW" dirty="0">
+                <a:latin typeface="Times New Roman" pitchFamily="18" charset="0"/>
+              </a:rPr>
+              <a:t>Real time</a:t>
+            </a:r>
+            <a:r>
+              <a:rPr lang="zh-TW" altLang="en-US" dirty="0">
+                <a:latin typeface="Times New Roman" pitchFamily="18" charset="0"/>
+              </a:rPr>
+              <a:t> 的類別不會轉成其他</a:t>
+            </a:r>
+            <a:r>
+              <a:rPr lang="en-US" altLang="zh-TW" dirty="0" err="1">
+                <a:latin typeface="Times New Roman" pitchFamily="18" charset="0"/>
+              </a:rPr>
+              <a:t>pri</a:t>
+            </a:r>
+            <a:r>
+              <a:rPr lang="zh-TW" altLang="en-US" dirty="0">
+                <a:latin typeface="Times New Roman" pitchFamily="18" charset="0"/>
+              </a:rPr>
+              <a:t>的類別  其他</a:t>
+            </a:r>
+            <a:r>
+              <a:rPr lang="en-US" altLang="zh-TW" dirty="0" err="1">
+                <a:latin typeface="Times New Roman" pitchFamily="18" charset="0"/>
+              </a:rPr>
+              <a:t>pri</a:t>
+            </a:r>
+            <a:r>
+              <a:rPr lang="zh-TW" altLang="en-US" dirty="0">
+                <a:latin typeface="Times New Roman" pitchFamily="18" charset="0"/>
+              </a:rPr>
+              <a:t>可互相調整轉換</a:t>
+            </a:r>
+            <a:endParaRPr lang="zh-TW" altLang="zh-TW" dirty="0">
               <a:latin typeface="Times New Roman" pitchFamily="18" charset="0"/>
             </a:endParaRPr>
           </a:p>
@@ -4789,7 +6335,7 @@
             <a:fld id="{4FAC700E-ABEB-4131-AAA8-877D26DD8106}" type="slidenum">
               <a:rPr lang="en-US" altLang="zh-TW"/>
               <a:pPr/>
-              <a:t>49</a:t>
+              <a:t>50</a:t>
             </a:fld>
             <a:endParaRPr lang="en-US" altLang="zh-TW"/>
           </a:p>
@@ -4827,7 +6373,13 @@
           <a:bodyPr/>
           <a:lstStyle/>
           <a:p>
-            <a:endParaRPr lang="zh-TW" altLang="zh-TW">
+            <a:r>
+              <a:rPr lang="en-US" altLang="zh-TW" dirty="0">
+                <a:latin typeface="Times New Roman" pitchFamily="18" charset="0"/>
+              </a:rPr>
+              <a:t>6x7</a:t>
+            </a:r>
+            <a:endParaRPr lang="zh-TW" altLang="zh-TW" dirty="0">
               <a:latin typeface="Times New Roman" pitchFamily="18" charset="0"/>
             </a:endParaRPr>
           </a:p>
@@ -4878,7 +6430,7 @@
             <a:fld id="{1052E1E7-CE44-4C61-86DB-EB79364902FB}" type="slidenum">
               <a:rPr lang="en-US" altLang="zh-TW"/>
               <a:pPr/>
-              <a:t>50</a:t>
+              <a:t>51</a:t>
             </a:fld>
             <a:endParaRPr lang="en-US" altLang="zh-TW"/>
           </a:p>
@@ -4916,7 +6468,73 @@
           <a:bodyPr/>
           <a:lstStyle/>
           <a:p>
-            <a:endParaRPr lang="zh-TW" altLang="zh-TW">
+            <a:r>
+              <a:rPr lang="en-US" altLang="zh-TW" dirty="0">
+                <a:latin typeface="Times New Roman" pitchFamily="18" charset="0"/>
+              </a:rPr>
+              <a:t>Ex</a:t>
+            </a:r>
+            <a:r>
+              <a:rPr lang="zh-TW" altLang="en-US" dirty="0">
+                <a:latin typeface="Times New Roman" pitchFamily="18" charset="0"/>
+              </a:rPr>
+              <a:t>一開始一個</a:t>
+            </a:r>
+            <a:r>
+              <a:rPr lang="en-US" altLang="zh-TW" dirty="0">
+                <a:latin typeface="Times New Roman" pitchFamily="18" charset="0"/>
+              </a:rPr>
+              <a:t>proc</a:t>
+            </a:r>
+            <a:r>
+              <a:rPr lang="zh-TW" altLang="en-US" dirty="0">
+                <a:latin typeface="Times New Roman" pitchFamily="18" charset="0"/>
+              </a:rPr>
+              <a:t>進來  給他初始 </a:t>
+            </a:r>
+            <a:r>
+              <a:rPr lang="en-US" altLang="zh-TW" dirty="0">
+                <a:latin typeface="Times New Roman" pitchFamily="18" charset="0"/>
+              </a:rPr>
+              <a:t>base </a:t>
+            </a:r>
+            <a:r>
+              <a:rPr lang="en-US" altLang="zh-TW" dirty="0" err="1">
+                <a:latin typeface="Times New Roman" pitchFamily="18" charset="0"/>
+              </a:rPr>
+              <a:t>priL</a:t>
+            </a:r>
+            <a:r>
+              <a:rPr lang="zh-TW" altLang="en-US" dirty="0">
+                <a:latin typeface="Times New Roman" pitchFamily="18" charset="0"/>
+              </a:rPr>
+              <a:t> </a:t>
+            </a:r>
+            <a:r>
+              <a:rPr lang="en-US" altLang="zh-TW" dirty="0">
+                <a:latin typeface="Times New Roman" pitchFamily="18" charset="0"/>
+              </a:rPr>
+              <a:t>Normal    XP</a:t>
+            </a:r>
+            <a:r>
+              <a:rPr lang="zh-TW" altLang="en-US" dirty="0">
+                <a:latin typeface="Times New Roman" pitchFamily="18" charset="0"/>
+              </a:rPr>
+              <a:t>也有調整的機制  類似</a:t>
+            </a:r>
+            <a:r>
+              <a:rPr lang="en-US" altLang="zh-TW" dirty="0" err="1">
+                <a:latin typeface="Times New Roman" pitchFamily="18" charset="0"/>
+              </a:rPr>
+              <a:t>solaris</a:t>
+            </a:r>
+            <a:r>
+              <a:rPr lang="zh-TW" altLang="en-US" dirty="0">
+                <a:latin typeface="Times New Roman" pitchFamily="18" charset="0"/>
+              </a:rPr>
+              <a:t>的等級  越優先執行時間短 完全用完降級   沒用完升級</a:t>
+            </a:r>
+            <a:endParaRPr lang="zh-TW" altLang="zh-TW" dirty="0">
               <a:latin typeface="Times New Roman" pitchFamily="18" charset="0"/>
             </a:endParaRPr>
           </a:p>
@@ -5005,7 +6623,163 @@
           <a:bodyPr/>
           <a:lstStyle/>
           <a:p>
-            <a:endParaRPr lang="zh-TW" altLang="zh-TW">
+            <a:r>
+              <a:rPr lang="en-US" altLang="zh-TW" dirty="0">
+                <a:latin typeface="Times New Roman" pitchFamily="18" charset="0"/>
+              </a:rPr>
+              <a:t>IO</a:t>
+            </a:r>
+            <a:r>
+              <a:rPr lang="zh-TW" altLang="en-US" dirty="0">
+                <a:latin typeface="Times New Roman" pitchFamily="18" charset="0"/>
+              </a:rPr>
+              <a:t>的時候</a:t>
+            </a:r>
+            <a:r>
+              <a:rPr lang="en-US" altLang="zh-TW" dirty="0">
+                <a:latin typeface="Times New Roman" pitchFamily="18" charset="0"/>
+              </a:rPr>
+              <a:t>CPU</a:t>
+            </a:r>
+            <a:r>
+              <a:rPr lang="zh-TW" altLang="en-US" dirty="0">
+                <a:latin typeface="Times New Roman" pitchFamily="18" charset="0"/>
+              </a:rPr>
+              <a:t>就不使用  </a:t>
+            </a:r>
+            <a:r>
+              <a:rPr lang="en-US" altLang="zh-TW" dirty="0">
+                <a:latin typeface="Times New Roman" pitchFamily="18" charset="0"/>
+              </a:rPr>
+              <a:t>IO</a:t>
+            </a:r>
+            <a:r>
+              <a:rPr lang="zh-TW" altLang="en-US" dirty="0">
+                <a:latin typeface="Times New Roman" pitchFamily="18" charset="0"/>
+              </a:rPr>
+              <a:t>結束</a:t>
+            </a:r>
+            <a:r>
+              <a:rPr lang="en-US" altLang="zh-TW" dirty="0">
+                <a:latin typeface="Times New Roman" pitchFamily="18" charset="0"/>
+              </a:rPr>
+              <a:t>CPU</a:t>
+            </a:r>
+            <a:r>
+              <a:rPr lang="zh-TW" altLang="en-US" dirty="0">
+                <a:latin typeface="Times New Roman" pitchFamily="18" charset="0"/>
+              </a:rPr>
+              <a:t>就爆發使用    </a:t>
+            </a:r>
+            <a:r>
+              <a:rPr lang="en-US" altLang="zh-TW" dirty="0">
+                <a:latin typeface="Times New Roman" pitchFamily="18" charset="0"/>
+              </a:rPr>
+              <a:t>IO</a:t>
+            </a:r>
+            <a:r>
+              <a:rPr lang="zh-TW" altLang="en-US" dirty="0">
+                <a:latin typeface="Times New Roman" pitchFamily="18" charset="0"/>
+              </a:rPr>
+              <a:t>完之前說</a:t>
+            </a:r>
+            <a:r>
+              <a:rPr lang="en-US" altLang="zh-TW" dirty="0">
+                <a:latin typeface="Times New Roman" pitchFamily="18" charset="0"/>
+              </a:rPr>
+              <a:t>waiting state</a:t>
+            </a:r>
+            <a:r>
+              <a:rPr lang="zh-TW" altLang="en-US" dirty="0">
+                <a:latin typeface="Times New Roman" pitchFamily="18" charset="0"/>
+              </a:rPr>
+              <a:t>會先轉到</a:t>
+            </a:r>
+            <a:r>
+              <a:rPr lang="en-US" altLang="zh-TW" dirty="0">
+                <a:latin typeface="Times New Roman" pitchFamily="18" charset="0"/>
+              </a:rPr>
+              <a:t>Ready state / Ready Queue      </a:t>
+            </a:r>
+            <a:r>
+              <a:rPr lang="zh-TW" altLang="en-US" dirty="0">
+                <a:latin typeface="Times New Roman" pitchFamily="18" charset="0"/>
+              </a:rPr>
+              <a:t>右邊圖是所有</a:t>
+            </a:r>
+            <a:r>
+              <a:rPr lang="en-US" altLang="zh-TW" dirty="0">
+                <a:latin typeface="Times New Roman" pitchFamily="18" charset="0"/>
+              </a:rPr>
+              <a:t>CPU</a:t>
+            </a:r>
+            <a:r>
+              <a:rPr lang="zh-TW" altLang="en-US" dirty="0">
+                <a:latin typeface="Times New Roman" pitchFamily="18" charset="0"/>
+              </a:rPr>
+              <a:t>執行的時間累加起來 </a:t>
+            </a:r>
+            <a:r>
+              <a:rPr lang="en-US" altLang="zh-TW" dirty="0">
+                <a:latin typeface="Times New Roman" pitchFamily="18" charset="0"/>
+              </a:rPr>
+              <a:t>x</a:t>
+            </a:r>
+            <a:r>
+              <a:rPr lang="zh-TW" altLang="en-US" dirty="0">
+                <a:latin typeface="Times New Roman" pitchFamily="18" charset="0"/>
+              </a:rPr>
+              <a:t>軸時間長度 </a:t>
+            </a:r>
+            <a:r>
+              <a:rPr lang="en-US" altLang="zh-TW" dirty="0">
+                <a:latin typeface="Times New Roman" pitchFamily="18" charset="0"/>
+              </a:rPr>
+              <a:t>y</a:t>
+            </a:r>
+            <a:r>
+              <a:rPr lang="zh-TW" altLang="en-US" dirty="0">
+                <a:latin typeface="Times New Roman" pitchFamily="18" charset="0"/>
+              </a:rPr>
+              <a:t>軸發生幾次  所以紅垂直線  就是說    一次執行時間長度是 </a:t>
+            </a:r>
+            <a:r>
+              <a:rPr lang="en-US" altLang="zh-TW" dirty="0">
+                <a:latin typeface="Times New Roman" pitchFamily="18" charset="0"/>
+              </a:rPr>
+              <a:t>2ms</a:t>
+            </a:r>
+            <a:r>
+              <a:rPr lang="zh-TW" altLang="en-US" dirty="0">
+                <a:latin typeface="Times New Roman" pitchFamily="18" charset="0"/>
+              </a:rPr>
+              <a:t>的總次數有</a:t>
+            </a:r>
+            <a:r>
+              <a:rPr lang="en-US" altLang="zh-TW" dirty="0">
+                <a:latin typeface="Times New Roman" pitchFamily="18" charset="0"/>
+              </a:rPr>
+              <a:t>155</a:t>
+            </a:r>
+            <a:r>
+              <a:rPr lang="zh-TW" altLang="en-US" dirty="0">
+                <a:latin typeface="Times New Roman" pitchFamily="18" charset="0"/>
+              </a:rPr>
+              <a:t>次   所以執行時間很長的 次數 很少      短時間的次數較多   可知</a:t>
+            </a:r>
+            <a:r>
+              <a:rPr lang="en-US" altLang="zh-TW" dirty="0">
+                <a:latin typeface="Times New Roman" pitchFamily="18" charset="0"/>
+              </a:rPr>
+              <a:t>CPU</a:t>
+            </a:r>
+            <a:r>
+              <a:rPr lang="zh-TW" altLang="en-US" dirty="0">
+                <a:latin typeface="Times New Roman" pitchFamily="18" charset="0"/>
+              </a:rPr>
+              <a:t>時間分部</a:t>
+            </a:r>
+            <a:endParaRPr lang="zh-TW" altLang="zh-TW" dirty="0">
               <a:latin typeface="Times New Roman" pitchFamily="18" charset="0"/>
             </a:endParaRPr>
           </a:p>
@@ -5056,7 +6830,7 @@
             <a:fld id="{06B1D42E-1CA1-41B1-9863-3322755BE86C}" type="slidenum">
               <a:rPr lang="en-US" altLang="zh-TW"/>
               <a:pPr/>
-              <a:t>51</a:t>
+              <a:t>52</a:t>
             </a:fld>
             <a:endParaRPr lang="en-US" altLang="zh-TW"/>
           </a:p>
@@ -5145,7 +6919,7 @@
             <a:fld id="{3CB225B2-75F6-4A80-9A3A-20DC065CE3D6}" type="slidenum">
               <a:rPr lang="en-US" altLang="zh-TW"/>
               <a:pPr/>
-              <a:t>52</a:t>
+              <a:t>53</a:t>
             </a:fld>
             <a:endParaRPr lang="en-US" altLang="zh-TW"/>
           </a:p>
@@ -5183,7 +6957,97 @@
           <a:bodyPr/>
           <a:lstStyle/>
           <a:p>
-            <a:endParaRPr lang="zh-TW" altLang="zh-TW">
+            <a:r>
+              <a:rPr lang="zh-TW" altLang="en-US" dirty="0">
+                <a:latin typeface="Times New Roman" pitchFamily="18" charset="0"/>
+              </a:rPr>
+              <a:t>優先高又給時間長 </a:t>
+            </a:r>
+            <a:r>
+              <a:rPr lang="en-US" altLang="zh-TW" dirty="0">
+                <a:latin typeface="Times New Roman" pitchFamily="18" charset="0"/>
+              </a:rPr>
+              <a:t>&gt;</a:t>
+            </a:r>
+            <a:r>
+              <a:rPr lang="zh-TW" altLang="en-US" dirty="0">
+                <a:latin typeface="Times New Roman" pitchFamily="18" charset="0"/>
+              </a:rPr>
+              <a:t> </a:t>
+            </a:r>
+            <a:r>
+              <a:rPr lang="en-US" altLang="zh-TW" dirty="0">
+                <a:latin typeface="Times New Roman" pitchFamily="18" charset="0"/>
+              </a:rPr>
+              <a:t>1</a:t>
+            </a:r>
+            <a:r>
+              <a:rPr lang="zh-TW" altLang="en-US" dirty="0">
+                <a:latin typeface="Times New Roman" pitchFamily="18" charset="0"/>
+              </a:rPr>
+              <a:t>互動性很強</a:t>
+            </a:r>
+            <a:r>
+              <a:rPr lang="en-US" altLang="zh-TW" dirty="0">
+                <a:latin typeface="Times New Roman" pitchFamily="18" charset="0"/>
+              </a:rPr>
+              <a:t>&gt;</a:t>
+            </a:r>
+            <a:r>
+              <a:rPr lang="zh-TW" altLang="en-US" dirty="0">
+                <a:latin typeface="Times New Roman" pitchFamily="18" charset="0"/>
+              </a:rPr>
+              <a:t>一下就產生</a:t>
+            </a:r>
+            <a:r>
+              <a:rPr lang="en-US" altLang="zh-TW" dirty="0">
+                <a:latin typeface="Times New Roman" pitchFamily="18" charset="0"/>
+              </a:rPr>
+              <a:t>IO&gt;</a:t>
+            </a:r>
+            <a:r>
+              <a:rPr lang="zh-TW" altLang="en-US" dirty="0">
+                <a:latin typeface="Times New Roman" pitchFamily="18" charset="0"/>
+              </a:rPr>
+              <a:t>就離開結束    </a:t>
+            </a:r>
+            <a:r>
+              <a:rPr lang="en-US" altLang="zh-TW" dirty="0">
+                <a:latin typeface="Times New Roman" pitchFamily="18" charset="0"/>
+              </a:rPr>
+              <a:t>2</a:t>
+            </a:r>
+            <a:r>
+              <a:rPr lang="zh-TW" altLang="en-US" dirty="0">
+                <a:latin typeface="Times New Roman" pitchFamily="18" charset="0"/>
+              </a:rPr>
+              <a:t> </a:t>
+            </a:r>
+            <a:r>
+              <a:rPr lang="en-US" altLang="zh-TW" dirty="0">
+                <a:latin typeface="Times New Roman" pitchFamily="18" charset="0"/>
+              </a:rPr>
+              <a:t>CPU bound&gt; </a:t>
+            </a:r>
+            <a:r>
+              <a:rPr lang="zh-TW" altLang="en-US" dirty="0">
+                <a:latin typeface="Times New Roman" pitchFamily="18" charset="0"/>
+              </a:rPr>
+              <a:t>就可以拿到比前兩個更久的</a:t>
+            </a:r>
+            <a:r>
+              <a:rPr lang="en-US" altLang="zh-TW" dirty="0">
+                <a:latin typeface="Times New Roman" pitchFamily="18" charset="0"/>
+              </a:rPr>
+              <a:t>CPU</a:t>
+            </a:r>
+            <a:r>
+              <a:rPr lang="zh-TW" altLang="en-US" dirty="0">
+                <a:latin typeface="Times New Roman" pitchFamily="18" charset="0"/>
+              </a:rPr>
+              <a:t>執行時間</a:t>
+            </a:r>
+            <a:endParaRPr lang="zh-TW" altLang="zh-TW" dirty="0">
               <a:latin typeface="Times New Roman" pitchFamily="18" charset="0"/>
             </a:endParaRPr>
           </a:p>
@@ -5234,7 +7098,7 @@
             <a:fld id="{602111D3-006F-4190-ACED-7C5AC53F05F3}" type="slidenum">
               <a:rPr lang="en-US" altLang="zh-TW"/>
               <a:pPr/>
-              <a:t>53</a:t>
+              <a:t>54</a:t>
             </a:fld>
             <a:endParaRPr lang="en-US" altLang="zh-TW"/>
           </a:p>
@@ -5272,7 +7136,25 @@
           <a:bodyPr/>
           <a:lstStyle/>
           <a:p>
-            <a:endParaRPr lang="zh-TW" altLang="zh-TW">
+            <a:r>
+              <a:rPr lang="zh-TW" altLang="en-US" dirty="0">
+                <a:latin typeface="Times New Roman" pitchFamily="18" charset="0"/>
+              </a:rPr>
+              <a:t>高</a:t>
+            </a:r>
+            <a:r>
+              <a:rPr lang="en-US" altLang="zh-TW" dirty="0" err="1">
+                <a:latin typeface="Times New Roman" pitchFamily="18" charset="0"/>
+              </a:rPr>
+              <a:t>pri</a:t>
+            </a:r>
+            <a:r>
+              <a:rPr lang="zh-TW" altLang="en-US" dirty="0">
+                <a:latin typeface="Times New Roman" pitchFamily="18" charset="0"/>
+              </a:rPr>
+              <a:t>時長 反之</a:t>
+            </a:r>
+            <a:endParaRPr lang="zh-TW" altLang="zh-TW" dirty="0">
               <a:latin typeface="Times New Roman" pitchFamily="18" charset="0"/>
             </a:endParaRPr>
           </a:p>
@@ -5323,7 +7205,7 @@
             <a:fld id="{DBFE7C51-2A04-4A11-8F6D-9DD760316B57}" type="slidenum">
               <a:rPr lang="en-US" altLang="zh-TW"/>
               <a:pPr/>
-              <a:t>54</a:t>
+              <a:t>55</a:t>
             </a:fld>
             <a:endParaRPr lang="en-US" altLang="zh-TW"/>
           </a:p>
@@ -5361,7 +7243,61 @@
           <a:bodyPr/>
           <a:lstStyle/>
           <a:p>
-            <a:endParaRPr lang="zh-TW" altLang="zh-TW">
+            <a:r>
+              <a:rPr lang="zh-TW" altLang="en-US" dirty="0">
+                <a:latin typeface="Times New Roman" pitchFamily="18" charset="0"/>
+              </a:rPr>
+              <a:t>資料結構就用一些</a:t>
+            </a:r>
+            <a:r>
+              <a:rPr lang="en-US" altLang="zh-TW" dirty="0">
+                <a:latin typeface="Times New Roman" pitchFamily="18" charset="0"/>
+              </a:rPr>
+              <a:t>linked list    </a:t>
+            </a:r>
+            <a:r>
+              <a:rPr lang="zh-TW" altLang="en-US" dirty="0">
+                <a:latin typeface="Times New Roman" pitchFamily="18" charset="0"/>
+              </a:rPr>
+              <a:t>左邊的依</a:t>
+            </a:r>
+            <a:r>
+              <a:rPr lang="en-US" altLang="zh-TW" dirty="0" err="1">
+                <a:latin typeface="Times New Roman" pitchFamily="18" charset="0"/>
+              </a:rPr>
+              <a:t>pri</a:t>
+            </a:r>
+            <a:r>
+              <a:rPr lang="zh-TW" altLang="en-US" dirty="0">
+                <a:latin typeface="Times New Roman" pitchFamily="18" charset="0"/>
+              </a:rPr>
+              <a:t>挑最優先的執行  給他一個</a:t>
+            </a:r>
+            <a:r>
+              <a:rPr lang="en-US" altLang="zh-TW" dirty="0">
+                <a:latin typeface="Times New Roman" pitchFamily="18" charset="0"/>
+              </a:rPr>
+              <a:t>CPU</a:t>
+            </a:r>
+            <a:r>
+              <a:rPr lang="zh-TW" altLang="en-US" dirty="0">
+                <a:latin typeface="Times New Roman" pitchFamily="18" charset="0"/>
+              </a:rPr>
+              <a:t>時間 不管有沒有花完 有花完  或產生</a:t>
+            </a:r>
+            <a:r>
+              <a:rPr lang="en-US" altLang="zh-TW" dirty="0">
+                <a:latin typeface="Times New Roman" pitchFamily="18" charset="0"/>
+              </a:rPr>
+              <a:t>IO</a:t>
+            </a:r>
+            <a:r>
+              <a:rPr lang="zh-TW" altLang="en-US" dirty="0">
+                <a:latin typeface="Times New Roman" pitchFamily="18" charset="0"/>
+              </a:rPr>
+              <a:t>中途離開 就都放到右邊    左邊的全都跑完後  右邊的換到左邊</a:t>
+            </a:r>
+            <a:endParaRPr lang="zh-TW" altLang="zh-TW" dirty="0">
               <a:latin typeface="Times New Roman" pitchFamily="18" charset="0"/>
             </a:endParaRPr>
           </a:p>
@@ -5412,7 +7348,7 @@
             <a:fld id="{10817E05-AD51-4CAA-81E5-96C49ED9296A}" type="slidenum">
               <a:rPr lang="en-US" altLang="zh-TW"/>
               <a:pPr/>
-              <a:t>55</a:t>
+              <a:t>56</a:t>
             </a:fld>
             <a:endParaRPr lang="en-US" altLang="zh-TW"/>
           </a:p>
@@ -5525,7 +7461,7 @@
             <a:fld id="{8BD4D689-A522-4FB4-921E-3C6A33F313F8}" type="slidenum">
               <a:rPr lang="en-US" altLang="zh-TW"/>
               <a:pPr/>
-              <a:t>56</a:t>
+              <a:t>57</a:t>
             </a:fld>
             <a:endParaRPr lang="en-US" altLang="zh-TW"/>
           </a:p>
@@ -5585,7 +7521,67 @@
                 <a:ea typeface="MS PGothic" pitchFamily="34" charset="-128"/>
                 <a:cs typeface="ＭＳ Ｐゴシック" charset="-128"/>
               </a:rPr>
-              <a:t>    工作量</a:t>
+              <a:t>    工作量      用一個特定量的</a:t>
+            </a:r>
+            <a:r>
+              <a:rPr lang="en-US" altLang="zh-TW" sz="1200" b="0" i="0" kern="1200" dirty="0" err="1">
+                <a:solidFill>
+                  <a:schemeClr val="tx1"/>
+                </a:solidFill>
+                <a:effectLst/>
+                <a:latin typeface="Times New Roman" charset="0"/>
+                <a:ea typeface="MS PGothic" pitchFamily="34" charset="-128"/>
+                <a:cs typeface="ＭＳ Ｐゴシック" charset="-128"/>
+              </a:rPr>
+              <a:t>workoload</a:t>
+            </a:r>
+            <a:r>
+              <a:rPr lang="zh-TW" altLang="en-US" sz="1200" b="0" i="0" kern="1200" dirty="0">
+                <a:solidFill>
+                  <a:schemeClr val="tx1"/>
+                </a:solidFill>
+                <a:effectLst/>
+                <a:latin typeface="Times New Roman" charset="0"/>
+                <a:ea typeface="MS PGothic" pitchFamily="34" charset="-128"/>
+                <a:cs typeface="ＭＳ Ｐゴシック" charset="-128"/>
+              </a:rPr>
+              <a:t>去跑</a:t>
+            </a:r>
+            <a:r>
+              <a:rPr lang="en-US" altLang="zh-TW" sz="1200" b="0" i="0" kern="1200" dirty="0">
+                <a:solidFill>
+                  <a:schemeClr val="tx1"/>
+                </a:solidFill>
+                <a:effectLst/>
+                <a:latin typeface="Times New Roman" charset="0"/>
+                <a:ea typeface="MS PGothic" pitchFamily="34" charset="-128"/>
+                <a:cs typeface="ＭＳ Ｐゴシック" charset="-128"/>
+              </a:rPr>
+              <a:t>schedule algorithm</a:t>
+            </a:r>
+            <a:r>
+              <a:rPr lang="zh-TW" altLang="en-US" sz="1200" b="0" i="0" kern="1200" dirty="0">
+                <a:solidFill>
+                  <a:schemeClr val="tx1"/>
+                </a:solidFill>
+                <a:effectLst/>
+                <a:latin typeface="Times New Roman" charset="0"/>
+                <a:ea typeface="MS PGothic" pitchFamily="34" charset="-128"/>
+                <a:cs typeface="ＭＳ Ｐゴシック" charset="-128"/>
+              </a:rPr>
+              <a:t>來測量</a:t>
+            </a:r>
+            <a:r>
+              <a:rPr lang="en-US" altLang="zh-TW" sz="1200" b="0" i="0" kern="1200" dirty="0">
+                <a:solidFill>
+                  <a:schemeClr val="tx1"/>
+                </a:solidFill>
+                <a:effectLst/>
+                <a:latin typeface="Times New Roman" charset="0"/>
+                <a:ea typeface="MS PGothic" pitchFamily="34" charset="-128"/>
+                <a:cs typeface="ＭＳ Ｐゴシック" charset="-128"/>
+              </a:rPr>
+              <a:t>performance</a:t>
             </a:r>
             <a:endParaRPr lang="zh-TW" altLang="zh-TW" dirty="0">
               <a:latin typeface="Times New Roman" pitchFamily="18" charset="0"/>
@@ -5638,7 +7634,7 @@
             <a:fld id="{87908C69-54CA-4ABB-9E5B-7704964B3924}" type="slidenum">
               <a:rPr lang="en-US" altLang="zh-TW"/>
               <a:pPr/>
-              <a:t>57</a:t>
+              <a:t>58</a:t>
             </a:fld>
             <a:endParaRPr lang="en-US" altLang="zh-TW"/>
           </a:p>
@@ -5676,7 +7672,37 @@
           <a:bodyPr/>
           <a:lstStyle/>
           <a:p>
-            <a:endParaRPr lang="zh-TW" altLang="zh-TW">
+            <a:r>
+              <a:rPr lang="zh-TW" altLang="en-US" dirty="0">
+                <a:latin typeface="Times New Roman" pitchFamily="18" charset="0"/>
+              </a:rPr>
+              <a:t>用一個特定的工作  去跑</a:t>
+            </a:r>
+            <a:r>
+              <a:rPr lang="en-US" altLang="zh-TW" dirty="0" err="1">
+                <a:latin typeface="Times New Roman" pitchFamily="18" charset="0"/>
+              </a:rPr>
+              <a:t>algo</a:t>
+            </a:r>
+            <a:r>
+              <a:rPr lang="en-US" altLang="zh-TW" dirty="0">
+                <a:latin typeface="Times New Roman" pitchFamily="18" charset="0"/>
+              </a:rPr>
+              <a:t>  </a:t>
+            </a:r>
+            <a:r>
+              <a:rPr lang="zh-TW" altLang="en-US" dirty="0">
+                <a:latin typeface="Times New Roman" pitchFamily="18" charset="0"/>
+              </a:rPr>
+              <a:t>再測量表現</a:t>
+            </a:r>
+            <a:r>
+              <a:rPr lang="en-US" altLang="zh-TW" dirty="0">
+                <a:latin typeface="Times New Roman" pitchFamily="18" charset="0"/>
+              </a:rPr>
+              <a:t>  </a:t>
+            </a:r>
+            <a:endParaRPr lang="zh-TW" altLang="zh-TW" dirty="0">
               <a:latin typeface="Times New Roman" pitchFamily="18" charset="0"/>
             </a:endParaRPr>
           </a:p>
@@ -5727,7 +7753,7 @@
             <a:fld id="{42F876B0-74E4-4E97-BD11-7F53BE732500}" type="slidenum">
               <a:rPr lang="en-US" altLang="zh-TW"/>
               <a:pPr/>
-              <a:t>58</a:t>
+              <a:t>59</a:t>
             </a:fld>
             <a:endParaRPr lang="en-US" altLang="zh-TW"/>
           </a:p>
@@ -5765,7 +7791,19 @@
           <a:bodyPr/>
           <a:lstStyle/>
           <a:p>
-            <a:endParaRPr lang="zh-TW" altLang="zh-TW">
+            <a:r>
+              <a:rPr lang="en-US" altLang="zh-TW" dirty="0">
+                <a:latin typeface="Times New Roman" pitchFamily="18" charset="0"/>
+              </a:rPr>
+              <a:t>SJF</a:t>
+            </a:r>
+            <a:r>
+              <a:rPr lang="zh-TW" altLang="en-US" dirty="0">
+                <a:latin typeface="Times New Roman" pitchFamily="18" charset="0"/>
+              </a:rPr>
+              <a:t>最好</a:t>
+            </a:r>
+            <a:endParaRPr lang="zh-TW" altLang="zh-TW" dirty="0">
               <a:latin typeface="Times New Roman" pitchFamily="18" charset="0"/>
             </a:endParaRPr>
           </a:p>
@@ -5816,7 +7854,7 @@
             <a:fld id="{ECA99290-4875-4B09-A882-675203B3EC4A}" type="slidenum">
               <a:rPr lang="en-US" altLang="zh-TW"/>
               <a:pPr/>
-              <a:t>59</a:t>
+              <a:t>60</a:t>
             </a:fld>
             <a:endParaRPr lang="en-US" altLang="zh-TW"/>
           </a:p>
@@ -5865,6 +7903,26 @@
             <a:r>
               <a:rPr lang="en-US" altLang="zh-TW" sz="1200" dirty="0"/>
               <a:t> of CPU and I/O bursts.</a:t>
+            </a:r>
+            <a:r>
+              <a:rPr lang="zh-TW" altLang="en-US" sz="1200" dirty="0"/>
+              <a:t>例如</a:t>
+            </a:r>
+            <a:r>
+              <a:rPr lang="en-US" altLang="zh-TW" sz="1200" dirty="0"/>
+              <a:t>exponential distribution </a:t>
+            </a:r>
+            <a:r>
+              <a:rPr lang="zh-TW" altLang="en-US" sz="1200" dirty="0"/>
+              <a:t>或</a:t>
+            </a:r>
+            <a:r>
+              <a:rPr lang="en-US" altLang="zh-TW" sz="1200" dirty="0"/>
+              <a:t>proc</a:t>
+            </a:r>
+            <a:r>
+              <a:rPr lang="zh-TW" altLang="en-US" sz="1200" dirty="0"/>
+              <a:t>一下子進來一堆  或平均一個個慢慢進來</a:t>
             </a:r>
             <a:endParaRPr lang="zh-TW" altLang="zh-TW" dirty="0">
               <a:latin typeface="Times New Roman" pitchFamily="18" charset="0"/>
@@ -5917,7 +7975,7 @@
             <a:fld id="{ADC5CD97-1B2A-4870-8D09-4E424F34EE14}" type="slidenum">
               <a:rPr lang="en-US" altLang="zh-TW"/>
               <a:pPr/>
-              <a:t>60</a:t>
+              <a:t>62</a:t>
             </a:fld>
             <a:endParaRPr lang="en-US" altLang="zh-TW"/>
           </a:p>
@@ -5957,11 +8015,37 @@
           <a:p>
             <a:r>
               <a:rPr lang="en-US" altLang="zh-TW" sz="1200" dirty="0"/>
-              <a:t>the distribution of times when processes arrive in the system </a:t>
-            </a:r>
-            <a:endParaRPr lang="zh-TW" altLang="zh-TW" dirty="0">
-              <a:latin typeface="Times New Roman" pitchFamily="18" charset="0"/>
-            </a:endParaRPr>
+              <a:t>the distribution of times when processes arrive in the system</a:t>
+            </a:r>
+            <a:r>
+              <a:rPr lang="zh-TW" altLang="en-US" sz="1200" dirty="0"/>
+              <a:t>       </a:t>
+            </a:r>
+            <a:r>
+              <a:rPr lang="en-US" altLang="zh-TW" sz="1200" dirty="0"/>
+              <a:t>two distributions:</a:t>
+            </a:r>
+            <a:r>
+              <a:rPr lang="zh-TW" altLang="en-US" sz="1200" dirty="0"/>
+              <a:t> </a:t>
+            </a:r>
+            <a:r>
+              <a:rPr lang="en-US" altLang="zh-TW" sz="1200" dirty="0"/>
+              <a:t>1 distribution of CPU/IO burst  2 proc</a:t>
+            </a:r>
+            <a:r>
+              <a:rPr lang="zh-TW" altLang="en-US" sz="1200" dirty="0"/>
+              <a:t>到達</a:t>
+            </a:r>
+            <a:r>
+              <a:rPr lang="en-US" altLang="zh-TW" sz="1200" dirty="0"/>
+              <a:t>/</a:t>
+            </a:r>
+            <a:r>
+              <a:rPr lang="zh-TW" altLang="en-US" sz="1200" dirty="0"/>
+              <a:t>產生的頻率時間</a:t>
+            </a:r>
+            <a:endParaRPr lang="en-US" altLang="zh-TW" sz="1200" dirty="0"/>
           </a:p>
         </p:txBody>
       </p:sp>
@@ -6048,7 +8132,61 @@
           <a:bodyPr/>
           <a:lstStyle/>
           <a:p>
-            <a:endParaRPr lang="zh-TW" altLang="zh-TW">
+            <a:r>
+              <a:rPr lang="zh-TW" altLang="en-US" dirty="0">
+                <a:latin typeface="Times New Roman" pitchFamily="18" charset="0"/>
+              </a:rPr>
+              <a:t>例如目前狀態  有一個</a:t>
+            </a:r>
+            <a:r>
+              <a:rPr lang="en-US" altLang="zh-TW" dirty="0">
+                <a:latin typeface="Times New Roman" pitchFamily="18" charset="0"/>
+              </a:rPr>
+              <a:t>p</a:t>
+            </a:r>
+            <a:r>
+              <a:rPr lang="zh-TW" altLang="en-US" dirty="0">
+                <a:latin typeface="Times New Roman" pitchFamily="18" charset="0"/>
+              </a:rPr>
+              <a:t>從</a:t>
+            </a:r>
+            <a:r>
+              <a:rPr lang="en-US" altLang="zh-TW" dirty="0">
+                <a:latin typeface="Times New Roman" pitchFamily="18" charset="0"/>
+              </a:rPr>
+              <a:t>wait &gt; ready</a:t>
+            </a:r>
+            <a:r>
+              <a:rPr lang="zh-TW" altLang="en-US" dirty="0">
+                <a:latin typeface="Times New Roman" pitchFamily="18" charset="0"/>
+              </a:rPr>
+              <a:t>  就可能要考慮是不是要換一隻</a:t>
+            </a:r>
+            <a:r>
+              <a:rPr lang="en-US" altLang="zh-TW" dirty="0">
+                <a:latin typeface="Times New Roman" pitchFamily="18" charset="0"/>
+              </a:rPr>
+              <a:t>running</a:t>
+            </a:r>
+            <a:r>
+              <a:rPr lang="zh-TW" altLang="en-US" dirty="0">
+                <a:latin typeface="Times New Roman" pitchFamily="18" charset="0"/>
+              </a:rPr>
+              <a:t>得下來 丟一隻</a:t>
+            </a:r>
+            <a:r>
+              <a:rPr lang="en-US" altLang="zh-TW" dirty="0">
+                <a:latin typeface="Times New Roman" pitchFamily="18" charset="0"/>
+              </a:rPr>
+              <a:t>ready</a:t>
+            </a:r>
+            <a:r>
+              <a:rPr lang="zh-TW" altLang="en-US" dirty="0">
+                <a:latin typeface="Times New Roman" pitchFamily="18" charset="0"/>
+              </a:rPr>
+              <a:t>的上去   同理程式終止也可能要考慮對其他隻做新的安排   </a:t>
+            </a:r>
+            <a:endParaRPr lang="zh-TW" altLang="zh-TW" dirty="0">
               <a:latin typeface="Times New Roman" pitchFamily="18" charset="0"/>
             </a:endParaRPr>
           </a:p>
@@ -6099,7 +8237,7 @@
             <a:fld id="{0E5435B8-6566-4B5D-8635-DC344E3D15C4}" type="slidenum">
               <a:rPr lang="en-US" altLang="zh-TW"/>
               <a:pPr/>
-              <a:t>61</a:t>
+              <a:t>63</a:t>
             </a:fld>
             <a:endParaRPr lang="en-US" altLang="zh-TW"/>
           </a:p>
@@ -6292,7 +8430,7 @@
             <a:fld id="{09D5A5BB-09B1-4AF2-AC7F-E7251BAB175A}" type="slidenum">
               <a:rPr lang="en-US" altLang="zh-TW"/>
               <a:pPr/>
-              <a:t>62</a:t>
+              <a:t>64</a:t>
             </a:fld>
             <a:endParaRPr lang="en-US" altLang="zh-TW"/>
           </a:p>
@@ -6381,7 +8519,7 @@
             <a:fld id="{1CC3D47C-C5F7-45C1-9077-4D2F25D05BBF}" type="slidenum">
               <a:rPr lang="en-US" altLang="zh-TW"/>
               <a:pPr/>
-              <a:t>63</a:t>
+              <a:t>65</a:t>
             </a:fld>
             <a:endParaRPr lang="en-US" altLang="zh-TW"/>
           </a:p>
@@ -6440,10 +8578,31 @@
               </a:rPr>
               <a:t>n.</a:t>
             </a:r>
-          </a:p>
-          <a:p>
-            <a:r>
-              <a:rPr lang="zh-TW" altLang="en-US" sz="1200" b="0" i="0" kern="1200">
+            <a:r>
+              <a:rPr lang="zh-TW" altLang="en-US" sz="1200" b="0" i="0" kern="1200" dirty="0">
+                <a:solidFill>
+                  <a:schemeClr val="tx1"/>
+                </a:solidFill>
+                <a:effectLst/>
+                <a:latin typeface="Times New Roman" charset="0"/>
+                <a:ea typeface="MS PGothic" pitchFamily="34" charset="-128"/>
+                <a:cs typeface="ＭＳ Ｐゴシック" charset="-128"/>
+              </a:rPr>
+              <a:t>                                不是真正在跑   是模擬   餵很多種模擬資料去跑</a:t>
+            </a:r>
+            <a:endParaRPr lang="en-US" altLang="zh-TW" sz="1200" b="0" i="0" kern="1200" dirty="0">
+              <a:solidFill>
+                <a:schemeClr val="tx1"/>
+              </a:solidFill>
+              <a:effectLst/>
+              <a:latin typeface="Times New Roman" charset="0"/>
+              <a:ea typeface="MS PGothic" pitchFamily="34" charset="-128"/>
+              <a:cs typeface="ＭＳ Ｐゴシック" charset="-128"/>
+            </a:endParaRPr>
+          </a:p>
+          <a:p>
+            <a:r>
+              <a:rPr lang="zh-TW" altLang="en-US" sz="1200" b="0" i="0" kern="1200" dirty="0">
                 <a:solidFill>
                   <a:schemeClr val="tx1"/>
                 </a:solidFill>
@@ -6507,7 +8666,7 @@
             <a:fld id="{5D0556B8-8217-4017-ABF6-44E588B22318}" type="slidenum">
               <a:rPr lang="en-US" altLang="zh-TW"/>
               <a:pPr/>
-              <a:t>64</a:t>
+              <a:t>66</a:t>
             </a:fld>
             <a:endParaRPr lang="en-US" altLang="zh-TW"/>
           </a:p>
@@ -6723,7 +8882,7 @@
           <a:bodyPr/>
           <a:lstStyle/>
           <a:p>
-            <a:endParaRPr lang="zh-TW" altLang="zh-TW">
+            <a:endParaRPr lang="zh-TW" altLang="zh-TW" dirty="0">
               <a:latin typeface="Times New Roman" pitchFamily="18" charset="0"/>
             </a:endParaRPr>
           </a:p>
@@ -12595,7 +14754,27 @@
             </a:r>
             <a:r>
               <a:rPr lang="en-US" altLang="zh-TW" sz="2800" dirty="0"/>
-              <a:t>– gives minimum average waiting time for a given set of processes</a:t>
+              <a:t>– </a:t>
+            </a:r>
+            <a:r>
+              <a:rPr lang="en-US" altLang="zh-TW" sz="2800" dirty="0">
+                <a:solidFill>
+                  <a:srgbClr val="FF0000"/>
+                </a:solidFill>
+              </a:rPr>
+              <a:t>gives minimum average waiting time </a:t>
+            </a:r>
+            <a:r>
+              <a:rPr lang="zh-TW" altLang="en-US" sz="2800" dirty="0">
+                <a:solidFill>
+                  <a:srgbClr val="FF0000"/>
+                </a:solidFill>
+              </a:rPr>
+              <a:t>等待時間最佳解</a:t>
+            </a:r>
+            <a:r>
+              <a:rPr lang="en-US" altLang="zh-TW" sz="2800" dirty="0"/>
+              <a:t>for a given set of processes</a:t>
             </a:r>
           </a:p>
           <a:p>
@@ -12604,6 +14783,19 @@
               <a:rPr lang="en-US" altLang="zh-TW" sz="2800" dirty="0"/>
               <a:t>The difficulty is knowing the length of the next CPU request</a:t>
             </a:r>
+            <a:r>
+              <a:rPr lang="zh-TW" altLang="en-US" sz="2800" dirty="0"/>
+              <a:t>不確定預知後面每個</a:t>
+            </a:r>
+            <a:r>
+              <a:rPr lang="en-US" altLang="zh-TW" sz="2800" dirty="0"/>
+              <a:t>p</a:t>
+            </a:r>
+            <a:r>
+              <a:rPr lang="zh-TW" altLang="en-US" sz="2800" dirty="0"/>
+              <a:t>要跑多久 但可預測</a:t>
+            </a:r>
+            <a:endParaRPr lang="en-US" altLang="zh-TW" sz="2800" dirty="0"/>
           </a:p>
         </p:txBody>
       </p:sp>
@@ -13972,7 +16164,7 @@
           <a:graphicData uri="http://schemas.openxmlformats.org/presentationml/2006/ole">
             <mc:AlternateContent xmlns:mc="http://schemas.openxmlformats.org/markup-compatibility/2006">
               <mc:Choice xmlns:v="urn:schemas-microsoft-com:vml" Requires="v">
-                <p:oleObj spid="_x0000_s1030" name="方程式" r:id="rId4" imgW="6400800" imgH="1777680" progId="Equation.3">
+                <p:oleObj spid="_x0000_s1094" name="方程式" r:id="rId4" imgW="6400800" imgH="1777680" progId="Equation.3">
                   <p:embed/>
                 </p:oleObj>
               </mc:Choice>
@@ -14119,7 +16311,7 @@
             <a:graphicData uri="http://schemas.openxmlformats.org/presentationml/2006/ole">
               <mc:AlternateContent xmlns:mc="http://schemas.openxmlformats.org/markup-compatibility/2006">
                 <mc:Choice xmlns:v="urn:schemas-microsoft-com:vml" Requires="v">
-                  <p:oleObj spid="_x0000_s1031" name="方程式" r:id="rId6" imgW="1320480" imgH="228600" progId="Equation.3">
+                  <p:oleObj spid="_x0000_s1095" name="方程式" r:id="rId6" imgW="1320480" imgH="228600" progId="Equation.3">
                     <p:embed/>
                   </p:oleObj>
                 </mc:Choice>
@@ -14519,6 +16711,27 @@
               </a:rPr>
               <a:t> =0</a:t>
             </a:r>
+            <a:r>
+              <a:rPr lang="zh-TW" altLang="en-US" dirty="0">
+                <a:sym typeface="Symbol" pitchFamily="18" charset="2"/>
+              </a:rPr>
+              <a:t>    完全不看實際執行</a:t>
+            </a:r>
+            <a:r>
+              <a:rPr lang="en-US" altLang="zh-TW" dirty="0">
+                <a:sym typeface="Symbol" pitchFamily="18" charset="2"/>
+              </a:rPr>
+              <a:t>&gt;</a:t>
+            </a:r>
+            <a:r>
+              <a:rPr lang="zh-TW" altLang="en-US" dirty="0">
+                <a:sym typeface="Symbol" pitchFamily="18" charset="2"/>
+              </a:rPr>
+              <a:t>不準</a:t>
+            </a:r>
+            <a:endParaRPr lang="en-US" altLang="zh-TW" dirty="0">
+              <a:sym typeface="Symbol" pitchFamily="18" charset="2"/>
+            </a:endParaRPr>
           </a:p>
           <a:p>
             <a:pPr lvl="1">
@@ -14579,6 +16792,15 @@
               </a:rPr>
               <a:t> =1</a:t>
             </a:r>
+            <a:r>
+              <a:rPr lang="zh-TW" altLang="en-US" dirty="0">
+                <a:sym typeface="Symbol" pitchFamily="18" charset="2"/>
+              </a:rPr>
+              <a:t>    只看最後一次</a:t>
+            </a:r>
+            <a:endParaRPr lang="en-US" altLang="zh-TW" dirty="0">
+              <a:sym typeface="Symbol" pitchFamily="18" charset="2"/>
+            </a:endParaRPr>
           </a:p>
           <a:p>
             <a:pPr lvl="1">
@@ -14648,6 +16870,15 @@
               </a:rPr>
               <a:t>If we expand the formula, we get:</a:t>
             </a:r>
+            <a:r>
+              <a:rPr lang="zh-TW" altLang="en-US" dirty="0">
+                <a:sym typeface="Symbol" pitchFamily="18" charset="2"/>
+              </a:rPr>
+              <a:t>  越前面的項影響越大</a:t>
+            </a:r>
+            <a:endParaRPr lang="en-US" altLang="zh-TW" dirty="0">
+              <a:sym typeface="Symbol" pitchFamily="18" charset="2"/>
+            </a:endParaRPr>
           </a:p>
           <a:p>
             <a:pPr lvl="2">
@@ -14941,7 +17172,7 @@
         </p:nvGrpSpPr>
         <p:grpSpPr>
           <a:xfrm>
-            <a:off x="5013434" y="945928"/>
+            <a:off x="5530269" y="945928"/>
             <a:ext cx="3799498" cy="725217"/>
             <a:chOff x="3042745" y="4540469"/>
             <a:chExt cx="4083269" cy="772510"/>
@@ -15026,7 +17257,7 @@
             <a:graphicData uri="http://schemas.openxmlformats.org/presentationml/2006/ole">
               <mc:AlternateContent xmlns:mc="http://schemas.openxmlformats.org/markup-compatibility/2006">
                 <mc:Choice xmlns:v="urn:schemas-microsoft-com:vml" Requires="v">
-                  <p:oleObj spid="_x0000_s46083" name="方程式" r:id="rId4" imgW="1320480" imgH="228600" progId="Equation.3">
+                  <p:oleObj spid="_x0000_s46114" name="方程式" r:id="rId4" imgW="1320480" imgH="228600" progId="Equation.3">
                     <p:embed/>
                   </p:oleObj>
                 </mc:Choice>
@@ -15800,7 +18031,7 @@
             <a:graphicData uri="http://schemas.openxmlformats.org/presentationml/2006/ole">
               <mc:AlternateContent xmlns:mc="http://schemas.openxmlformats.org/markup-compatibility/2006">
                 <mc:Choice xmlns:v="urn:schemas-microsoft-com:vml" Requires="v">
-                  <p:oleObj spid="_x0000_s44037" name="方程式" r:id="rId5" imgW="1320480" imgH="228600" progId="Equation.3">
+                  <p:oleObj spid="_x0000_s44069" name="方程式" r:id="rId5" imgW="1320480" imgH="228600" progId="Equation.3">
                     <p:embed/>
                   </p:oleObj>
                 </mc:Choice>
@@ -18417,7 +20648,65 @@
             </a:pPr>
             <a:r>
               <a:rPr lang="en-US" altLang="zh-TW" dirty="0"/>
-              <a:t>Average waiting time = ? </a:t>
+              <a:t>Average waiting time = ?   </a:t>
+            </a:r>
+            <a:r>
+              <a:rPr lang="zh-TW" altLang="en-US" dirty="0"/>
+              <a:t>自己算</a:t>
+            </a:r>
+            <a:endParaRPr lang="en-US" altLang="zh-TW" dirty="0"/>
+          </a:p>
+          <a:p>
+            <a:pPr>
+              <a:tabLst>
+                <a:tab pos="1603375" algn="ctr"/>
+                <a:tab pos="3254375" algn="ctr"/>
+                <a:tab pos="5143500" algn="ctr"/>
+              </a:tabLst>
+            </a:pPr>
+            <a:r>
+              <a:rPr lang="zh-TW" altLang="en-US" dirty="0"/>
+              <a:t>一開始</a:t>
+            </a:r>
+            <a:r>
+              <a:rPr lang="en-US" altLang="zh-TW" dirty="0"/>
+              <a:t>p1  </a:t>
+            </a:r>
+            <a:r>
+              <a:rPr lang="zh-TW" altLang="en-US" dirty="0"/>
+              <a:t>時間</a:t>
+            </a:r>
+            <a:r>
+              <a:rPr lang="en-US" altLang="zh-TW" dirty="0"/>
+              <a:t>1  </a:t>
+            </a:r>
+            <a:r>
+              <a:rPr lang="zh-TW" altLang="en-US" dirty="0"/>
+              <a:t>有</a:t>
+            </a:r>
+            <a:r>
+              <a:rPr lang="en-US" altLang="zh-TW" dirty="0"/>
+              <a:t>p2</a:t>
+            </a:r>
+            <a:r>
+              <a:rPr lang="zh-TW" altLang="en-US" dirty="0"/>
+              <a:t>更短的進來 就讓</a:t>
+            </a:r>
+            <a:r>
+              <a:rPr lang="en-US" altLang="zh-TW" dirty="0"/>
+              <a:t>p2</a:t>
+            </a:r>
+            <a:r>
+              <a:rPr lang="zh-TW" altLang="en-US" dirty="0"/>
+              <a:t>優先執行</a:t>
+            </a:r>
+            <a:r>
+              <a:rPr lang="en-US" altLang="zh-TW" dirty="0"/>
+              <a:t>&gt;preemptive </a:t>
+            </a:r>
+            <a:r>
+              <a:rPr lang="zh-TW" altLang="en-US" dirty="0"/>
+              <a:t>這個</a:t>
             </a:r>
             <a:endParaRPr lang="en-US" altLang="zh-TW" i="1" baseline="-25000" dirty="0"/>
           </a:p>
@@ -19914,6 +22203,67 @@
                       </p:childTnLst>
                     </p:cTn>
                   </p:par>
+                  <p:par>
+                    <p:cTn id="38" fill="hold">
+                      <p:stCondLst>
+                        <p:cond delay="indefinite"/>
+                      </p:stCondLst>
+                      <p:childTnLst>
+                        <p:par>
+                          <p:cTn id="39" fill="hold">
+                            <p:stCondLst>
+                              <p:cond delay="0"/>
+                            </p:stCondLst>
+                            <p:childTnLst>
+                              <p:par>
+                                <p:cTn id="40" presetID="4" presetClass="entr" presetSubtype="16" fill="hold" grpId="0" nodeType="clickEffect">
+                                  <p:stCondLst>
+                                    <p:cond delay="0"/>
+                                  </p:stCondLst>
+                                  <p:childTnLst>
+                                    <p:set>
+                                      <p:cBhvr>
+                                        <p:cTn id="41" dur="1" fill="hold">
+                                          <p:stCondLst>
+                                            <p:cond delay="0"/>
+                                          </p:stCondLst>
+                                        </p:cTn>
+                                        <p:tgtEl>
+                                          <p:spTgt spid="20483">
+                                            <p:txEl>
+                                              <p:pRg st="10" end="10"/>
+                                            </p:txEl>
+                                          </p:spTgt>
+                                        </p:tgtEl>
+                                        <p:attrNameLst>
+                                          <p:attrName>style.visibility</p:attrName>
+                                        </p:attrNameLst>
+                                      </p:cBhvr>
+                                      <p:to>
+                                        <p:strVal val="visible"/>
+                                      </p:to>
+                                    </p:set>
+                                    <p:animEffect transition="in" filter="box(in)">
+                                      <p:cBhvr>
+                                        <p:cTn id="42" dur="500"/>
+                                        <p:tgtEl>
+                                          <p:spTgt spid="20483">
+                                            <p:txEl>
+                                              <p:pRg st="10" end="10"/>
+                                            </p:txEl>
+                                          </p:spTgt>
+                                        </p:tgtEl>
+                                      </p:cBhvr>
+                                    </p:animEffect>
+                                  </p:childTnLst>
+                                </p:cTn>
+                              </p:par>
+                            </p:childTnLst>
+                          </p:cTn>
+                        </p:par>
+                      </p:childTnLst>
+                    </p:cTn>
+                  </p:par>
                 </p:childTnLst>
               </p:cTn>
               <p:prevCondLst>
@@ -20039,7 +22389,39 @@
             <a:pPr lvl="1"/>
             <a:r>
               <a:rPr lang="en-US" altLang="zh-TW" sz="2400" dirty="0"/>
-              <a:t>Preemptive</a:t>
+              <a:t>Preemptive    prior</a:t>
+            </a:r>
+            <a:r>
+              <a:rPr lang="zh-TW" altLang="en-US" sz="2400" dirty="0"/>
+              <a:t>也有分這兩種 </a:t>
+            </a:r>
+            <a:r>
+              <a:rPr lang="en-US" altLang="zh-TW" sz="2400" dirty="0"/>
+              <a:t>pre&gt;</a:t>
+            </a:r>
+            <a:r>
+              <a:rPr lang="zh-TW" altLang="en-US" sz="2400" dirty="0"/>
+              <a:t>執行中途有</a:t>
+            </a:r>
+            <a:r>
+              <a:rPr lang="en-US" altLang="zh-TW" dirty="0" err="1"/>
+              <a:t>pri</a:t>
+            </a:r>
+            <a:r>
+              <a:rPr lang="zh-TW" altLang="en-US" sz="2400" dirty="0"/>
+              <a:t>更高進來就搶</a:t>
+            </a:r>
+            <a:r>
+              <a:rPr lang="en-US" altLang="zh-TW" sz="2400" dirty="0"/>
+              <a:t>(</a:t>
+            </a:r>
+            <a:r>
+              <a:rPr lang="zh-TW" altLang="en-US" sz="2400" dirty="0"/>
+              <a:t>就給他</a:t>
+            </a:r>
+            <a:r>
+              <a:rPr lang="en-US" altLang="zh-TW" sz="2400" dirty="0"/>
+              <a:t>)</a:t>
             </a:r>
           </a:p>
           <a:p>
@@ -20047,6 +22429,26 @@
             <a:r>
               <a:rPr lang="en-US" altLang="zh-TW" sz="2400" dirty="0" err="1"/>
               <a:t>Nonpreemptive</a:t>
+            </a:r>
+            <a:r>
+              <a:rPr lang="zh-TW" altLang="en-US" sz="2400" dirty="0"/>
+              <a:t>   不影響執行中</a:t>
+            </a:r>
+            <a:r>
+              <a:rPr lang="en-US" altLang="zh-TW" sz="2400" dirty="0"/>
+              <a:t>p  </a:t>
+            </a:r>
+            <a:r>
+              <a:rPr lang="en-US" altLang="zh-TW" sz="2400" dirty="0" err="1"/>
+              <a:t>p</a:t>
+            </a:r>
+            <a:r>
+              <a:rPr lang="zh-TW" altLang="en-US" sz="2400" dirty="0"/>
+              <a:t>結束下次挑最高</a:t>
+            </a:r>
+            <a:r>
+              <a:rPr lang="en-US" altLang="zh-TW" sz="2400" dirty="0" err="1"/>
+              <a:t>pri</a:t>
             </a:r>
             <a:endParaRPr lang="en-US" altLang="zh-TW" sz="2400" dirty="0"/>
           </a:p>
@@ -20113,6 +22515,33 @@
                 <a:sym typeface="Symbol" pitchFamily="18" charset="2"/>
               </a:rPr>
               <a:t>Aging</a:t>
+            </a:r>
+            <a:r>
+              <a:rPr lang="zh-TW" altLang="en-US" sz="2400" b="1" dirty="0">
+                <a:solidFill>
+                  <a:srgbClr val="FF0000"/>
+                </a:solidFill>
+                <a:sym typeface="Symbol" pitchFamily="18" charset="2"/>
+              </a:rPr>
+              <a:t>年資高調高增加機會</a:t>
+            </a:r>
+            <a:r>
+              <a:rPr lang="en-US" altLang="zh-TW" sz="2400" b="1" dirty="0">
+                <a:solidFill>
+                  <a:srgbClr val="FF0000"/>
+                </a:solidFill>
+                <a:sym typeface="Symbol" pitchFamily="18" charset="2"/>
+              </a:rPr>
+              <a:t>OS</a:t>
+            </a:r>
+            <a:r>
+              <a:rPr lang="zh-TW" altLang="en-US" sz="2400" b="1" dirty="0">
+                <a:solidFill>
+                  <a:srgbClr val="FF0000"/>
+                </a:solidFill>
+                <a:sym typeface="Symbol" pitchFamily="18" charset="2"/>
+              </a:rPr>
+              <a:t>常用手法</a:t>
             </a:r>
             <a:r>
               <a:rPr lang="en-US" altLang="zh-TW" sz="2400" b="1" dirty="0">
@@ -20604,9 +23033,14 @@
           <a:p>
             <a:pPr eaLnBrk="1" hangingPunct="1"/>
             <a:r>
-              <a:rPr lang="en-US" altLang="zh-TW" sz="4000"/>
+              <a:rPr lang="en-US" altLang="zh-TW" sz="4000" dirty="0"/>
               <a:t>Round Robin (RR)</a:t>
             </a:r>
+            <a:r>
+              <a:rPr lang="zh-TW" altLang="en-US" sz="4000" dirty="0"/>
+              <a:t>輪流</a:t>
+            </a:r>
+            <a:endParaRPr lang="en-US" altLang="zh-TW" sz="4000" dirty="0"/>
           </a:p>
         </p:txBody>
       </p:sp>
@@ -20663,6 +23097,14 @@
               <a:t>)</a:t>
             </a:r>
             <a:r>
+              <a:rPr lang="zh-TW" altLang="en-US" sz="2400" b="1" dirty="0">
+                <a:solidFill>
+                  <a:srgbClr val="FF0000"/>
+                </a:solidFill>
+              </a:rPr>
+              <a:t>時間單位</a:t>
+            </a:r>
+            <a:r>
               <a:rPr lang="en-US" altLang="zh-TW" sz="2400" dirty="0"/>
               <a:t>, usually 10-100 milliseconds.  </a:t>
             </a:r>
@@ -20678,7 +23120,19 @@
             </a:r>
             <a:r>
               <a:rPr lang="en-US" altLang="zh-TW" sz="2400" dirty="0"/>
-              <a:t> and added to the end of the ready queue.</a:t>
+              <a:t> and added to the end of the </a:t>
+            </a:r>
+            <a:r>
+              <a:rPr lang="en-US" altLang="zh-TW" sz="2400" dirty="0">
+                <a:solidFill>
+                  <a:srgbClr val="FF0000"/>
+                </a:solidFill>
+              </a:rPr>
+              <a:t>ready queue</a:t>
+            </a:r>
+            <a:r>
+              <a:rPr lang="en-US" altLang="zh-TW" sz="2400" dirty="0"/>
+              <a:t>(timeout).</a:t>
             </a:r>
           </a:p>
           <a:p>
@@ -20772,7 +23226,31 @@
             </a:r>
             <a:r>
               <a:rPr lang="en-US" altLang="zh-TW" sz="2400" dirty="0"/>
-              <a:t>time units.</a:t>
+              <a:t>time units.   </a:t>
+            </a:r>
+            <a:r>
+              <a:rPr lang="zh-TW" altLang="en-US" sz="2400" dirty="0"/>
+              <a:t>若有</a:t>
+            </a:r>
+            <a:r>
+              <a:rPr lang="en-US" altLang="zh-TW" sz="2400" dirty="0"/>
+              <a:t>p</a:t>
+            </a:r>
+            <a:r>
+              <a:rPr lang="zh-TW" altLang="en-US" sz="2400" dirty="0"/>
+              <a:t>提早</a:t>
+            </a:r>
+            <a:r>
+              <a:rPr lang="en-US" altLang="zh-TW" sz="2400" dirty="0"/>
+              <a:t>end</a:t>
+            </a:r>
+            <a:r>
+              <a:rPr lang="zh-TW" altLang="en-US" sz="2400" dirty="0"/>
+              <a:t>就會減短</a:t>
+            </a:r>
+            <a:r>
+              <a:rPr lang="en-US" altLang="zh-TW" sz="2400" dirty="0"/>
+              <a:t>wait</a:t>
             </a:r>
           </a:p>
           <a:p>
@@ -20806,8 +23284,86 @@
                 </a:solidFill>
                 <a:sym typeface="Symbol" pitchFamily="18" charset="2"/>
               </a:rPr>
-              <a:t> FIFO</a:t>
-            </a:r>
+              <a:t> FIFO     </a:t>
+            </a:r>
+            <a:r>
+              <a:rPr lang="zh-TW" altLang="en-US" sz="2400" dirty="0">
+                <a:solidFill>
+                  <a:srgbClr val="FF0000"/>
+                </a:solidFill>
+                <a:sym typeface="Symbol" pitchFamily="18" charset="2"/>
+              </a:rPr>
+              <a:t>都可以</a:t>
+            </a:r>
+            <a:r>
+              <a:rPr lang="en-US" altLang="zh-TW" sz="2400" dirty="0">
+                <a:solidFill>
+                  <a:srgbClr val="FF0000"/>
+                </a:solidFill>
+                <a:sym typeface="Symbol" pitchFamily="18" charset="2"/>
+              </a:rPr>
+              <a:t>run</a:t>
+            </a:r>
+            <a:r>
+              <a:rPr lang="zh-TW" altLang="en-US" sz="2400" dirty="0">
+                <a:solidFill>
+                  <a:srgbClr val="FF0000"/>
+                </a:solidFill>
+                <a:sym typeface="Symbol" pitchFamily="18" charset="2"/>
+              </a:rPr>
+              <a:t>完   </a:t>
+            </a:r>
+            <a:r>
+              <a:rPr lang="zh-TW" altLang="en-US" dirty="0">
+                <a:solidFill>
+                  <a:srgbClr val="FF0000"/>
+                </a:solidFill>
+                <a:sym typeface="Symbol" pitchFamily="18" charset="2"/>
+              </a:rPr>
+              <a:t>同</a:t>
+            </a:r>
+            <a:r>
+              <a:rPr lang="en-US" altLang="zh-TW" sz="2400" dirty="0">
+                <a:solidFill>
+                  <a:srgbClr val="FF0000"/>
+                </a:solidFill>
+                <a:sym typeface="Symbol" pitchFamily="18" charset="2"/>
+              </a:rPr>
+              <a:t>FCFS</a:t>
+            </a:r>
+            <a:r>
+              <a:rPr lang="zh-TW" altLang="en-US" sz="2400" dirty="0">
+                <a:solidFill>
+                  <a:srgbClr val="FF0000"/>
+                </a:solidFill>
+                <a:sym typeface="Symbol" pitchFamily="18" charset="2"/>
+              </a:rPr>
+              <a:t>  </a:t>
+            </a:r>
+            <a:r>
+              <a:rPr lang="en-US" altLang="zh-TW" sz="2400" dirty="0">
+                <a:solidFill>
+                  <a:srgbClr val="FF0000"/>
+                </a:solidFill>
+                <a:sym typeface="Symbol" pitchFamily="18" charset="2"/>
+              </a:rPr>
+              <a:t>RR</a:t>
+            </a:r>
+            <a:r>
+              <a:rPr lang="zh-TW" altLang="en-US" sz="2400" dirty="0">
+                <a:solidFill>
+                  <a:srgbClr val="FF0000"/>
+                </a:solidFill>
+                <a:sym typeface="Symbol" pitchFamily="18" charset="2"/>
+              </a:rPr>
+              <a:t>效果差</a:t>
+            </a:r>
+            <a:endParaRPr lang="en-US" altLang="zh-TW" sz="2400" dirty="0">
+              <a:solidFill>
+                <a:srgbClr val="FF0000"/>
+              </a:solidFill>
+              <a:sym typeface="Symbol" pitchFamily="18" charset="2"/>
+            </a:endParaRPr>
           </a:p>
           <a:p>
             <a:pPr lvl="1"/>
@@ -20833,7 +23389,22 @@
               <a:rPr lang="en-US" altLang="zh-TW" sz="2400" dirty="0">
                 <a:sym typeface="Symbol" pitchFamily="18" charset="2"/>
               </a:rPr>
-              <a:t>must be large with respect to context switch, otherwise overhead </a:t>
+              <a:t>must be large with respect to </a:t>
+            </a:r>
+            <a:r>
+              <a:rPr lang="en-US" altLang="zh-TW" sz="2400" dirty="0">
+                <a:solidFill>
+                  <a:srgbClr val="FF0000"/>
+                </a:solidFill>
+                <a:sym typeface="Symbol" pitchFamily="18" charset="2"/>
+              </a:rPr>
+              <a:t>context switch</a:t>
+            </a:r>
+            <a:r>
+              <a:rPr lang="en-US" altLang="zh-TW" sz="2400" dirty="0">
+                <a:sym typeface="Symbol" pitchFamily="18" charset="2"/>
+              </a:rPr>
+              <a:t>, otherwise overhead </a:t>
             </a:r>
             <a:r>
               <a:rPr lang="zh-TW" altLang="en-US" sz="2400" dirty="0">
@@ -22703,8 +25274,28 @@
           <a:p>
             <a:pPr eaLnBrk="1" hangingPunct="1"/>
             <a:r>
-              <a:rPr lang="en-US" altLang="zh-TW" sz="3000"/>
-              <a:t>Time Quantum and Context Switch Time</a:t>
+              <a:rPr lang="en-US" altLang="zh-TW" sz="3000" dirty="0">
+                <a:solidFill>
+                  <a:srgbClr val="FF0000"/>
+                </a:solidFill>
+              </a:rPr>
+              <a:t>Time Quantum </a:t>
+            </a:r>
+            <a:r>
+              <a:rPr lang="en-US" altLang="zh-TW" sz="3000" dirty="0"/>
+              <a:t>and </a:t>
+            </a:r>
+            <a:r>
+              <a:rPr lang="en-US" altLang="zh-TW" sz="3000" dirty="0">
+                <a:solidFill>
+                  <a:srgbClr val="FF0000"/>
+                </a:solidFill>
+              </a:rPr>
+              <a:t>Context Switch </a:t>
+            </a:r>
+            <a:r>
+              <a:rPr lang="en-US" altLang="zh-TW" sz="3000" dirty="0"/>
+              <a:t>Time</a:t>
             </a:r>
           </a:p>
         </p:txBody>
@@ -24589,7 +27180,15 @@
             </a:r>
             <a:r>
               <a:rPr lang="en-US" altLang="zh-TW" dirty="0"/>
-              <a:t>; (i.e., serve all from foreground then from background).  Possibility of starvation.</a:t>
+              <a:t>; (i.e., serve all from foreground then from background).  Possibility of starvation.  </a:t>
+            </a:r>
+            <a:r>
+              <a:rPr lang="zh-TW" altLang="en-US" dirty="0"/>
+              <a:t>解法如下</a:t>
+            </a:r>
+            <a:r>
+              <a:rPr lang="en-US" altLang="zh-TW" dirty="0"/>
+              <a:t>:</a:t>
             </a:r>
           </a:p>
           <a:p>
@@ -25390,7 +27989,7 @@
         </p:blipFill>
         <p:spPr bwMode="auto">
           <a:xfrm>
-            <a:off x="8508808" y="2036832"/>
+            <a:off x="8439234" y="1778584"/>
             <a:ext cx="5546834" cy="3389732"/>
           </a:xfrm>
           <a:prstGeom prst="rect">
@@ -26171,7 +28770,15 @@
             </a:r>
             <a:r>
               <a:rPr lang="en-US" altLang="zh-TW" sz="2400" dirty="0"/>
-              <a:t> job is again served FCFS and receives 16 additional milliseconds.  If it still does not complete, it is preempted and moved to queue </a:t>
+              <a:t> job is again served </a:t>
+            </a:r>
+            <a:r>
+              <a:rPr lang="en-US" altLang="zh-TW" dirty="0"/>
+              <a:t>RR</a:t>
+            </a:r>
+            <a:r>
+              <a:rPr lang="en-US" altLang="zh-TW" sz="2400" dirty="0"/>
+              <a:t> and receives 16 additional milliseconds.  If it still does not complete, it is preempted and moved to queue </a:t>
             </a:r>
             <a:r>
               <a:rPr lang="en-US" altLang="zh-TW" sz="2400" i="1" dirty="0"/>
@@ -27347,19 +29954,7 @@
             </a:r>
             <a:r>
               <a:rPr lang="en-US" altLang="zh-TW" sz="2400" dirty="0"/>
-              <a:t>schedules user-level threads to run on an available LWP (Light Weight Process)  </a:t>
-            </a:r>
-            <a:r>
-              <a:rPr lang="zh-TW" altLang="en-US" sz="2400" dirty="0"/>
-              <a:t>前章有</a:t>
-            </a:r>
-            <a:endParaRPr lang="en-US" altLang="zh-TW" sz="2400" dirty="0"/>
-          </a:p>
-          <a:p>
-            <a:pPr lvl="1"/>
-            <a:r>
-              <a:rPr lang="en-US" altLang="zh-TW" sz="2400" dirty="0"/>
-              <a:t>Known </a:t>
+              <a:t>schedules </a:t>
             </a:r>
             <a:r>
               <a:rPr lang="en-US" altLang="zh-TW" sz="2400" dirty="0">
@@ -27367,6 +29962,42 @@
                   <a:srgbClr val="FF0000"/>
                 </a:solidFill>
               </a:rPr>
+              <a:t>user-level threads </a:t>
+            </a:r>
+            <a:r>
+              <a:rPr lang="en-US" altLang="zh-TW" sz="2400" dirty="0"/>
+              <a:t>to run on an available </a:t>
+            </a:r>
+            <a:r>
+              <a:rPr lang="en-US" altLang="zh-TW" sz="2400" dirty="0">
+                <a:solidFill>
+                  <a:srgbClr val="FF0000"/>
+                </a:solidFill>
+              </a:rPr>
+              <a:t>LWP</a:t>
+            </a:r>
+            <a:r>
+              <a:rPr lang="en-US" altLang="zh-TW" sz="2400" dirty="0"/>
+              <a:t> (Light Weight Process)  </a:t>
+            </a:r>
+            <a:r>
+              <a:rPr lang="zh-TW" altLang="en-US" sz="2400" dirty="0"/>
+              <a:t>前章有</a:t>
+            </a:r>
+            <a:endParaRPr lang="en-US" altLang="zh-TW" sz="2400" dirty="0"/>
+          </a:p>
+          <a:p>
+            <a:pPr lvl="1"/>
+            <a:r>
+              <a:rPr lang="en-US" altLang="zh-TW" sz="2400" dirty="0"/>
+              <a:t>Known </a:t>
+            </a:r>
+            <a:r>
+              <a:rPr lang="en-US" altLang="zh-TW" sz="2400" dirty="0">
+                <a:solidFill>
+                  <a:srgbClr val="FF0000"/>
+                </a:solidFill>
+              </a:rPr>
               <a:t>as </a:t>
             </a:r>
             <a:r>
@@ -27391,7 +30022,31 @@
           <a:p>
             <a:r>
               <a:rPr lang="en-US" altLang="zh-TW" sz="2400" dirty="0"/>
-              <a:t>To decide which kernel thread to schedule onto a CPU, the kernel uses </a:t>
+              <a:t>To decide which </a:t>
+            </a:r>
+            <a:r>
+              <a:rPr lang="en-US" altLang="zh-TW" sz="2400" dirty="0">
+                <a:solidFill>
+                  <a:srgbClr val="FF0000"/>
+                </a:solidFill>
+              </a:rPr>
+              <a:t>kernel thread</a:t>
+            </a:r>
+            <a:r>
+              <a:rPr lang="en-US" altLang="zh-TW" sz="2400" dirty="0"/>
+              <a:t> to schedule onto a </a:t>
+            </a:r>
+            <a:r>
+              <a:rPr lang="en-US" altLang="zh-TW" sz="2400" dirty="0">
+                <a:solidFill>
+                  <a:srgbClr val="FF0000"/>
+                </a:solidFill>
+              </a:rPr>
+              <a:t>CPU</a:t>
+            </a:r>
+            <a:r>
+              <a:rPr lang="en-US" altLang="zh-TW" sz="2400" dirty="0"/>
+              <a:t>, the kernel uses </a:t>
             </a:r>
             <a:r>
               <a:rPr lang="en-US" altLang="zh-TW" sz="2400" b="1" dirty="0">
@@ -27806,7 +30461,23 @@
                   <a:srgbClr val="FF0000"/>
                 </a:solidFill>
               </a:rPr>
-              <a:t>evaluation criteria </a:t>
+              <a:t>evaluation criteria</a:t>
+            </a:r>
+            <a:r>
+              <a:rPr lang="zh-TW" altLang="en-US" sz="2800" dirty="0">
+                <a:solidFill>
+                  <a:srgbClr val="FF0000"/>
+                </a:solidFill>
+              </a:rPr>
+              <a:t>評估準則</a:t>
+            </a:r>
+            <a:r>
+              <a:rPr lang="en-US" altLang="zh-TW" sz="2800" dirty="0">
+                <a:solidFill>
+                  <a:srgbClr val="FF0000"/>
+                </a:solidFill>
+              </a:rPr>
+              <a:t> </a:t>
             </a:r>
             <a:r>
               <a:rPr lang="en-US" altLang="zh-TW" sz="2800" dirty="0"/>
@@ -28101,13 +30772,33 @@
           <a:p>
             <a:r>
               <a:rPr lang="en-US" altLang="zh-TW" sz="2400" dirty="0"/>
-              <a:t>Competition for the CPU with SCS scheduling takes place among all threads in the system.</a:t>
-            </a:r>
-          </a:p>
-          <a:p>
+              <a:t>Competition for the CPU with SCS scheduling takes place among all threads in the </a:t>
+            </a:r>
+            <a:r>
+              <a:rPr lang="en-US" altLang="zh-TW" sz="2400" dirty="0">
+                <a:solidFill>
+                  <a:srgbClr val="FF0000"/>
+                </a:solidFill>
+              </a:rPr>
+              <a:t>system</a:t>
+            </a:r>
             <a:r>
               <a:rPr lang="en-US" altLang="zh-TW" sz="2400" dirty="0"/>
-              <a:t>System using the one-to-one model, schedule threads using only SCS.</a:t>
+              <a:t>.</a:t>
+            </a:r>
+          </a:p>
+          <a:p>
+            <a:r>
+              <a:rPr lang="en-US" altLang="zh-TW" sz="2400" dirty="0"/>
+              <a:t>System using the one-to-one model, schedule threads using only SCS.(</a:t>
+            </a:r>
+            <a:r>
+              <a:rPr lang="zh-TW" altLang="en-US" sz="2400" dirty="0"/>
+              <a:t>也可能是</a:t>
+            </a:r>
+            <a:r>
+              <a:rPr lang="en-US" altLang="zh-TW" sz="2400" dirty="0"/>
+              <a:t>many to one many to many)</a:t>
             </a:r>
           </a:p>
           <a:p>
@@ -28489,7 +31180,7 @@
         </p:nvSpPr>
         <p:spPr>
           <a:xfrm>
-            <a:off x="617258" y="1136527"/>
+            <a:off x="617258" y="659447"/>
             <a:ext cx="8108950" cy="3546475"/>
           </a:xfrm>
         </p:spPr>
@@ -28522,8 +31213,69 @@
             </a:r>
             <a:r>
               <a:rPr lang="en-US" altLang="zh-TW" sz="2400" dirty="0"/>
-              <a:t>schedules user-level threads using PCS scheduling</a:t>
-            </a:r>
+              <a:t>schedules user-level threads using PCS scheduling  </a:t>
+            </a:r>
+            <a:r>
+              <a:rPr lang="zh-TW" altLang="en-US" sz="2400" dirty="0"/>
+              <a:t>自己</a:t>
+            </a:r>
+            <a:r>
+              <a:rPr lang="en-US" altLang="zh-TW" sz="2400" dirty="0"/>
+              <a:t>proc</a:t>
+            </a:r>
+            <a:r>
+              <a:rPr lang="zh-TW" altLang="en-US" sz="2400" dirty="0"/>
+              <a:t>裡的多個</a:t>
+            </a:r>
+            <a:r>
+              <a:rPr lang="en-US" altLang="zh-TW" sz="2400" dirty="0"/>
+              <a:t>Th</a:t>
+            </a:r>
+            <a:r>
+              <a:rPr lang="zh-TW" altLang="en-US" sz="2400" dirty="0"/>
+              <a:t>競爭底下的一些</a:t>
+            </a:r>
+            <a:r>
+              <a:rPr lang="en-US" altLang="zh-TW" sz="2400" dirty="0"/>
+              <a:t>LWP</a:t>
+            </a:r>
+            <a:r>
+              <a:rPr lang="zh-TW" altLang="en-US" sz="2400" dirty="0"/>
+              <a:t>    有多少個</a:t>
+            </a:r>
+            <a:r>
+              <a:rPr lang="en-US" altLang="zh-TW" sz="2400" dirty="0"/>
+              <a:t>LWP</a:t>
+            </a:r>
+            <a:r>
+              <a:rPr lang="zh-TW" altLang="en-US" sz="2400" dirty="0"/>
+              <a:t> 會由</a:t>
+            </a:r>
+            <a:r>
+              <a:rPr lang="en-US" altLang="zh-TW" sz="2400" dirty="0"/>
+              <a:t>OS</a:t>
+            </a:r>
+            <a:r>
+              <a:rPr lang="zh-TW" altLang="en-US" sz="2400" dirty="0"/>
+              <a:t>量測</a:t>
+            </a:r>
+            <a:r>
+              <a:rPr lang="en-US" altLang="zh-TW" sz="2400" dirty="0"/>
+              <a:t>proc</a:t>
+            </a:r>
+            <a:r>
+              <a:rPr lang="zh-TW" altLang="en-US" sz="2400" dirty="0"/>
+              <a:t>的效率</a:t>
+            </a:r>
+            <a:r>
+              <a:rPr lang="en-US" altLang="zh-TW" sz="2400" dirty="0"/>
+              <a:t>/</a:t>
+            </a:r>
+            <a:r>
+              <a:rPr lang="zh-TW" altLang="en-US" sz="2400" dirty="0"/>
+              <a:t>停滯時間等  決定給多少</a:t>
+            </a:r>
+            <a:endParaRPr lang="en-US" altLang="zh-TW" sz="2400" dirty="0"/>
           </a:p>
           <a:p>
             <a:pPr lvl="1"/>
@@ -28539,6 +31291,43 @@
               <a:rPr lang="en-US" altLang="zh-TW" sz="2400" dirty="0"/>
               <a:t>schedules threads using SCS scheduling.</a:t>
             </a:r>
+            <a:r>
+              <a:rPr lang="zh-TW" altLang="en-US" sz="2400" dirty="0"/>
+              <a:t>一對一對應的一定是</a:t>
+            </a:r>
+            <a:r>
+              <a:rPr lang="en-US" altLang="zh-TW" sz="2400" dirty="0"/>
+              <a:t>SCS   </a:t>
+            </a:r>
+            <a:r>
+              <a:rPr lang="zh-TW" altLang="en-US" sz="2400" dirty="0"/>
+              <a:t>跟</a:t>
+            </a:r>
+            <a:r>
+              <a:rPr lang="en-US" altLang="zh-TW" sz="2400" dirty="0"/>
+              <a:t>system</a:t>
+            </a:r>
+            <a:r>
+              <a:rPr lang="zh-TW" altLang="en-US" sz="2400" dirty="0"/>
+              <a:t>的所有</a:t>
+            </a:r>
+            <a:r>
+              <a:rPr lang="en-US" altLang="zh-TW" sz="2400" dirty="0" err="1"/>
+              <a:t>kenel</a:t>
+            </a:r>
+            <a:r>
+              <a:rPr lang="en-US" altLang="zh-TW" sz="2400" dirty="0"/>
+              <a:t> </a:t>
+            </a:r>
+            <a:r>
+              <a:rPr lang="en-US" altLang="zh-TW" sz="2400" dirty="0" err="1"/>
+              <a:t>th</a:t>
+            </a:r>
+            <a:r>
+              <a:rPr lang="zh-TW" altLang="en-US" sz="2400" dirty="0"/>
+              <a:t>競爭</a:t>
+            </a:r>
+            <a:endParaRPr lang="en-US" altLang="zh-TW" sz="2400" dirty="0"/>
           </a:p>
           <a:p>
             <a:pPr lvl="2"/>
@@ -28546,6 +31335,65 @@
               <a:rPr lang="en-US" altLang="zh-TW" dirty="0"/>
               <a:t>Will create and bind an LWP for each user-level thread on many-to-many systems, effectively mapping threads using the one-to-one policy.</a:t>
             </a:r>
+          </a:p>
+          <a:p>
+            <a:pPr lvl="2"/>
+            <a:r>
+              <a:rPr lang="zh-TW" altLang="en-US" dirty="0"/>
+              <a:t>要套用</a:t>
+            </a:r>
+            <a:r>
+              <a:rPr lang="en-US" altLang="zh-TW" dirty="0"/>
+              <a:t>SCS</a:t>
+            </a:r>
+            <a:r>
+              <a:rPr lang="zh-TW" altLang="en-US" dirty="0"/>
+              <a:t>是透過一個</a:t>
+            </a:r>
+            <a:r>
+              <a:rPr lang="en-US" altLang="zh-TW" dirty="0"/>
+              <a:t>LWP</a:t>
+            </a:r>
+            <a:r>
+              <a:rPr lang="zh-TW" altLang="en-US" dirty="0"/>
+              <a:t>綁定對到一個</a:t>
+            </a:r>
+            <a:r>
+              <a:rPr lang="en-US" altLang="zh-TW" dirty="0"/>
+              <a:t>Kernel Th</a:t>
+            </a:r>
+          </a:p>
+          <a:p>
+            <a:pPr lvl="2"/>
+            <a:r>
+              <a:rPr lang="en-US" altLang="zh-TW" dirty="0"/>
+              <a:t>LWP</a:t>
+            </a:r>
+            <a:r>
+              <a:rPr lang="zh-TW" altLang="en-US" dirty="0"/>
+              <a:t>上面跟</a:t>
+            </a:r>
+            <a:r>
+              <a:rPr lang="en-US" altLang="zh-TW" dirty="0"/>
+              <a:t>user </a:t>
+            </a:r>
+            <a:r>
+              <a:rPr lang="en-US" altLang="zh-TW" dirty="0" err="1"/>
+              <a:t>th</a:t>
+            </a:r>
+            <a:r>
+              <a:rPr lang="zh-TW" altLang="en-US" dirty="0"/>
+              <a:t>可能可多對多但到</a:t>
+            </a:r>
+            <a:r>
+              <a:rPr lang="en-US" altLang="zh-TW" dirty="0"/>
+              <a:t>sys</a:t>
+            </a:r>
+            <a:r>
+              <a:rPr lang="zh-TW" altLang="en-US" dirty="0"/>
+              <a:t>就是一對一</a:t>
+            </a:r>
+            <a:endParaRPr lang="en-US" altLang="zh-TW" dirty="0"/>
           </a:p>
         </p:txBody>
       </p:sp>
@@ -28713,6 +31561,92 @@
                                           <p:spTgt spid="34819">
                                             <p:txEl>
                                               <p:pRg st="3" end="3"/>
+                                            </p:txEl>
+                                          </p:spTgt>
+                                        </p:tgtEl>
+                                      </p:cBhvr>
+                                    </p:animEffect>
+                                  </p:childTnLst>
+                                </p:cTn>
+                              </p:par>
+                              <p:par>
+                                <p:cTn id="16" presetID="4" presetClass="entr" presetSubtype="16" fill="hold" grpId="0" nodeType="withEffect">
+                                  <p:stCondLst>
+                                    <p:cond delay="0"/>
+                                  </p:stCondLst>
+                                  <p:childTnLst>
+                                    <p:set>
+                                      <p:cBhvr>
+                                        <p:cTn id="17" dur="1" fill="hold">
+                                          <p:stCondLst>
+                                            <p:cond delay="0"/>
+                                          </p:stCondLst>
+                                        </p:cTn>
+                                        <p:tgtEl>
+                                          <p:spTgt spid="34819">
+                                            <p:txEl>
+                                              <p:pRg st="4" end="4"/>
+                                            </p:txEl>
+                                          </p:spTgt>
+                                        </p:tgtEl>
+                                        <p:attrNameLst>
+                                          <p:attrName>style.visibility</p:attrName>
+                                        </p:attrNameLst>
+                                      </p:cBhvr>
+                                      <p:to>
+                                        <p:strVal val="visible"/>
+                                      </p:to>
+                                    </p:set>
+                                    <p:animEffect transition="in" filter="box(in)">
+                                      <p:cBhvr>
+                                        <p:cTn id="18" dur="500"/>
+                                        <p:tgtEl>
+                                          <p:spTgt spid="34819">
+                                            <p:txEl>
+                                              <p:pRg st="4" end="4"/>
+                                            </p:txEl>
+                                          </p:spTgt>
+                                        </p:tgtEl>
+                                      </p:cBhvr>
+                                    </p:animEffect>
+                                  </p:childTnLst>
+                                </p:cTn>
+                              </p:par>
+                              <p:par>
+                                <p:cTn id="19" presetID="4" presetClass="entr" presetSubtype="16" fill="hold" grpId="0" nodeType="withEffect">
+                                  <p:stCondLst>
+                                    <p:cond delay="0"/>
+                                  </p:stCondLst>
+                                  <p:childTnLst>
+                                    <p:set>
+                                      <p:cBhvr>
+                                        <p:cTn id="20" dur="1" fill="hold">
+                                          <p:stCondLst>
+                                            <p:cond delay="0"/>
+                                          </p:stCondLst>
+                                        </p:cTn>
+                                        <p:tgtEl>
+                                          <p:spTgt spid="34819">
+                                            <p:txEl>
+                                              <p:pRg st="5" end="5"/>
+                                            </p:txEl>
+                                          </p:spTgt>
+                                        </p:tgtEl>
+                                        <p:attrNameLst>
+                                          <p:attrName>style.visibility</p:attrName>
+                                        </p:attrNameLst>
+                                      </p:cBhvr>
+                                      <p:to>
+                                        <p:strVal val="visible"/>
+                                      </p:to>
+                                    </p:set>
+                                    <p:animEffect transition="in" filter="box(in)">
+                                      <p:cBhvr>
+                                        <p:cTn id="21" dur="500"/>
+                                        <p:tgtEl>
+                                          <p:spTgt spid="34819">
+                                            <p:txEl>
+                                              <p:pRg st="5" end="5"/>
                                             </p:txEl>
                                           </p:spTgt>
                                         </p:tgtEl>
@@ -28756,6 +31690,276 @@
 </file>
 
 <file path=ppt/slides/slide32.xml><?xml version="1.0" encoding="utf-8"?>
+<p:sld xmlns:a="http://schemas.openxmlformats.org/drawingml/2006/main" xmlns:r="http://schemas.openxmlformats.org/officeDocument/2006/relationships" xmlns:p="http://schemas.openxmlformats.org/presentationml/2006/main">
+  <p:cSld>
+    <p:spTree>
+      <p:nvGrpSpPr>
+        <p:cNvPr id="1" name=""/>
+        <p:cNvGrpSpPr/>
+        <p:nvPr/>
+      </p:nvGrpSpPr>
+      <p:grpSpPr>
+        <a:xfrm>
+          <a:off x="0" y="0"/>
+          <a:ext cx="0" cy="0"/>
+          <a:chOff x="0" y="0"/>
+          <a:chExt cx="0" cy="0"/>
+        </a:xfrm>
+      </p:grpSpPr>
+      <p:sp>
+        <p:nvSpPr>
+          <p:cNvPr id="3" name="Content Placeholder 2">
+            <a:extLst>
+              <a:ext uri="{FF2B5EF4-FFF2-40B4-BE49-F238E27FC236}">
+                <a16:creationId xmlns:a16="http://schemas.microsoft.com/office/drawing/2014/main" id="{860070A8-D954-4CD2-9136-07311E16655A}"/>
+              </a:ext>
+            </a:extLst>
+          </p:cNvPr>
+          <p:cNvSpPr>
+            <a:spLocks noGrp="1"/>
+          </p:cNvSpPr>
+          <p:nvPr>
+            <p:ph idx="1"/>
+          </p:nvPr>
+        </p:nvSpPr>
+        <p:spPr/>
+        <p:txBody>
+          <a:bodyPr/>
+          <a:lstStyle/>
+          <a:p>
+            <a:r>
+              <a:rPr lang="en-US" altLang="zh-TW" b="0" dirty="0"/>
+              <a:t>POSIX</a:t>
+            </a:r>
+            <a:r>
+              <a:rPr lang="zh-TW" altLang="en-US" b="0" dirty="0"/>
+              <a:t>執行緒</a:t>
+            </a:r>
+            <a:r>
+              <a:rPr lang="en-US" altLang="zh-TW" b="0" dirty="0"/>
+              <a:t>[</a:t>
+            </a:r>
+            <a:r>
+              <a:rPr lang="zh-TW" altLang="en-US" b="0" dirty="0">
+                <a:hlinkClick r:id="rId2" tooltip="編輯首段"/>
+              </a:rPr>
+              <a:t>編輯</a:t>
+            </a:r>
+            <a:r>
+              <a:rPr lang="en-US" altLang="zh-TW" b="0" dirty="0"/>
+              <a:t>]</a:t>
+            </a:r>
+            <a:endParaRPr lang="zh-TW" altLang="en-US" b="0" dirty="0"/>
+          </a:p>
+          <a:p>
+            <a:r>
+              <a:rPr lang="zh-TW" altLang="en-US" b="0" dirty="0"/>
+              <a:t>維基百科，自由的百科全書</a:t>
+            </a:r>
+          </a:p>
+          <a:p>
+            <a:r>
+              <a:rPr lang="zh-TW" altLang="en-US" b="0" dirty="0">
+                <a:hlinkClick r:id="rId3"/>
+              </a:rPr>
+              <a:t>跳至導覽</a:t>
+            </a:r>
+            <a:r>
+              <a:rPr lang="zh-TW" altLang="en-US" b="0" dirty="0">
+                <a:hlinkClick r:id="rId4"/>
+              </a:rPr>
+              <a:t>跳至搜尋</a:t>
+            </a:r>
+            <a:r>
+              <a:rPr lang="en-US" altLang="zh-TW" dirty="0"/>
+              <a:t>POSIX</a:t>
+            </a:r>
+            <a:r>
+              <a:rPr lang="zh-TW" altLang="en-US" dirty="0"/>
+              <a:t>執行緒</a:t>
+            </a:r>
+            <a:r>
+              <a:rPr lang="zh-TW" altLang="en-US" b="0" dirty="0"/>
+              <a:t>（英語：</a:t>
+            </a:r>
+            <a:r>
+              <a:rPr lang="en-US" b="0" dirty="0"/>
+              <a:t>POSIX Threads</a:t>
+            </a:r>
+            <a:r>
+              <a:rPr lang="zh-TW" altLang="en-US" b="0" dirty="0"/>
+              <a:t>，常被縮寫為</a:t>
+            </a:r>
+            <a:r>
+              <a:rPr lang="en-US" b="0" dirty="0" err="1"/>
+              <a:t>Pthreads</a:t>
+            </a:r>
+            <a:r>
+              <a:rPr lang="zh-TW" altLang="en-US" b="0" dirty="0"/>
+              <a:t>）是</a:t>
+            </a:r>
+            <a:r>
+              <a:rPr lang="en-US" altLang="zh-TW" b="0" dirty="0">
+                <a:hlinkClick r:id="rId5" tooltip="POSIX"/>
+              </a:rPr>
+              <a:t>POSIX</a:t>
+            </a:r>
+            <a:r>
+              <a:rPr lang="zh-TW" altLang="en-US" b="0" dirty="0"/>
+              <a:t>的</a:t>
+            </a:r>
+            <a:r>
+              <a:rPr lang="zh-TW" altLang="en-US" b="0" dirty="0">
+                <a:hlinkClick r:id="rId6" tooltip="執行緒"/>
+              </a:rPr>
+              <a:t>執行緒</a:t>
+            </a:r>
+            <a:r>
+              <a:rPr lang="zh-TW" altLang="en-US" b="0" dirty="0"/>
+              <a:t>標準，定義了創建和操縱執行緒的一套</a:t>
+            </a:r>
+            <a:r>
+              <a:rPr lang="en-US" altLang="zh-TW" b="0" dirty="0">
+                <a:hlinkClick r:id="rId7" tooltip="Application programming interface"/>
+              </a:rPr>
+              <a:t>API</a:t>
+            </a:r>
+            <a:r>
+              <a:rPr lang="zh-TW" altLang="en-US" b="0" dirty="0"/>
+              <a:t>。</a:t>
+            </a:r>
+          </a:p>
+          <a:p>
+            <a:r>
+              <a:rPr lang="zh-TW" altLang="en-US" b="0" dirty="0"/>
+              <a:t>實現</a:t>
+            </a:r>
+            <a:r>
+              <a:rPr lang="en-US" altLang="zh-TW" b="0" dirty="0"/>
+              <a:t>POSIX </a:t>
+            </a:r>
+            <a:r>
+              <a:rPr lang="zh-TW" altLang="en-US" b="0" dirty="0"/>
+              <a:t>執行緒標準的庫常被稱作</a:t>
+            </a:r>
+            <a:r>
+              <a:rPr lang="en-US" altLang="zh-TW" dirty="0" err="1"/>
+              <a:t>Pthreads</a:t>
+            </a:r>
+            <a:r>
+              <a:rPr lang="zh-TW" altLang="en-US" b="0" dirty="0"/>
+              <a:t>，一般用於</a:t>
+            </a:r>
+            <a:r>
+              <a:rPr lang="en-US" altLang="zh-TW" b="0" dirty="0">
+                <a:hlinkClick r:id="rId8" tooltip="Unix-like"/>
+              </a:rPr>
+              <a:t>Unix-like</a:t>
+            </a:r>
+            <a:r>
+              <a:rPr lang="en-US" altLang="zh-TW" b="0" dirty="0"/>
+              <a:t> POSIX </a:t>
+            </a:r>
+            <a:r>
+              <a:rPr lang="zh-TW" altLang="en-US" b="0" dirty="0"/>
+              <a:t>系統，如</a:t>
+            </a:r>
+            <a:r>
+              <a:rPr lang="en-US" altLang="zh-TW" b="0" dirty="0">
+                <a:hlinkClick r:id="rId9" tooltip="Linux"/>
+              </a:rPr>
+              <a:t>Linux</a:t>
+            </a:r>
+            <a:r>
+              <a:rPr lang="zh-TW" altLang="en-US" b="0" dirty="0"/>
+              <a:t>、 </a:t>
+            </a:r>
+            <a:r>
+              <a:rPr lang="en-US" altLang="zh-TW" b="0" dirty="0">
+                <a:hlinkClick r:id="rId10" tooltip="Solaris"/>
+              </a:rPr>
+              <a:t>Solaris</a:t>
+            </a:r>
+            <a:r>
+              <a:rPr lang="zh-TW" altLang="en-US" b="0" dirty="0"/>
+              <a:t>。但是</a:t>
+            </a:r>
+            <a:r>
+              <a:rPr lang="en-US" altLang="zh-TW" b="0" dirty="0">
+                <a:hlinkClick r:id="rId11" tooltip="Microsoft Windows"/>
+              </a:rPr>
+              <a:t>Microsoft Windows</a:t>
+            </a:r>
+            <a:r>
+              <a:rPr lang="zh-TW" altLang="en-US" b="0" dirty="0"/>
+              <a:t>上的實現也存在，例如直接使用</a:t>
+            </a:r>
+            <a:r>
+              <a:rPr lang="en-US" altLang="zh-TW" b="0" dirty="0"/>
+              <a:t>Windows API</a:t>
+            </a:r>
+            <a:r>
+              <a:rPr lang="zh-TW" altLang="en-US" b="0" dirty="0"/>
+              <a:t>實現的第三方庫</a:t>
+            </a:r>
+            <a:r>
+              <a:rPr lang="en-US" altLang="zh-TW" b="0" dirty="0"/>
+              <a:t>pthreads-w32</a:t>
+            </a:r>
+            <a:r>
+              <a:rPr lang="zh-TW" altLang="en-US" b="0" dirty="0"/>
+              <a:t>；而利用</a:t>
+            </a:r>
+            <a:r>
+              <a:rPr lang="en-US" altLang="zh-TW" b="0" dirty="0"/>
+              <a:t>Windows</a:t>
+            </a:r>
+            <a:r>
+              <a:rPr lang="zh-TW" altLang="en-US" b="0" dirty="0"/>
+              <a:t>的</a:t>
+            </a:r>
+            <a:r>
+              <a:rPr lang="en-US" altLang="zh-TW" b="0" dirty="0"/>
+              <a:t>SFU/SUA</a:t>
+            </a:r>
+            <a:r>
+              <a:rPr lang="zh-TW" altLang="en-US" b="0" dirty="0"/>
+              <a:t>子系統，則可以使用微軟提供的一部分原生</a:t>
+            </a:r>
+            <a:r>
+              <a:rPr lang="en-US" altLang="zh-TW" b="0" dirty="0"/>
+              <a:t>POSIX API</a:t>
+            </a:r>
+            <a:r>
+              <a:rPr lang="zh-TW" altLang="en-US" b="0" dirty="0"/>
+              <a:t>。</a:t>
+            </a:r>
+          </a:p>
+          <a:p>
+            <a:r>
+              <a:rPr lang="en-US">
+                <a:hlinkClick r:id="rId12"/>
+              </a:rPr>
+              <a:t>https://zh.wikipedia.org/wiki/POSIX%E7%BA%BF%E7%A8%8B</a:t>
+            </a:r>
+            <a:endParaRPr lang="en-US"/>
+          </a:p>
+        </p:txBody>
+      </p:sp>
+    </p:spTree>
+    <p:extLst>
+      <p:ext uri="{BB962C8B-B14F-4D97-AF65-F5344CB8AC3E}">
+        <p14:creationId xmlns:p14="http://schemas.microsoft.com/office/powerpoint/2010/main" val="1014179219"/>
+      </p:ext>
+    </p:extLst>
+  </p:cSld>
+  <p:clrMapOvr>
+    <a:masterClrMapping/>
+  </p:clrMapOvr>
+</p:sld>
+</file>
+
+<file path=ppt/slides/slide33.xml><?xml version="1.0" encoding="utf-8"?>
 <p:sld xmlns:a="http://schemas.openxmlformats.org/drawingml/2006/main" xmlns:r="http://schemas.openxmlformats.org/officeDocument/2006/relationships" xmlns:p="http://schemas.openxmlformats.org/presentationml/2006/main">
   <p:cSld>
     <p:spTree>
@@ -29173,7 +32377,7 @@
 </p:sld>
 </file>
 
-<file path=ppt/slides/slide33.xml><?xml version="1.0" encoding="utf-8"?>
+<file path=ppt/slides/slide34.xml><?xml version="1.0" encoding="utf-8"?>
 <p:sld xmlns:a="http://schemas.openxmlformats.org/drawingml/2006/main" xmlns:r="http://schemas.openxmlformats.org/officeDocument/2006/relationships" xmlns:p="http://schemas.openxmlformats.org/presentationml/2006/main">
   <p:cSld>
     <p:spTree>
@@ -29695,7 +32899,7 @@
 </p:sld>
 </file>
 
-<file path=ppt/slides/slide34.xml><?xml version="1.0" encoding="utf-8"?>
+<file path=ppt/slides/slide35.xml><?xml version="1.0" encoding="utf-8"?>
 <p:sld xmlns:a="http://schemas.openxmlformats.org/drawingml/2006/main" xmlns:r="http://schemas.openxmlformats.org/officeDocument/2006/relationships" xmlns:p="http://schemas.openxmlformats.org/presentationml/2006/main">
   <p:cSld>
     <p:spTree>
@@ -29763,7 +32967,15 @@
           <a:p>
             <a:r>
               <a:rPr lang="en-US" altLang="zh-TW" sz="2800" b="1" i="1" dirty="0"/>
-              <a:t>Homogeneous processors </a:t>
+              <a:t>Homogeneous</a:t>
+            </a:r>
+            <a:r>
+              <a:rPr lang="zh-TW" altLang="en-US" sz="2800" b="1" i="1" dirty="0"/>
+              <a:t>相同的</a:t>
+            </a:r>
+            <a:r>
+              <a:rPr lang="en-US" altLang="zh-TW" sz="2800" b="1" i="1" dirty="0"/>
+              <a:t> processors </a:t>
             </a:r>
             <a:r>
               <a:rPr lang="en-US" altLang="zh-TW" sz="2800" dirty="0"/>
@@ -29796,7 +33008,19 @@
             <a:pPr lvl="1"/>
             <a:r>
               <a:rPr lang="en-US" altLang="zh-TW" sz="2800" dirty="0"/>
-              <a:t>All scheduling decisions, I/O processing, and other system activities handled by only a single processor- </a:t>
+              <a:t>All scheduling decisions</a:t>
+            </a:r>
+            <a:r>
+              <a:rPr lang="en-US" altLang="zh-TW" sz="2800" dirty="0">
+                <a:solidFill>
+                  <a:srgbClr val="FF0000"/>
+                </a:solidFill>
+              </a:rPr>
+              <a:t>, I/O processing</a:t>
+            </a:r>
+            <a:r>
+              <a:rPr lang="en-US" altLang="zh-TW" sz="2800" dirty="0"/>
+              <a:t>, and other system activities handled by only a single processor- </a:t>
             </a:r>
             <a:r>
               <a:rPr lang="en-US" altLang="zh-TW" sz="2800" b="1" dirty="0">
@@ -29830,7 +33054,31 @@
             <a:pPr lvl="1"/>
             <a:r>
               <a:rPr lang="en-US" altLang="zh-TW" sz="2800" dirty="0"/>
-              <a:t>Only one processor accesses the system data structures, reducing the need for data sharing</a:t>
+              <a:t>Only </a:t>
+            </a:r>
+            <a:r>
+              <a:rPr lang="en-US" altLang="zh-TW" sz="2800" dirty="0">
+                <a:solidFill>
+                  <a:srgbClr val="FF0000"/>
+                </a:solidFill>
+              </a:rPr>
+              <a:t>one </a:t>
+            </a:r>
+            <a:r>
+              <a:rPr lang="en-US" altLang="zh-TW" sz="2800" dirty="0"/>
+              <a:t>processor </a:t>
+            </a:r>
+            <a:r>
+              <a:rPr lang="en-US" altLang="zh-TW" sz="2800" dirty="0">
+                <a:solidFill>
+                  <a:srgbClr val="FF0000"/>
+                </a:solidFill>
+              </a:rPr>
+              <a:t>accesses the system data </a:t>
+            </a:r>
+            <a:r>
+              <a:rPr lang="en-US" altLang="zh-TW" sz="2800" dirty="0"/>
+              <a:t>structures, reducing the need for data sharing</a:t>
             </a:r>
           </a:p>
         </p:txBody>
@@ -30242,7 +33490,7 @@
 </p:sld>
 </file>
 
-<file path=ppt/slides/slide35.xml><?xml version="1.0" encoding="utf-8"?>
+<file path=ppt/slides/slide36.xml><?xml version="1.0" encoding="utf-8"?>
 <p:sld xmlns:a="http://schemas.openxmlformats.org/drawingml/2006/main" xmlns:r="http://schemas.openxmlformats.org/officeDocument/2006/relationships" xmlns:p="http://schemas.openxmlformats.org/presentationml/2006/main">
   <p:cSld>
     <p:spTree>
@@ -30357,7 +33605,7 @@
 </p:sld>
 </file>
 
-<file path=ppt/slides/slide36.xml><?xml version="1.0" encoding="utf-8"?>
+<file path=ppt/slides/slide37.xml><?xml version="1.0" encoding="utf-8"?>
 <p:sld xmlns:a="http://schemas.openxmlformats.org/drawingml/2006/main" xmlns:r="http://schemas.openxmlformats.org/officeDocument/2006/relationships" xmlns:p="http://schemas.openxmlformats.org/presentationml/2006/main">
   <p:cSld>
     <p:spTree>
@@ -30441,7 +33689,15 @@
             <a:pPr lvl="1"/>
             <a:r>
               <a:rPr lang="en-US" altLang="zh-TW" sz="2800" dirty="0"/>
-              <a:t>all processes in common ready queue, or </a:t>
+              <a:t>all processes in common ready queue</a:t>
+            </a:r>
+            <a:r>
+              <a:rPr lang="en-US" altLang="zh-TW" sz="2800" dirty="0">
+                <a:solidFill>
+                  <a:srgbClr val="FF0000"/>
+                </a:solidFill>
+              </a:rPr>
+              <a:t>, or </a:t>
             </a:r>
           </a:p>
           <a:p>
@@ -30989,7 +34245,7 @@
 </p:sld>
 </file>
 
-<file path=ppt/slides/slide37.xml><?xml version="1.0" encoding="utf-8"?>
+<file path=ppt/slides/slide38.xml><?xml version="1.0" encoding="utf-8"?>
 <p:sld xmlns:a="http://schemas.openxmlformats.org/drawingml/2006/main" xmlns:r="http://schemas.openxmlformats.org/officeDocument/2006/relationships" xmlns:p="http://schemas.openxmlformats.org/presentationml/2006/main">
   <p:cSld>
     <p:spTree>
@@ -31356,7 +34612,7 @@
 </p:sld>
 </file>
 
-<file path=ppt/slides/slide38.xml><?xml version="1.0" encoding="utf-8"?>
+<file path=ppt/slides/slide39.xml><?xml version="1.0" encoding="utf-8"?>
 <p:sld xmlns:a="http://schemas.openxmlformats.org/drawingml/2006/main" xmlns:r="http://schemas.openxmlformats.org/officeDocument/2006/relationships" xmlns:p="http://schemas.openxmlformats.org/presentationml/2006/main">
   <p:cSld>
     <p:spTree>
@@ -31418,7 +34674,15 @@
           <a:p>
             <a:r>
               <a:rPr lang="en-US" altLang="zh-TW" sz="2800" dirty="0"/>
-              <a:t>Recent trend to place multiple processor cores on same physical chip</a:t>
+              <a:t>Recent trend to place </a:t>
+            </a:r>
+            <a:r>
+              <a:rPr lang="en-US" altLang="zh-TW" sz="2800" dirty="0">
+                <a:solidFill>
+                  <a:srgbClr val="FF0000"/>
+                </a:solidFill>
+              </a:rPr>
+              <a:t>multiple processor cores on same physical chip</a:t>
             </a:r>
           </a:p>
           <a:p>
@@ -31734,7 +34998,438 @@
 </p:sld>
 </file>
 
-<file path=ppt/slides/slide39.xml><?xml version="1.0" encoding="utf-8"?>
+<file path=ppt/slides/slide4.xml><?xml version="1.0" encoding="utf-8"?>
+<p:sld xmlns:a="http://schemas.openxmlformats.org/drawingml/2006/main" xmlns:r="http://schemas.openxmlformats.org/officeDocument/2006/relationships" xmlns:p="http://schemas.openxmlformats.org/presentationml/2006/main">
+  <p:cSld>
+    <p:spTree>
+      <p:nvGrpSpPr>
+        <p:cNvPr id="1" name=""/>
+        <p:cNvGrpSpPr/>
+        <p:nvPr/>
+      </p:nvGrpSpPr>
+      <p:grpSpPr>
+        <a:xfrm>
+          <a:off x="0" y="0"/>
+          <a:ext cx="0" cy="0"/>
+          <a:chOff x="0" y="0"/>
+          <a:chExt cx="0" cy="0"/>
+        </a:xfrm>
+      </p:grpSpPr>
+      <p:sp>
+        <p:nvSpPr>
+          <p:cNvPr id="7170" name="Rectangle 2"/>
+          <p:cNvSpPr>
+            <a:spLocks noGrp="1" noChangeArrowheads="1"/>
+          </p:cNvSpPr>
+          <p:nvPr>
+            <p:ph type="title"/>
+          </p:nvPr>
+        </p:nvSpPr>
+        <p:spPr/>
+        <p:txBody>
+          <a:bodyPr/>
+          <a:lstStyle/>
+          <a:p>
+            <a:pPr eaLnBrk="1" hangingPunct="1"/>
+            <a:r>
+              <a:rPr lang="en-US" altLang="zh-TW" sz="4000"/>
+              <a:t>Basic Concepts</a:t>
+            </a:r>
+          </a:p>
+        </p:txBody>
+      </p:sp>
+      <p:sp>
+        <p:nvSpPr>
+          <p:cNvPr id="7171" name="Rectangle 3"/>
+          <p:cNvSpPr>
+            <a:spLocks noGrp="1" noChangeArrowheads="1"/>
+          </p:cNvSpPr>
+          <p:nvPr>
+            <p:ph type="body" idx="1"/>
+          </p:nvPr>
+        </p:nvSpPr>
+        <p:spPr>
+          <a:xfrm>
+            <a:off x="533400" y="1265238"/>
+            <a:ext cx="8382000" cy="3429000"/>
+          </a:xfrm>
+        </p:spPr>
+        <p:txBody>
+          <a:bodyPr/>
+          <a:lstStyle/>
+          <a:p>
+            <a:r>
+              <a:rPr lang="en-US" altLang="zh-TW" sz="2800" dirty="0"/>
+              <a:t>Maximum CPU utilization</a:t>
+            </a:r>
+            <a:r>
+              <a:rPr lang="zh-TW" altLang="en-US" sz="2800" dirty="0"/>
+              <a:t>利用率</a:t>
+            </a:r>
+            <a:r>
+              <a:rPr lang="en-US" altLang="zh-TW" sz="2800" dirty="0"/>
+              <a:t> obtained with multiprogramming</a:t>
+            </a:r>
+          </a:p>
+          <a:p>
+            <a:r>
+              <a:rPr lang="en-US" altLang="zh-TW" sz="2800" dirty="0">
+                <a:solidFill>
+                  <a:srgbClr val="FF0000"/>
+                </a:solidFill>
+              </a:rPr>
+              <a:t>CPU–I/O Burst</a:t>
+            </a:r>
+            <a:r>
+              <a:rPr lang="zh-TW" altLang="en-US" sz="2800" dirty="0">
+                <a:solidFill>
+                  <a:srgbClr val="FF0000"/>
+                </a:solidFill>
+              </a:rPr>
+              <a:t>爆炸</a:t>
+            </a:r>
+            <a:r>
+              <a:rPr lang="en-US" altLang="zh-TW" sz="2800" dirty="0">
+                <a:solidFill>
+                  <a:srgbClr val="FF0000"/>
+                </a:solidFill>
+              </a:rPr>
+              <a:t> Cycle </a:t>
+            </a:r>
+            <a:r>
+              <a:rPr lang="en-US" altLang="zh-TW" sz="2800" dirty="0"/>
+              <a:t>– Process execution consists of a </a:t>
+            </a:r>
+            <a:r>
+              <a:rPr lang="en-US" altLang="zh-TW" sz="2800" b="1" i="1" dirty="0">
+                <a:solidFill>
+                  <a:srgbClr val="FF0000"/>
+                </a:solidFill>
+              </a:rPr>
+              <a:t>cycle</a:t>
+            </a:r>
+            <a:r>
+              <a:rPr lang="en-US" altLang="zh-TW" sz="2800" dirty="0"/>
+              <a:t> of CPU execution and I/O wait</a:t>
+            </a:r>
+          </a:p>
+          <a:p>
+            <a:r>
+              <a:rPr lang="en-US" altLang="zh-TW" sz="2800" b="1" dirty="0"/>
+              <a:t>CPU burst </a:t>
+            </a:r>
+            <a:r>
+              <a:rPr lang="en-US" altLang="zh-TW" sz="2800" dirty="0"/>
+              <a:t>distribution</a:t>
+            </a:r>
+            <a:r>
+              <a:rPr lang="zh-TW" altLang="en-US" sz="2800" dirty="0"/>
+              <a:t>分布   可看出實際</a:t>
+            </a:r>
+            <a:r>
+              <a:rPr lang="en-US" altLang="zh-TW" sz="2800" dirty="0"/>
+              <a:t>CPU</a:t>
+            </a:r>
+            <a:r>
+              <a:rPr lang="zh-TW" altLang="en-US" sz="2800" dirty="0"/>
+              <a:t>在使用的時間段</a:t>
+            </a:r>
+            <a:endParaRPr lang="en-US" altLang="zh-TW" sz="2800" dirty="0"/>
+          </a:p>
+        </p:txBody>
+      </p:sp>
+      <p:pic>
+        <p:nvPicPr>
+          <p:cNvPr id="4" name="Picture 9"/>
+          <p:cNvPicPr>
+            <a:picLocks noChangeAspect="1" noChangeArrowheads="1"/>
+          </p:cNvPicPr>
+          <p:nvPr/>
+        </p:nvPicPr>
+        <p:blipFill>
+          <a:blip r:embed="rId3"/>
+          <a:srcRect/>
+          <a:stretch>
+            <a:fillRect/>
+          </a:stretch>
+        </p:blipFill>
+        <p:spPr bwMode="auto">
+          <a:xfrm>
+            <a:off x="3583135" y="3783051"/>
+            <a:ext cx="4409983" cy="2933055"/>
+          </a:xfrm>
+          <a:prstGeom prst="rect">
+            <a:avLst/>
+          </a:prstGeom>
+          <a:noFill/>
+          <a:ln w="9525">
+            <a:noFill/>
+            <a:miter lim="800000"/>
+            <a:headEnd/>
+            <a:tailEnd/>
+          </a:ln>
+        </p:spPr>
+      </p:pic>
+    </p:spTree>
+  </p:cSld>
+  <p:clrMapOvr>
+    <a:masterClrMapping/>
+  </p:clrMapOvr>
+  <p:timing>
+    <p:tnLst>
+      <p:par>
+        <p:cTn id="1" dur="indefinite" restart="never" nodeType="tmRoot">
+          <p:childTnLst>
+            <p:seq concurrent="1" nextAc="seek">
+              <p:cTn id="2" dur="indefinite" nodeType="mainSeq">
+                <p:childTnLst>
+                  <p:par>
+                    <p:cTn id="3" fill="hold">
+                      <p:stCondLst>
+                        <p:cond delay="indefinite"/>
+                      </p:stCondLst>
+                      <p:childTnLst>
+                        <p:par>
+                          <p:cTn id="4" fill="hold">
+                            <p:stCondLst>
+                              <p:cond delay="0"/>
+                            </p:stCondLst>
+                            <p:childTnLst>
+                              <p:par>
+                                <p:cTn id="5" presetID="4" presetClass="entr" presetSubtype="16" fill="hold" grpId="0" nodeType="clickEffect">
+                                  <p:stCondLst>
+                                    <p:cond delay="0"/>
+                                  </p:stCondLst>
+                                  <p:childTnLst>
+                                    <p:set>
+                                      <p:cBhvr>
+                                        <p:cTn id="6" dur="1" fill="hold">
+                                          <p:stCondLst>
+                                            <p:cond delay="0"/>
+                                          </p:stCondLst>
+                                        </p:cTn>
+                                        <p:tgtEl>
+                                          <p:spTgt spid="7171">
+                                            <p:txEl>
+                                              <p:pRg st="0" end="0"/>
+                                            </p:txEl>
+                                          </p:spTgt>
+                                        </p:tgtEl>
+                                        <p:attrNameLst>
+                                          <p:attrName>style.visibility</p:attrName>
+                                        </p:attrNameLst>
+                                      </p:cBhvr>
+                                      <p:to>
+                                        <p:strVal val="visible"/>
+                                      </p:to>
+                                    </p:set>
+                                    <p:animEffect transition="in" filter="box(in)">
+                                      <p:cBhvr>
+                                        <p:cTn id="7" dur="500"/>
+                                        <p:tgtEl>
+                                          <p:spTgt spid="7171">
+                                            <p:txEl>
+                                              <p:pRg st="0" end="0"/>
+                                            </p:txEl>
+                                          </p:spTgt>
+                                        </p:tgtEl>
+                                      </p:cBhvr>
+                                    </p:animEffect>
+                                  </p:childTnLst>
+                                </p:cTn>
+                              </p:par>
+                            </p:childTnLst>
+                          </p:cTn>
+                        </p:par>
+                      </p:childTnLst>
+                    </p:cTn>
+                  </p:par>
+                  <p:par>
+                    <p:cTn id="8" fill="hold">
+                      <p:stCondLst>
+                        <p:cond delay="indefinite"/>
+                      </p:stCondLst>
+                      <p:childTnLst>
+                        <p:par>
+                          <p:cTn id="9" fill="hold">
+                            <p:stCondLst>
+                              <p:cond delay="0"/>
+                            </p:stCondLst>
+                            <p:childTnLst>
+                              <p:par>
+                                <p:cTn id="10" presetID="4" presetClass="entr" presetSubtype="16" fill="hold" grpId="0" nodeType="clickEffect">
+                                  <p:stCondLst>
+                                    <p:cond delay="0"/>
+                                  </p:stCondLst>
+                                  <p:childTnLst>
+                                    <p:set>
+                                      <p:cBhvr>
+                                        <p:cTn id="11" dur="1" fill="hold">
+                                          <p:stCondLst>
+                                            <p:cond delay="0"/>
+                                          </p:stCondLst>
+                                        </p:cTn>
+                                        <p:tgtEl>
+                                          <p:spTgt spid="7171">
+                                            <p:txEl>
+                                              <p:pRg st="1" end="1"/>
+                                            </p:txEl>
+                                          </p:spTgt>
+                                        </p:tgtEl>
+                                        <p:attrNameLst>
+                                          <p:attrName>style.visibility</p:attrName>
+                                        </p:attrNameLst>
+                                      </p:cBhvr>
+                                      <p:to>
+                                        <p:strVal val="visible"/>
+                                      </p:to>
+                                    </p:set>
+                                    <p:animEffect transition="in" filter="box(in)">
+                                      <p:cBhvr>
+                                        <p:cTn id="12" dur="500"/>
+                                        <p:tgtEl>
+                                          <p:spTgt spid="7171">
+                                            <p:txEl>
+                                              <p:pRg st="1" end="1"/>
+                                            </p:txEl>
+                                          </p:spTgt>
+                                        </p:tgtEl>
+                                      </p:cBhvr>
+                                    </p:animEffect>
+                                  </p:childTnLst>
+                                </p:cTn>
+                              </p:par>
+                            </p:childTnLst>
+                          </p:cTn>
+                        </p:par>
+                      </p:childTnLst>
+                    </p:cTn>
+                  </p:par>
+                  <p:par>
+                    <p:cTn id="13" fill="hold">
+                      <p:stCondLst>
+                        <p:cond delay="indefinite"/>
+                      </p:stCondLst>
+                      <p:childTnLst>
+                        <p:par>
+                          <p:cTn id="14" fill="hold">
+                            <p:stCondLst>
+                              <p:cond delay="0"/>
+                            </p:stCondLst>
+                            <p:childTnLst>
+                              <p:par>
+                                <p:cTn id="15" presetID="4" presetClass="entr" presetSubtype="16" fill="hold" grpId="0" nodeType="clickEffect">
+                                  <p:stCondLst>
+                                    <p:cond delay="0"/>
+                                  </p:stCondLst>
+                                  <p:childTnLst>
+                                    <p:set>
+                                      <p:cBhvr>
+                                        <p:cTn id="16" dur="1" fill="hold">
+                                          <p:stCondLst>
+                                            <p:cond delay="0"/>
+                                          </p:stCondLst>
+                                        </p:cTn>
+                                        <p:tgtEl>
+                                          <p:spTgt spid="7171">
+                                            <p:txEl>
+                                              <p:pRg st="2" end="2"/>
+                                            </p:txEl>
+                                          </p:spTgt>
+                                        </p:tgtEl>
+                                        <p:attrNameLst>
+                                          <p:attrName>style.visibility</p:attrName>
+                                        </p:attrNameLst>
+                                      </p:cBhvr>
+                                      <p:to>
+                                        <p:strVal val="visible"/>
+                                      </p:to>
+                                    </p:set>
+                                    <p:animEffect transition="in" filter="box(in)">
+                                      <p:cBhvr>
+                                        <p:cTn id="17" dur="500"/>
+                                        <p:tgtEl>
+                                          <p:spTgt spid="7171">
+                                            <p:txEl>
+                                              <p:pRg st="2" end="2"/>
+                                            </p:txEl>
+                                          </p:spTgt>
+                                        </p:tgtEl>
+                                      </p:cBhvr>
+                                    </p:animEffect>
+                                  </p:childTnLst>
+                                </p:cTn>
+                              </p:par>
+                              <p:par>
+                                <p:cTn id="18" presetID="6" presetClass="entr" presetSubtype="32" fill="hold" nodeType="withEffect">
+                                  <p:stCondLst>
+                                    <p:cond delay="0"/>
+                                  </p:stCondLst>
+                                  <p:childTnLst>
+                                    <p:set>
+                                      <p:cBhvr>
+                                        <p:cTn id="19" dur="1" fill="hold">
+                                          <p:stCondLst>
+                                            <p:cond delay="0"/>
+                                          </p:stCondLst>
+                                        </p:cTn>
+                                        <p:tgtEl>
+                                          <p:spTgt spid="4"/>
+                                        </p:tgtEl>
+                                        <p:attrNameLst>
+                                          <p:attrName>style.visibility</p:attrName>
+                                        </p:attrNameLst>
+                                      </p:cBhvr>
+                                      <p:to>
+                                        <p:strVal val="visible"/>
+                                      </p:to>
+                                    </p:set>
+                                    <p:animEffect transition="in" filter="circle(out)">
+                                      <p:cBhvr>
+                                        <p:cTn id="20" dur="2000"/>
+                                        <p:tgtEl>
+                                          <p:spTgt spid="4"/>
+                                        </p:tgtEl>
+                                      </p:cBhvr>
+                                    </p:animEffect>
+                                  </p:childTnLst>
+                                </p:cTn>
+                              </p:par>
+                            </p:childTnLst>
+                          </p:cTn>
+                        </p:par>
+                      </p:childTnLst>
+                    </p:cTn>
+                  </p:par>
+                </p:childTnLst>
+              </p:cTn>
+              <p:prevCondLst>
+                <p:cond evt="onPrev" delay="0">
+                  <p:tgtEl>
+                    <p:sldTgt/>
+                  </p:tgtEl>
+                </p:cond>
+              </p:prevCondLst>
+              <p:nextCondLst>
+                <p:cond evt="onNext" delay="0">
+                  <p:tgtEl>
+                    <p:sldTgt/>
+                  </p:tgtEl>
+                </p:cond>
+              </p:nextCondLst>
+            </p:seq>
+          </p:childTnLst>
+        </p:cTn>
+      </p:par>
+    </p:tnLst>
+    <p:bldLst>
+      <p:bldP spid="7171" grpId="0" uiExpand="1" build="p"/>
+    </p:bldLst>
+  </p:timing>
+</p:sld>
+</file>
+
+<file path=ppt/slides/slide40.xml><?xml version="1.0" encoding="utf-8"?>
 <p:sld xmlns:a="http://schemas.openxmlformats.org/drawingml/2006/main" xmlns:r="http://schemas.openxmlformats.org/officeDocument/2006/relationships" xmlns:p="http://schemas.openxmlformats.org/presentationml/2006/main">
   <p:cSld>
     <p:spTree>
@@ -31795,8 +35490,16 @@
           <a:lstStyle/>
           <a:p>
             <a:r>
+              <a:rPr lang="en-US" altLang="zh-TW" sz="2800" dirty="0">
+                <a:solidFill>
+                  <a:srgbClr val="FF0000"/>
+                </a:solidFill>
+              </a:rPr>
+              <a:t>Multiple threads per core </a:t>
+            </a:r>
+            <a:r>
               <a:rPr lang="en-US" altLang="zh-TW" sz="2800" dirty="0"/>
-              <a:t>Multiple threads per core also growing</a:t>
+              <a:t>also growing</a:t>
             </a:r>
           </a:p>
           <a:p>
@@ -32190,425 +35893,7 @@
 </p:sld>
 </file>
 
-<file path=ppt/slides/slide4.xml><?xml version="1.0" encoding="utf-8"?>
-<p:sld xmlns:a="http://schemas.openxmlformats.org/drawingml/2006/main" xmlns:r="http://schemas.openxmlformats.org/officeDocument/2006/relationships" xmlns:p="http://schemas.openxmlformats.org/presentationml/2006/main">
-  <p:cSld>
-    <p:spTree>
-      <p:nvGrpSpPr>
-        <p:cNvPr id="1" name=""/>
-        <p:cNvGrpSpPr/>
-        <p:nvPr/>
-      </p:nvGrpSpPr>
-      <p:grpSpPr>
-        <a:xfrm>
-          <a:off x="0" y="0"/>
-          <a:ext cx="0" cy="0"/>
-          <a:chOff x="0" y="0"/>
-          <a:chExt cx="0" cy="0"/>
-        </a:xfrm>
-      </p:grpSpPr>
-      <p:sp>
-        <p:nvSpPr>
-          <p:cNvPr id="7170" name="Rectangle 2"/>
-          <p:cNvSpPr>
-            <a:spLocks noGrp="1" noChangeArrowheads="1"/>
-          </p:cNvSpPr>
-          <p:nvPr>
-            <p:ph type="title"/>
-          </p:nvPr>
-        </p:nvSpPr>
-        <p:spPr/>
-        <p:txBody>
-          <a:bodyPr/>
-          <a:lstStyle/>
-          <a:p>
-            <a:pPr eaLnBrk="1" hangingPunct="1"/>
-            <a:r>
-              <a:rPr lang="en-US" altLang="zh-TW" sz="4000"/>
-              <a:t>Basic Concepts</a:t>
-            </a:r>
-          </a:p>
-        </p:txBody>
-      </p:sp>
-      <p:sp>
-        <p:nvSpPr>
-          <p:cNvPr id="7171" name="Rectangle 3"/>
-          <p:cNvSpPr>
-            <a:spLocks noGrp="1" noChangeArrowheads="1"/>
-          </p:cNvSpPr>
-          <p:nvPr>
-            <p:ph type="body" idx="1"/>
-          </p:nvPr>
-        </p:nvSpPr>
-        <p:spPr>
-          <a:xfrm>
-            <a:off x="533400" y="1265238"/>
-            <a:ext cx="8382000" cy="3429000"/>
-          </a:xfrm>
-        </p:spPr>
-        <p:txBody>
-          <a:bodyPr/>
-          <a:lstStyle/>
-          <a:p>
-            <a:r>
-              <a:rPr lang="en-US" altLang="zh-TW" sz="2800" dirty="0"/>
-              <a:t>Maximum CPU utilization</a:t>
-            </a:r>
-            <a:r>
-              <a:rPr lang="zh-TW" altLang="en-US" sz="2800" dirty="0"/>
-              <a:t>利用率</a:t>
-            </a:r>
-            <a:r>
-              <a:rPr lang="en-US" altLang="zh-TW" sz="2800" dirty="0"/>
-              <a:t> obtained with multiprogramming</a:t>
-            </a:r>
-          </a:p>
-          <a:p>
-            <a:r>
-              <a:rPr lang="en-US" altLang="zh-TW" sz="2800" dirty="0">
-                <a:solidFill>
-                  <a:srgbClr val="FF0000"/>
-                </a:solidFill>
-              </a:rPr>
-              <a:t>CPU–I/O Burst</a:t>
-            </a:r>
-            <a:r>
-              <a:rPr lang="zh-TW" altLang="en-US" sz="2800" dirty="0">
-                <a:solidFill>
-                  <a:srgbClr val="FF0000"/>
-                </a:solidFill>
-              </a:rPr>
-              <a:t>爆炸</a:t>
-            </a:r>
-            <a:r>
-              <a:rPr lang="en-US" altLang="zh-TW" sz="2800" dirty="0">
-                <a:solidFill>
-                  <a:srgbClr val="FF0000"/>
-                </a:solidFill>
-              </a:rPr>
-              <a:t> Cycle </a:t>
-            </a:r>
-            <a:r>
-              <a:rPr lang="en-US" altLang="zh-TW" sz="2800" dirty="0"/>
-              <a:t>– Process execution consists of a </a:t>
-            </a:r>
-            <a:r>
-              <a:rPr lang="en-US" altLang="zh-TW" sz="2800" b="1" i="1" dirty="0">
-                <a:solidFill>
-                  <a:srgbClr val="FF0000"/>
-                </a:solidFill>
-              </a:rPr>
-              <a:t>cycle</a:t>
-            </a:r>
-            <a:r>
-              <a:rPr lang="en-US" altLang="zh-TW" sz="2800" dirty="0"/>
-              <a:t> of CPU execution and I/O wait</a:t>
-            </a:r>
-          </a:p>
-          <a:p>
-            <a:r>
-              <a:rPr lang="en-US" altLang="zh-TW" sz="2800" b="1" dirty="0"/>
-              <a:t>CPU burst </a:t>
-            </a:r>
-            <a:r>
-              <a:rPr lang="en-US" altLang="zh-TW" sz="2800" dirty="0"/>
-              <a:t>distribution</a:t>
-            </a:r>
-          </a:p>
-        </p:txBody>
-      </p:sp>
-      <p:pic>
-        <p:nvPicPr>
-          <p:cNvPr id="4" name="Picture 9"/>
-          <p:cNvPicPr>
-            <a:picLocks noChangeAspect="1" noChangeArrowheads="1"/>
-          </p:cNvPicPr>
-          <p:nvPr/>
-        </p:nvPicPr>
-        <p:blipFill>
-          <a:blip r:embed="rId3"/>
-          <a:srcRect/>
-          <a:stretch>
-            <a:fillRect/>
-          </a:stretch>
-        </p:blipFill>
-        <p:spPr bwMode="auto">
-          <a:xfrm>
-            <a:off x="3583135" y="3783051"/>
-            <a:ext cx="4409983" cy="2933055"/>
-          </a:xfrm>
-          <a:prstGeom prst="rect">
-            <a:avLst/>
-          </a:prstGeom>
-          <a:noFill/>
-          <a:ln w="9525">
-            <a:noFill/>
-            <a:miter lim="800000"/>
-            <a:headEnd/>
-            <a:tailEnd/>
-          </a:ln>
-        </p:spPr>
-      </p:pic>
-    </p:spTree>
-  </p:cSld>
-  <p:clrMapOvr>
-    <a:masterClrMapping/>
-  </p:clrMapOvr>
-  <p:timing>
-    <p:tnLst>
-      <p:par>
-        <p:cTn id="1" dur="indefinite" restart="never" nodeType="tmRoot">
-          <p:childTnLst>
-            <p:seq concurrent="1" nextAc="seek">
-              <p:cTn id="2" dur="indefinite" nodeType="mainSeq">
-                <p:childTnLst>
-                  <p:par>
-                    <p:cTn id="3" fill="hold">
-                      <p:stCondLst>
-                        <p:cond delay="indefinite"/>
-                      </p:stCondLst>
-                      <p:childTnLst>
-                        <p:par>
-                          <p:cTn id="4" fill="hold">
-                            <p:stCondLst>
-                              <p:cond delay="0"/>
-                            </p:stCondLst>
-                            <p:childTnLst>
-                              <p:par>
-                                <p:cTn id="5" presetID="4" presetClass="entr" presetSubtype="16" fill="hold" grpId="0" nodeType="clickEffect">
-                                  <p:stCondLst>
-                                    <p:cond delay="0"/>
-                                  </p:stCondLst>
-                                  <p:childTnLst>
-                                    <p:set>
-                                      <p:cBhvr>
-                                        <p:cTn id="6" dur="1" fill="hold">
-                                          <p:stCondLst>
-                                            <p:cond delay="0"/>
-                                          </p:stCondLst>
-                                        </p:cTn>
-                                        <p:tgtEl>
-                                          <p:spTgt spid="7171">
-                                            <p:txEl>
-                                              <p:pRg st="0" end="0"/>
-                                            </p:txEl>
-                                          </p:spTgt>
-                                        </p:tgtEl>
-                                        <p:attrNameLst>
-                                          <p:attrName>style.visibility</p:attrName>
-                                        </p:attrNameLst>
-                                      </p:cBhvr>
-                                      <p:to>
-                                        <p:strVal val="visible"/>
-                                      </p:to>
-                                    </p:set>
-                                    <p:animEffect transition="in" filter="box(in)">
-                                      <p:cBhvr>
-                                        <p:cTn id="7" dur="500"/>
-                                        <p:tgtEl>
-                                          <p:spTgt spid="7171">
-                                            <p:txEl>
-                                              <p:pRg st="0" end="0"/>
-                                            </p:txEl>
-                                          </p:spTgt>
-                                        </p:tgtEl>
-                                      </p:cBhvr>
-                                    </p:animEffect>
-                                  </p:childTnLst>
-                                </p:cTn>
-                              </p:par>
-                            </p:childTnLst>
-                          </p:cTn>
-                        </p:par>
-                      </p:childTnLst>
-                    </p:cTn>
-                  </p:par>
-                  <p:par>
-                    <p:cTn id="8" fill="hold">
-                      <p:stCondLst>
-                        <p:cond delay="indefinite"/>
-                      </p:stCondLst>
-                      <p:childTnLst>
-                        <p:par>
-                          <p:cTn id="9" fill="hold">
-                            <p:stCondLst>
-                              <p:cond delay="0"/>
-                            </p:stCondLst>
-                            <p:childTnLst>
-                              <p:par>
-                                <p:cTn id="10" presetID="4" presetClass="entr" presetSubtype="16" fill="hold" grpId="0" nodeType="clickEffect">
-                                  <p:stCondLst>
-                                    <p:cond delay="0"/>
-                                  </p:stCondLst>
-                                  <p:childTnLst>
-                                    <p:set>
-                                      <p:cBhvr>
-                                        <p:cTn id="11" dur="1" fill="hold">
-                                          <p:stCondLst>
-                                            <p:cond delay="0"/>
-                                          </p:stCondLst>
-                                        </p:cTn>
-                                        <p:tgtEl>
-                                          <p:spTgt spid="7171">
-                                            <p:txEl>
-                                              <p:pRg st="1" end="1"/>
-                                            </p:txEl>
-                                          </p:spTgt>
-                                        </p:tgtEl>
-                                        <p:attrNameLst>
-                                          <p:attrName>style.visibility</p:attrName>
-                                        </p:attrNameLst>
-                                      </p:cBhvr>
-                                      <p:to>
-                                        <p:strVal val="visible"/>
-                                      </p:to>
-                                    </p:set>
-                                    <p:animEffect transition="in" filter="box(in)">
-                                      <p:cBhvr>
-                                        <p:cTn id="12" dur="500"/>
-                                        <p:tgtEl>
-                                          <p:spTgt spid="7171">
-                                            <p:txEl>
-                                              <p:pRg st="1" end="1"/>
-                                            </p:txEl>
-                                          </p:spTgt>
-                                        </p:tgtEl>
-                                      </p:cBhvr>
-                                    </p:animEffect>
-                                  </p:childTnLst>
-                                </p:cTn>
-                              </p:par>
-                            </p:childTnLst>
-                          </p:cTn>
-                        </p:par>
-                      </p:childTnLst>
-                    </p:cTn>
-                  </p:par>
-                  <p:par>
-                    <p:cTn id="13" fill="hold">
-                      <p:stCondLst>
-                        <p:cond delay="indefinite"/>
-                      </p:stCondLst>
-                      <p:childTnLst>
-                        <p:par>
-                          <p:cTn id="14" fill="hold">
-                            <p:stCondLst>
-                              <p:cond delay="0"/>
-                            </p:stCondLst>
-                            <p:childTnLst>
-                              <p:par>
-                                <p:cTn id="15" presetID="4" presetClass="entr" presetSubtype="16" fill="hold" grpId="0" nodeType="clickEffect">
-                                  <p:stCondLst>
-                                    <p:cond delay="0"/>
-                                  </p:stCondLst>
-                                  <p:childTnLst>
-                                    <p:set>
-                                      <p:cBhvr>
-                                        <p:cTn id="16" dur="1" fill="hold">
-                                          <p:stCondLst>
-                                            <p:cond delay="0"/>
-                                          </p:stCondLst>
-                                        </p:cTn>
-                                        <p:tgtEl>
-                                          <p:spTgt spid="7171">
-                                            <p:txEl>
-                                              <p:pRg st="2" end="2"/>
-                                            </p:txEl>
-                                          </p:spTgt>
-                                        </p:tgtEl>
-                                        <p:attrNameLst>
-                                          <p:attrName>style.visibility</p:attrName>
-                                        </p:attrNameLst>
-                                      </p:cBhvr>
-                                      <p:to>
-                                        <p:strVal val="visible"/>
-                                      </p:to>
-                                    </p:set>
-                                    <p:animEffect transition="in" filter="box(in)">
-                                      <p:cBhvr>
-                                        <p:cTn id="17" dur="500"/>
-                                        <p:tgtEl>
-                                          <p:spTgt spid="7171">
-                                            <p:txEl>
-                                              <p:pRg st="2" end="2"/>
-                                            </p:txEl>
-                                          </p:spTgt>
-                                        </p:tgtEl>
-                                      </p:cBhvr>
-                                    </p:animEffect>
-                                  </p:childTnLst>
-                                </p:cTn>
-                              </p:par>
-                              <p:par>
-                                <p:cTn id="18" presetID="6" presetClass="entr" presetSubtype="32" fill="hold" nodeType="withEffect">
-                                  <p:stCondLst>
-                                    <p:cond delay="0"/>
-                                  </p:stCondLst>
-                                  <p:childTnLst>
-                                    <p:set>
-                                      <p:cBhvr>
-                                        <p:cTn id="19" dur="1" fill="hold">
-                                          <p:stCondLst>
-                                            <p:cond delay="0"/>
-                                          </p:stCondLst>
-                                        </p:cTn>
-                                        <p:tgtEl>
-                                          <p:spTgt spid="4"/>
-                                        </p:tgtEl>
-                                        <p:attrNameLst>
-                                          <p:attrName>style.visibility</p:attrName>
-                                        </p:attrNameLst>
-                                      </p:cBhvr>
-                                      <p:to>
-                                        <p:strVal val="visible"/>
-                                      </p:to>
-                                    </p:set>
-                                    <p:animEffect transition="in" filter="circle(out)">
-                                      <p:cBhvr>
-                                        <p:cTn id="20" dur="2000"/>
-                                        <p:tgtEl>
-                                          <p:spTgt spid="4"/>
-                                        </p:tgtEl>
-                                      </p:cBhvr>
-                                    </p:animEffect>
-                                  </p:childTnLst>
-                                </p:cTn>
-                              </p:par>
-                            </p:childTnLst>
-                          </p:cTn>
-                        </p:par>
-                      </p:childTnLst>
-                    </p:cTn>
-                  </p:par>
-                </p:childTnLst>
-              </p:cTn>
-              <p:prevCondLst>
-                <p:cond evt="onPrev" delay="0">
-                  <p:tgtEl>
-                    <p:sldTgt/>
-                  </p:tgtEl>
-                </p:cond>
-              </p:prevCondLst>
-              <p:nextCondLst>
-                <p:cond evt="onNext" delay="0">
-                  <p:tgtEl>
-                    <p:sldTgt/>
-                  </p:tgtEl>
-                </p:cond>
-              </p:nextCondLst>
-            </p:seq>
-          </p:childTnLst>
-        </p:cTn>
-      </p:par>
-    </p:tnLst>
-    <p:bldLst>
-      <p:bldP spid="7171" grpId="0" uiExpand="1" build="p"/>
-    </p:bldLst>
-  </p:timing>
-</p:sld>
-</file>
-
-<file path=ppt/slides/slide40.xml><?xml version="1.0" encoding="utf-8"?>
+<file path=ppt/slides/slide41.xml><?xml version="1.0" encoding="utf-8"?>
 <p:sld xmlns:a="http://schemas.openxmlformats.org/drawingml/2006/main" xmlns:r="http://schemas.openxmlformats.org/officeDocument/2006/relationships" xmlns:p="http://schemas.openxmlformats.org/presentationml/2006/main">
   <p:cSld>
     <p:spTree>
@@ -32703,7 +35988,7 @@
 </p:sld>
 </file>
 
-<file path=ppt/slides/slide41.xml><?xml version="1.0" encoding="utf-8"?>
+<file path=ppt/slides/slide42.xml><?xml version="1.0" encoding="utf-8"?>
 <p:sld xmlns:a="http://schemas.openxmlformats.org/drawingml/2006/main" xmlns:r="http://schemas.openxmlformats.org/officeDocument/2006/relationships" xmlns:p="http://schemas.openxmlformats.org/presentationml/2006/main">
   <p:cSld>
     <p:spTree>
@@ -32783,8 +36068,29 @@
             <a:pPr lvl="1"/>
             <a:r>
               <a:rPr lang="en-US" altLang="zh-TW" sz="2400" dirty="0"/>
-              <a:t>Time sharing (TS)</a:t>
-            </a:r>
+              <a:t>Time sharing (TS) </a:t>
+            </a:r>
+            <a:r>
+              <a:rPr lang="zh-TW" altLang="en-US" sz="2400" dirty="0"/>
+              <a:t>類似</a:t>
+            </a:r>
+            <a:r>
+              <a:rPr lang="en-US" altLang="zh-TW" sz="2400" dirty="0"/>
+              <a:t>RR </a:t>
+            </a:r>
+            <a:r>
+              <a:rPr lang="zh-TW" altLang="en-US" sz="2400" dirty="0"/>
+              <a:t>執行一段時間</a:t>
+            </a:r>
+            <a:r>
+              <a:rPr lang="en-US" altLang="zh-TW" sz="2400" dirty="0"/>
+              <a:t>CPU</a:t>
+            </a:r>
+            <a:r>
+              <a:rPr lang="zh-TW" altLang="en-US" sz="2400" dirty="0"/>
+              <a:t>就拉回來</a:t>
+            </a:r>
+            <a:endParaRPr lang="en-US" altLang="zh-TW" sz="2400" dirty="0"/>
           </a:p>
           <a:p>
             <a:pPr lvl="1"/>
@@ -32792,19 +36098,29 @@
               <a:rPr lang="en-US" altLang="zh-TW" sz="2400" dirty="0"/>
               <a:t>Interactive (IA)</a:t>
             </a:r>
+            <a:r>
+              <a:rPr lang="zh-TW" altLang="en-US" sz="2400" dirty="0"/>
+              <a:t>  互動性</a:t>
+            </a:r>
+            <a:endParaRPr lang="en-US" altLang="zh-TW" sz="2400" dirty="0"/>
           </a:p>
           <a:p>
             <a:pPr lvl="1"/>
             <a:r>
               <a:rPr lang="en-US" altLang="zh-TW" sz="2400" dirty="0"/>
-              <a:t>Real time (RT)</a:t>
-            </a:r>
+              <a:t>Real time (RT)  </a:t>
+            </a:r>
+            <a:r>
+              <a:rPr lang="zh-TW" altLang="en-US" sz="2400" dirty="0"/>
+              <a:t>即時 </a:t>
+            </a:r>
+            <a:endParaRPr lang="en-US" altLang="zh-TW" sz="2400" dirty="0"/>
           </a:p>
           <a:p>
             <a:pPr lvl="1"/>
             <a:r>
               <a:rPr lang="en-US" altLang="zh-TW" sz="2400" dirty="0"/>
-              <a:t>System (SYS)</a:t>
+              <a:t>System (SYS)  </a:t>
             </a:r>
           </a:p>
           <a:p>
@@ -32824,8 +36140,21 @@
           <a:p>
             <a:r>
               <a:rPr lang="en-US" altLang="zh-TW" sz="2400" dirty="0"/>
-              <a:t>Within each class there are different priorities and different scheduling algorithms.</a:t>
-            </a:r>
+              <a:t>Within each class there are different priorities and different scheduling algorithms. FCFS SJF RR /</a:t>
+            </a:r>
+            <a:r>
+              <a:rPr lang="en-US" altLang="zh-TW" sz="2400" dirty="0" err="1"/>
+              <a:t>multiQ</a:t>
+            </a:r>
+            <a:r>
+              <a:rPr lang="en-US" altLang="zh-TW" sz="2400" dirty="0"/>
+              <a:t> </a:t>
+            </a:r>
+            <a:r>
+              <a:rPr lang="en-US" altLang="zh-TW" sz="2400" dirty="0" err="1"/>
+              <a:t>multiFeedbackQ</a:t>
+            </a:r>
+            <a:endParaRPr lang="en-US" altLang="zh-TW" sz="2400" dirty="0"/>
           </a:p>
           <a:p>
             <a:r>
@@ -33329,7 +36658,7 @@
 </p:sld>
 </file>
 
-<file path=ppt/slides/slide42.xml><?xml version="1.0" encoding="utf-8"?>
+<file path=ppt/slides/slide43.xml><?xml version="1.0" encoding="utf-8"?>
 <p:sld xmlns:a="http://schemas.openxmlformats.org/drawingml/2006/main" xmlns:r="http://schemas.openxmlformats.org/officeDocument/2006/relationships" xmlns:p="http://schemas.openxmlformats.org/presentationml/2006/main">
   <p:cSld>
     <p:spTree>
@@ -33390,7 +36719,7 @@
           <a:p>
             <a:r>
               <a:rPr lang="en-US" altLang="zh-TW" sz="2800" dirty="0"/>
-              <a:t>The scheduling policy for the time-sharing class dynamically alters priorities and assigns time slices of different length using </a:t>
+              <a:t>The scheduling policy for the time-sharing class dynamically alters priorities and assigns time slices(quantum) of different length using </a:t>
             </a:r>
             <a:r>
               <a:rPr lang="en-US" altLang="zh-TW" sz="2800" dirty="0">
@@ -33416,8 +36745,37 @@
             </a:r>
             <a:r>
               <a:rPr lang="en-US" altLang="zh-TW" sz="2800" dirty="0"/>
-              <a:t>between priorities and time slices.</a:t>
-            </a:r>
+              <a:t>between priorities and time slices. </a:t>
+            </a:r>
+            <a:r>
+              <a:rPr lang="zh-TW" altLang="en-US" sz="2800" dirty="0"/>
+              <a:t>越優先每次給的</a:t>
+            </a:r>
+            <a:r>
+              <a:rPr lang="en-US" altLang="zh-TW" sz="2800" dirty="0"/>
+              <a:t>CPU</a:t>
+            </a:r>
+            <a:r>
+              <a:rPr lang="zh-TW" altLang="en-US" sz="2800" dirty="0"/>
+              <a:t>越短</a:t>
+            </a:r>
+            <a:r>
+              <a:rPr lang="en-US" altLang="zh-TW" sz="2800" dirty="0"/>
+              <a:t>/</a:t>
+            </a:r>
+            <a:r>
+              <a:rPr lang="zh-TW" altLang="en-US" sz="2800" dirty="0"/>
+              <a:t>少   互動性高 很快就產生</a:t>
+            </a:r>
+            <a:r>
+              <a:rPr lang="en-US" altLang="zh-TW" sz="2800" dirty="0"/>
+              <a:t>IO</a:t>
+            </a:r>
+            <a:r>
+              <a:rPr lang="zh-TW" altLang="en-US" sz="2800" dirty="0"/>
+              <a:t> 就走開了 </a:t>
+            </a:r>
+            <a:endParaRPr lang="en-US" altLang="zh-TW" sz="2800" dirty="0"/>
           </a:p>
           <a:p>
             <a:r>
@@ -33754,7 +37112,7 @@
 </p:sld>
 </file>
 
-<file path=ppt/slides/slide43.xml><?xml version="1.0" encoding="utf-8"?>
+<file path=ppt/slides/slide44.xml><?xml version="1.0" encoding="utf-8"?>
 <p:sld xmlns:a="http://schemas.openxmlformats.org/drawingml/2006/main" xmlns:r="http://schemas.openxmlformats.org/officeDocument/2006/relationships" xmlns:p="http://schemas.openxmlformats.org/presentationml/2006/main">
   <p:cSld>
     <p:spTree>
@@ -34909,7 +38267,7 @@
 </p:sld>
 </file>
 
-<file path=ppt/slides/slide44.xml><?xml version="1.0" encoding="utf-8"?>
+<file path=ppt/slides/slide45.xml><?xml version="1.0" encoding="utf-8"?>
 <p:sld xmlns:a="http://schemas.openxmlformats.org/drawingml/2006/main" xmlns:r="http://schemas.openxmlformats.org/officeDocument/2006/relationships" xmlns:p="http://schemas.openxmlformats.org/presentationml/2006/main">
   <p:cSld>
     <p:spTree>
@@ -35343,7 +38701,7 @@
 </p:sld>
 </file>
 
-<file path=ppt/slides/slide45.xml><?xml version="1.0" encoding="utf-8"?>
+<file path=ppt/slides/slide46.xml><?xml version="1.0" encoding="utf-8"?>
 <p:sld xmlns:a="http://schemas.openxmlformats.org/drawingml/2006/main" xmlns:r="http://schemas.openxmlformats.org/officeDocument/2006/relationships" xmlns:p="http://schemas.openxmlformats.org/presentationml/2006/main">
   <p:cSld>
     <p:spTree>
@@ -35506,7 +38864,7 @@
 </p:sld>
 </file>
 
-<file path=ppt/slides/slide46.xml><?xml version="1.0" encoding="utf-8"?>
+<file path=ppt/slides/slide47.xml><?xml version="1.0" encoding="utf-8"?>
 <p:sld xmlns:a="http://schemas.openxmlformats.org/drawingml/2006/main" xmlns:r="http://schemas.openxmlformats.org/officeDocument/2006/relationships" xmlns:p="http://schemas.openxmlformats.org/presentationml/2006/main">
   <p:cSld>
     <p:spTree>
@@ -35607,8 +38965,13 @@
             </a:r>
             <a:r>
               <a:rPr lang="en-US" altLang="zh-TW" sz="2800" dirty="0"/>
-              <a:t> The portion of the Windows XP kernel that handles scheduling.</a:t>
-            </a:r>
+              <a:t> The portion of the Windows XP kernel that handles scheduling. </a:t>
+            </a:r>
+            <a:r>
+              <a:rPr lang="zh-TW" altLang="en-US" sz="2800" dirty="0"/>
+              <a:t>分配器</a:t>
+            </a:r>
+            <a:endParaRPr lang="en-US" altLang="zh-TW" sz="2800" dirty="0"/>
           </a:p>
           <a:p>
             <a:r>
@@ -35911,7 +39274,7 @@
 </p:sld>
 </file>
 
-<file path=ppt/slides/slide47.xml><?xml version="1.0" encoding="utf-8"?>
+<file path=ppt/slides/slide48.xml><?xml version="1.0" encoding="utf-8"?>
 <p:sld xmlns:a="http://schemas.openxmlformats.org/drawingml/2006/main" xmlns:r="http://schemas.openxmlformats.org/officeDocument/2006/relationships" xmlns:p="http://schemas.openxmlformats.org/presentationml/2006/main">
   <p:cSld>
     <p:spTree>
@@ -36025,6 +39388,11 @@
               <a:rPr lang="en-US" altLang="zh-TW" sz="2800" dirty="0"/>
               <a:t>Priority 0 for memory management thread</a:t>
             </a:r>
+            <a:r>
+              <a:rPr lang="zh-TW" altLang="en-US" sz="2800" dirty="0"/>
+              <a:t> 記憶體管理  系統本身用</a:t>
+            </a:r>
+            <a:endParaRPr lang="en-US" altLang="zh-TW" sz="2800" dirty="0"/>
           </a:p>
           <a:p>
             <a:pPr lvl="1"/>
@@ -36370,7 +39738,7 @@
 </p:sld>
 </file>
 
-<file path=ppt/slides/slide48.xml><?xml version="1.0" encoding="utf-8"?>
+<file path=ppt/slides/slide49.xml><?xml version="1.0" encoding="utf-8"?>
 <p:sld xmlns:a="http://schemas.openxmlformats.org/drawingml/2006/main" xmlns:r="http://schemas.openxmlformats.org/officeDocument/2006/relationships" xmlns:p="http://schemas.openxmlformats.org/presentationml/2006/main">
   <p:cSld>
     <p:spTree>
@@ -36946,157 +40314,6 @@
       <p:bldP spid="51203" grpId="0" build="p"/>
     </p:bldLst>
   </p:timing>
-</p:sld>
-</file>
-
-<file path=ppt/slides/slide49.xml><?xml version="1.0" encoding="utf-8"?>
-<p:sld xmlns:a="http://schemas.openxmlformats.org/drawingml/2006/main" xmlns:r="http://schemas.openxmlformats.org/officeDocument/2006/relationships" xmlns:p="http://schemas.openxmlformats.org/presentationml/2006/main">
-  <p:cSld>
-    <p:spTree>
-      <p:nvGrpSpPr>
-        <p:cNvPr id="1" name=""/>
-        <p:cNvGrpSpPr/>
-        <p:nvPr/>
-      </p:nvGrpSpPr>
-      <p:grpSpPr>
-        <a:xfrm>
-          <a:off x="0" y="0"/>
-          <a:ext cx="0" cy="0"/>
-          <a:chOff x="0" y="0"/>
-          <a:chExt cx="0" cy="0"/>
-        </a:xfrm>
-      </p:grpSpPr>
-      <p:sp>
-        <p:nvSpPr>
-          <p:cNvPr id="52226" name="Rectangle 2"/>
-          <p:cNvSpPr>
-            <a:spLocks noGrp="1" noChangeArrowheads="1"/>
-          </p:cNvSpPr>
-          <p:nvPr>
-            <p:ph type="title"/>
-          </p:nvPr>
-        </p:nvSpPr>
-        <p:spPr/>
-        <p:txBody>
-          <a:bodyPr/>
-          <a:lstStyle/>
-          <a:p>
-            <a:r>
-              <a:rPr lang="en-US" altLang="zh-TW" sz="3600"/>
-              <a:t>Windows XP Scheduling</a:t>
-            </a:r>
-          </a:p>
-        </p:txBody>
-      </p:sp>
-      <p:sp>
-        <p:nvSpPr>
-          <p:cNvPr id="52227" name="Rectangle 3"/>
-          <p:cNvSpPr>
-            <a:spLocks noGrp="1" noChangeArrowheads="1"/>
-          </p:cNvSpPr>
-          <p:nvPr>
-            <p:ph type="body" idx="1"/>
-          </p:nvPr>
-        </p:nvSpPr>
-        <p:spPr>
-          <a:xfrm>
-            <a:off x="685800" y="1292225"/>
-            <a:ext cx="8153400" cy="3508375"/>
-          </a:xfrm>
-        </p:spPr>
-        <p:txBody>
-          <a:bodyPr/>
-          <a:lstStyle/>
-          <a:p>
-            <a:r>
-              <a:rPr lang="en-US" altLang="zh-TW" sz="2800" dirty="0"/>
-              <a:t>A thread within a given priority class also has a relative priority :</a:t>
-            </a:r>
-          </a:p>
-          <a:p>
-            <a:pPr lvl="1"/>
-            <a:r>
-              <a:rPr lang="en-US" altLang="zh-TW" sz="2400" b="1" dirty="0">
-                <a:solidFill>
-                  <a:srgbClr val="FF0000"/>
-                </a:solidFill>
-              </a:rPr>
-              <a:t>TIME_CRITICAL</a:t>
-            </a:r>
-          </a:p>
-          <a:p>
-            <a:pPr lvl="1"/>
-            <a:r>
-              <a:rPr lang="en-US" altLang="zh-TW" sz="2400" b="1" dirty="0">
-                <a:solidFill>
-                  <a:srgbClr val="FF0000"/>
-                </a:solidFill>
-              </a:rPr>
-              <a:t>HIGHEST</a:t>
-            </a:r>
-          </a:p>
-          <a:p>
-            <a:pPr lvl="1"/>
-            <a:r>
-              <a:rPr lang="en-US" altLang="zh-TW" sz="2400" b="1" dirty="0">
-                <a:solidFill>
-                  <a:srgbClr val="FF0000"/>
-                </a:solidFill>
-              </a:rPr>
-              <a:t>ABOVE_NORMAL</a:t>
-            </a:r>
-          </a:p>
-          <a:p>
-            <a:pPr lvl="1"/>
-            <a:r>
-              <a:rPr lang="en-US" altLang="zh-TW" sz="2400" b="1" dirty="0">
-                <a:solidFill>
-                  <a:srgbClr val="FF0000"/>
-                </a:solidFill>
-              </a:rPr>
-              <a:t>NORMAL</a:t>
-            </a:r>
-          </a:p>
-          <a:p>
-            <a:pPr lvl="1"/>
-            <a:r>
-              <a:rPr lang="en-US" altLang="zh-TW" sz="2400" b="1" dirty="0">
-                <a:solidFill>
-                  <a:srgbClr val="FF0000"/>
-                </a:solidFill>
-              </a:rPr>
-              <a:t>BELOW_NORMAL</a:t>
-            </a:r>
-          </a:p>
-          <a:p>
-            <a:pPr lvl="1"/>
-            <a:r>
-              <a:rPr lang="en-US" altLang="zh-TW" sz="2400" b="1" dirty="0">
-                <a:solidFill>
-                  <a:srgbClr val="FF0000"/>
-                </a:solidFill>
-              </a:rPr>
-              <a:t>LOWEST</a:t>
-            </a:r>
-          </a:p>
-          <a:p>
-            <a:pPr lvl="1"/>
-            <a:r>
-              <a:rPr lang="en-US" altLang="zh-TW" sz="2400" b="1" dirty="0">
-                <a:solidFill>
-                  <a:srgbClr val="FF0000"/>
-                </a:solidFill>
-              </a:rPr>
-              <a:t>IDLE</a:t>
-            </a:r>
-          </a:p>
-        </p:txBody>
-      </p:sp>
-    </p:spTree>
-  </p:cSld>
-  <p:clrMapOvr>
-    <a:masterClrMapping/>
-  </p:clrMapOvr>
 </p:sld>
 </file>
 
@@ -38344,6 +41561,157 @@
       </p:grpSpPr>
       <p:sp>
         <p:nvSpPr>
+          <p:cNvPr id="52226" name="Rectangle 2"/>
+          <p:cNvSpPr>
+            <a:spLocks noGrp="1" noChangeArrowheads="1"/>
+          </p:cNvSpPr>
+          <p:nvPr>
+            <p:ph type="title"/>
+          </p:nvPr>
+        </p:nvSpPr>
+        <p:spPr/>
+        <p:txBody>
+          <a:bodyPr/>
+          <a:lstStyle/>
+          <a:p>
+            <a:r>
+              <a:rPr lang="en-US" altLang="zh-TW" sz="3600"/>
+              <a:t>Windows XP Scheduling</a:t>
+            </a:r>
+          </a:p>
+        </p:txBody>
+      </p:sp>
+      <p:sp>
+        <p:nvSpPr>
+          <p:cNvPr id="52227" name="Rectangle 3"/>
+          <p:cNvSpPr>
+            <a:spLocks noGrp="1" noChangeArrowheads="1"/>
+          </p:cNvSpPr>
+          <p:nvPr>
+            <p:ph type="body" idx="1"/>
+          </p:nvPr>
+        </p:nvSpPr>
+        <p:spPr>
+          <a:xfrm>
+            <a:off x="685800" y="1292225"/>
+            <a:ext cx="8153400" cy="3508375"/>
+          </a:xfrm>
+        </p:spPr>
+        <p:txBody>
+          <a:bodyPr/>
+          <a:lstStyle/>
+          <a:p>
+            <a:r>
+              <a:rPr lang="en-US" altLang="zh-TW" sz="2800" dirty="0"/>
+              <a:t>A thread within a given priority class also has a relative priority :</a:t>
+            </a:r>
+          </a:p>
+          <a:p>
+            <a:pPr lvl="1"/>
+            <a:r>
+              <a:rPr lang="en-US" altLang="zh-TW" sz="2400" b="1" dirty="0">
+                <a:solidFill>
+                  <a:srgbClr val="FF0000"/>
+                </a:solidFill>
+              </a:rPr>
+              <a:t>TIME_CRITICAL</a:t>
+            </a:r>
+          </a:p>
+          <a:p>
+            <a:pPr lvl="1"/>
+            <a:r>
+              <a:rPr lang="en-US" altLang="zh-TW" sz="2400" b="1" dirty="0">
+                <a:solidFill>
+                  <a:srgbClr val="FF0000"/>
+                </a:solidFill>
+              </a:rPr>
+              <a:t>HIGHEST</a:t>
+            </a:r>
+          </a:p>
+          <a:p>
+            <a:pPr lvl="1"/>
+            <a:r>
+              <a:rPr lang="en-US" altLang="zh-TW" sz="2400" b="1" dirty="0">
+                <a:solidFill>
+                  <a:srgbClr val="FF0000"/>
+                </a:solidFill>
+              </a:rPr>
+              <a:t>ABOVE_NORMAL</a:t>
+            </a:r>
+          </a:p>
+          <a:p>
+            <a:pPr lvl="1"/>
+            <a:r>
+              <a:rPr lang="en-US" altLang="zh-TW" sz="2400" b="1" dirty="0">
+                <a:solidFill>
+                  <a:srgbClr val="FF0000"/>
+                </a:solidFill>
+              </a:rPr>
+              <a:t>NORMAL</a:t>
+            </a:r>
+          </a:p>
+          <a:p>
+            <a:pPr lvl="1"/>
+            <a:r>
+              <a:rPr lang="en-US" altLang="zh-TW" sz="2400" b="1" dirty="0">
+                <a:solidFill>
+                  <a:srgbClr val="FF0000"/>
+                </a:solidFill>
+              </a:rPr>
+              <a:t>BELOW_NORMAL</a:t>
+            </a:r>
+          </a:p>
+          <a:p>
+            <a:pPr lvl="1"/>
+            <a:r>
+              <a:rPr lang="en-US" altLang="zh-TW" sz="2400" b="1" dirty="0">
+                <a:solidFill>
+                  <a:srgbClr val="FF0000"/>
+                </a:solidFill>
+              </a:rPr>
+              <a:t>LOWEST</a:t>
+            </a:r>
+          </a:p>
+          <a:p>
+            <a:pPr lvl="1"/>
+            <a:r>
+              <a:rPr lang="en-US" altLang="zh-TW" sz="2400" b="1" dirty="0">
+                <a:solidFill>
+                  <a:srgbClr val="FF0000"/>
+                </a:solidFill>
+              </a:rPr>
+              <a:t>IDLE</a:t>
+            </a:r>
+          </a:p>
+        </p:txBody>
+      </p:sp>
+    </p:spTree>
+  </p:cSld>
+  <p:clrMapOvr>
+    <a:masterClrMapping/>
+  </p:clrMapOvr>
+</p:sld>
+</file>
+
+<file path=ppt/slides/slide51.xml><?xml version="1.0" encoding="utf-8"?>
+<p:sld xmlns:a="http://schemas.openxmlformats.org/drawingml/2006/main" xmlns:r="http://schemas.openxmlformats.org/officeDocument/2006/relationships" xmlns:p="http://schemas.openxmlformats.org/presentationml/2006/main">
+  <p:cSld>
+    <p:spTree>
+      <p:nvGrpSpPr>
+        <p:cNvPr id="1" name=""/>
+        <p:cNvGrpSpPr/>
+        <p:nvPr/>
+      </p:nvGrpSpPr>
+      <p:grpSpPr>
+        <a:xfrm>
+          <a:off x="0" y="0"/>
+          <a:ext cx="0" cy="0"/>
+          <a:chOff x="0" y="0"/>
+          <a:chExt cx="0" cy="0"/>
+        </a:xfrm>
+      </p:grpSpPr>
+      <p:sp>
+        <p:nvSpPr>
           <p:cNvPr id="53250" name="Rectangle 2"/>
           <p:cNvSpPr>
             <a:spLocks noGrp="1" noChangeArrowheads="1"/>
@@ -38360,7 +41728,7 @@
             <a:pPr eaLnBrk="1" hangingPunct="1"/>
             <a:r>
               <a:rPr lang="en-US" altLang="zh-TW" sz="3600" dirty="0"/>
-              <a:t>Windows XP Priorities</a:t>
+              <a:t>Windows XP Priorities  6x7</a:t>
             </a:r>
           </a:p>
         </p:txBody>
@@ -38687,7 +42055,7 @@
 </p:sld>
 </file>
 
-<file path=ppt/slides/slide51.xml><?xml version="1.0" encoding="utf-8"?>
+<file path=ppt/slides/slide52.xml><?xml version="1.0" encoding="utf-8"?>
 <p:sld xmlns:a="http://schemas.openxmlformats.org/drawingml/2006/main" xmlns:r="http://schemas.openxmlformats.org/officeDocument/2006/relationships" xmlns:p="http://schemas.openxmlformats.org/presentationml/2006/main">
   <p:cSld>
     <p:spTree>
@@ -39353,7 +42721,7 @@
 </p:sld>
 </file>
 
-<file path=ppt/slides/slide52.xml><?xml version="1.0" encoding="utf-8"?>
+<file path=ppt/slides/slide53.xml><?xml version="1.0" encoding="utf-8"?>
 <p:sld xmlns:a="http://schemas.openxmlformats.org/drawingml/2006/main" xmlns:r="http://schemas.openxmlformats.org/officeDocument/2006/relationships" xmlns:p="http://schemas.openxmlformats.org/presentationml/2006/main">
   <p:cSld>
     <p:spTree>
@@ -39430,6 +42798,19 @@
               <a:rPr lang="en-US" altLang="zh-TW" sz="2800" dirty="0"/>
               <a:t>(1) scheduling time regardless of the number of tasks on the system.</a:t>
             </a:r>
+            <a:r>
+              <a:rPr lang="zh-TW" altLang="en-US" sz="2800" dirty="0"/>
+              <a:t>  不管有多少</a:t>
+            </a:r>
+            <a:r>
+              <a:rPr lang="en-US" altLang="zh-TW" sz="2800" dirty="0"/>
+              <a:t>proc</a:t>
+            </a:r>
+            <a:r>
+              <a:rPr lang="zh-TW" altLang="en-US" sz="2800" dirty="0"/>
+              <a:t>  排程時間都一樣快</a:t>
+            </a:r>
+            <a:endParaRPr lang="en-US" altLang="zh-TW" sz="2800" dirty="0"/>
           </a:p>
           <a:p>
             <a:pPr>
@@ -39508,6 +42889,19 @@
               </a:rPr>
               <a:t>lower values indicate higher priorities. </a:t>
             </a:r>
+            <a:r>
+              <a:rPr lang="zh-TW" altLang="en-US" sz="2800" dirty="0">
+                <a:solidFill>
+                  <a:srgbClr val="FF0000"/>
+                </a:solidFill>
+              </a:rPr>
+              <a:t>   數字低優先</a:t>
+            </a:r>
+            <a:endParaRPr lang="en-US" altLang="zh-TW" sz="2800" dirty="0">
+              <a:solidFill>
+                <a:srgbClr val="FF0000"/>
+              </a:solidFill>
+            </a:endParaRPr>
           </a:p>
           <a:p>
             <a:pPr>
@@ -39545,8 +42939,13 @@
             </a:r>
             <a:r>
               <a:rPr lang="en-US" altLang="zh-TW" sz="2800" dirty="0"/>
-              <a:t>.</a:t>
-            </a:r>
+              <a:t>. </a:t>
+            </a:r>
+            <a:r>
+              <a:rPr lang="zh-TW" altLang="en-US" sz="2800" dirty="0"/>
+              <a:t>相反於前兩個</a:t>
+            </a:r>
+            <a:endParaRPr lang="en-US" altLang="zh-TW" sz="2800" dirty="0"/>
           </a:p>
         </p:txBody>
       </p:sp>
@@ -39835,7 +43234,7 @@
 </p:sld>
 </file>
 
-<file path=ppt/slides/slide53.xml><?xml version="1.0" encoding="utf-8"?>
+<file path=ppt/slides/slide54.xml><?xml version="1.0" encoding="utf-8"?>
 <p:sld xmlns:a="http://schemas.openxmlformats.org/drawingml/2006/main" xmlns:r="http://schemas.openxmlformats.org/officeDocument/2006/relationships" xmlns:p="http://schemas.openxmlformats.org/presentationml/2006/main">
   <p:cSld>
     <p:spTree>
@@ -40380,7 +43779,7 @@
 </p:sld>
 </file>
 
-<file path=ppt/slides/slide54.xml><?xml version="1.0" encoding="utf-8"?>
+<file path=ppt/slides/slide55.xml><?xml version="1.0" encoding="utf-8"?>
 <p:sld xmlns:a="http://schemas.openxmlformats.org/drawingml/2006/main" xmlns:r="http://schemas.openxmlformats.org/officeDocument/2006/relationships" xmlns:p="http://schemas.openxmlformats.org/presentationml/2006/main">
   <p:cSld>
     <p:spTree>
@@ -40724,7 +44123,7 @@
 </p:sld>
 </file>
 
-<file path=ppt/slides/slide55.xml><?xml version="1.0" encoding="utf-8"?>
+<file path=ppt/slides/slide56.xml><?xml version="1.0" encoding="utf-8"?>
 <p:sld xmlns:a="http://schemas.openxmlformats.org/drawingml/2006/main" xmlns:r="http://schemas.openxmlformats.org/officeDocument/2006/relationships" xmlns:p="http://schemas.openxmlformats.org/presentationml/2006/main">
   <p:cSld>
     <p:spTree>
@@ -41302,7 +44701,7 @@
 </p:sld>
 </file>
 
-<file path=ppt/slides/slide56.xml><?xml version="1.0" encoding="utf-8"?>
+<file path=ppt/slides/slide57.xml><?xml version="1.0" encoding="utf-8"?>
 <p:sld xmlns:a="http://schemas.openxmlformats.org/drawingml/2006/main" xmlns:r="http://schemas.openxmlformats.org/officeDocument/2006/relationships" xmlns:p="http://schemas.openxmlformats.org/presentationml/2006/main">
   <p:cSld>
     <p:spTree>
@@ -41428,7 +44827,23 @@
                   <a:srgbClr val="FF0000"/>
                 </a:solidFill>
               </a:rPr>
-              <a:t>a particular predetermined workload </a:t>
+              <a:t>a particular predetermined</a:t>
+            </a:r>
+            <a:r>
+              <a:rPr lang="zh-TW" altLang="en-US" sz="2800" dirty="0">
+                <a:solidFill>
+                  <a:srgbClr val="FF0000"/>
+                </a:solidFill>
+              </a:rPr>
+              <a:t>預先決定</a:t>
+            </a:r>
+            <a:r>
+              <a:rPr lang="en-US" altLang="zh-TW" sz="2800" dirty="0">
+                <a:solidFill>
+                  <a:srgbClr val="FF0000"/>
+                </a:solidFill>
+              </a:rPr>
+              <a:t> workload </a:t>
             </a:r>
             <a:r>
               <a:rPr lang="en-US" altLang="zh-TW" sz="2800" dirty="0"/>
@@ -41728,7 +45143,7 @@
 </p:sld>
 </file>
 
-<file path=ppt/slides/slide57.xml><?xml version="1.0" encoding="utf-8"?>
+<file path=ppt/slides/slide58.xml><?xml version="1.0" encoding="utf-8"?>
 <p:sld xmlns:a="http://schemas.openxmlformats.org/drawingml/2006/main" xmlns:r="http://schemas.openxmlformats.org/officeDocument/2006/relationships" xmlns:p="http://schemas.openxmlformats.org/presentationml/2006/main">
   <p:cSld>
     <p:spTree>
@@ -43182,7 +46597,7 @@
 </p:sld>
 </file>
 
-<file path=ppt/slides/slide58.xml><?xml version="1.0" encoding="utf-8"?>
+<file path=ppt/slides/slide59.xml><?xml version="1.0" encoding="utf-8"?>
 <p:sld xmlns:a="http://schemas.openxmlformats.org/drawingml/2006/main" xmlns:r="http://schemas.openxmlformats.org/officeDocument/2006/relationships" xmlns:p="http://schemas.openxmlformats.org/presentationml/2006/main">
   <p:cSld>
     <p:spTree>
@@ -43758,451 +47173,6 @@
 </p:sld>
 </file>
 
-<file path=ppt/slides/slide59.xml><?xml version="1.0" encoding="utf-8"?>
-<p:sld xmlns:a="http://schemas.openxmlformats.org/drawingml/2006/main" xmlns:r="http://schemas.openxmlformats.org/officeDocument/2006/relationships" xmlns:p="http://schemas.openxmlformats.org/presentationml/2006/main">
-  <p:cSld>
-    <p:spTree>
-      <p:nvGrpSpPr>
-        <p:cNvPr id="1" name=""/>
-        <p:cNvGrpSpPr/>
-        <p:nvPr/>
-      </p:nvGrpSpPr>
-      <p:grpSpPr>
-        <a:xfrm>
-          <a:off x="0" y="0"/>
-          <a:ext cx="0" cy="0"/>
-          <a:chOff x="0" y="0"/>
-          <a:chExt cx="0" cy="0"/>
-        </a:xfrm>
-      </p:grpSpPr>
-      <p:sp>
-        <p:nvSpPr>
-          <p:cNvPr id="62466" name="Rectangle 2"/>
-          <p:cNvSpPr>
-            <a:spLocks noGrp="1" noChangeArrowheads="1"/>
-          </p:cNvSpPr>
-          <p:nvPr>
-            <p:ph type="title"/>
-          </p:nvPr>
-        </p:nvSpPr>
-        <p:spPr/>
-        <p:txBody>
-          <a:bodyPr/>
-          <a:lstStyle/>
-          <a:p>
-            <a:r>
-              <a:rPr lang="en-US" altLang="zh-TW" sz="4000" dirty="0" err="1"/>
-              <a:t>Queueing</a:t>
-            </a:r>
-            <a:r>
-              <a:rPr lang="en-US" altLang="zh-TW" sz="4000" dirty="0"/>
-              <a:t> models</a:t>
-            </a:r>
-          </a:p>
-        </p:txBody>
-      </p:sp>
-      <p:sp>
-        <p:nvSpPr>
-          <p:cNvPr id="62467" name="Rectangle 3"/>
-          <p:cNvSpPr>
-            <a:spLocks noGrp="1" noChangeArrowheads="1"/>
-          </p:cNvSpPr>
-          <p:nvPr>
-            <p:ph type="body" idx="1"/>
-          </p:nvPr>
-        </p:nvSpPr>
-        <p:spPr>
-          <a:xfrm>
-            <a:off x="609600" y="1143000"/>
-            <a:ext cx="8229600" cy="4643438"/>
-          </a:xfrm>
-        </p:spPr>
-        <p:txBody>
-          <a:bodyPr/>
-          <a:lstStyle/>
-          <a:p>
-            <a:r>
-              <a:rPr lang="en-US" altLang="zh-TW" sz="2800" dirty="0"/>
-              <a:t>On many systems, the processes that are run vary from day to day, so there is </a:t>
-            </a:r>
-            <a:r>
-              <a:rPr lang="en-US" altLang="zh-TW" sz="2800" dirty="0">
-                <a:solidFill>
-                  <a:srgbClr val="FF0000"/>
-                </a:solidFill>
-              </a:rPr>
-              <a:t>no static set of processes</a:t>
-            </a:r>
-            <a:r>
-              <a:rPr lang="en-US" altLang="zh-TW" sz="2800" dirty="0"/>
-              <a:t> to use for deterministic modeling.</a:t>
-            </a:r>
-          </a:p>
-          <a:p>
-            <a:r>
-              <a:rPr lang="en-US" altLang="zh-TW" sz="2800" dirty="0"/>
-              <a:t>What can be determined is the </a:t>
-            </a:r>
-            <a:r>
-              <a:rPr lang="en-US" altLang="zh-TW" sz="2800" b="1" dirty="0">
-                <a:solidFill>
-                  <a:srgbClr val="FF0000"/>
-                </a:solidFill>
-              </a:rPr>
-              <a:t>distribution</a:t>
-            </a:r>
-            <a:r>
-              <a:rPr lang="en-US" altLang="zh-TW" sz="2800" dirty="0"/>
-              <a:t> of CPU and I/O bursts.</a:t>
-            </a:r>
-          </a:p>
-          <a:p>
-            <a:r>
-              <a:rPr lang="en-US" altLang="zh-TW" sz="2800" dirty="0"/>
-              <a:t>These distributions can be measured and then approximated or simply estimated – </a:t>
-            </a:r>
-            <a:r>
-              <a:rPr lang="en-US" altLang="zh-TW" sz="2800" b="1" dirty="0">
-                <a:solidFill>
-                  <a:srgbClr val="FF0000"/>
-                </a:solidFill>
-              </a:rPr>
-              <a:t>a mathematical formula</a:t>
-            </a:r>
-            <a:r>
-              <a:rPr lang="en-US" altLang="zh-TW" sz="2800" dirty="0"/>
-              <a:t> describing the </a:t>
-            </a:r>
-            <a:r>
-              <a:rPr lang="en-US" altLang="zh-TW" sz="2800" dirty="0">
-                <a:solidFill>
-                  <a:srgbClr val="FF0000"/>
-                </a:solidFill>
-              </a:rPr>
-              <a:t>probability</a:t>
-            </a:r>
-            <a:r>
-              <a:rPr lang="en-US" altLang="zh-TW" sz="2800" dirty="0"/>
-              <a:t> of a particular CPU burst.</a:t>
-            </a:r>
-          </a:p>
-          <a:p>
-            <a:r>
-              <a:rPr lang="en-US" altLang="zh-TW" sz="2800" dirty="0"/>
-              <a:t>Commonly, this distribution </a:t>
-            </a:r>
-            <a:r>
-              <a:rPr lang="en-US" altLang="zh-TW" sz="2800" b="1" dirty="0">
-                <a:solidFill>
-                  <a:srgbClr val="FF0000"/>
-                </a:solidFill>
-              </a:rPr>
-              <a:t>is exponential </a:t>
-            </a:r>
-            <a:r>
-              <a:rPr lang="en-US" altLang="zh-TW" sz="2800" dirty="0"/>
-              <a:t>and is described by its </a:t>
-            </a:r>
-            <a:r>
-              <a:rPr lang="en-US" altLang="zh-TW" sz="2800" b="1" dirty="0">
-                <a:solidFill>
-                  <a:srgbClr val="FF0000"/>
-                </a:solidFill>
-              </a:rPr>
-              <a:t>mean</a:t>
-            </a:r>
-            <a:r>
-              <a:rPr lang="en-US" altLang="zh-TW" sz="2800" dirty="0"/>
-              <a:t>. </a:t>
-            </a:r>
-          </a:p>
-        </p:txBody>
-      </p:sp>
-    </p:spTree>
-  </p:cSld>
-  <p:clrMapOvr>
-    <a:masterClrMapping/>
-  </p:clrMapOvr>
-  <p:timing>
-    <p:tnLst>
-      <p:par>
-        <p:cTn id="1" dur="indefinite" restart="never" nodeType="tmRoot">
-          <p:childTnLst>
-            <p:seq concurrent="1" nextAc="seek">
-              <p:cTn id="2" dur="indefinite" nodeType="mainSeq">
-                <p:childTnLst>
-                  <p:par>
-                    <p:cTn id="3" fill="hold">
-                      <p:stCondLst>
-                        <p:cond delay="indefinite"/>
-                      </p:stCondLst>
-                      <p:childTnLst>
-                        <p:par>
-                          <p:cTn id="4" fill="hold">
-                            <p:stCondLst>
-                              <p:cond delay="0"/>
-                            </p:stCondLst>
-                            <p:childTnLst>
-                              <p:par>
-                                <p:cTn id="5" presetID="4" presetClass="entr" presetSubtype="16" fill="hold" grpId="0" nodeType="clickEffect">
-                                  <p:stCondLst>
-                                    <p:cond delay="0"/>
-                                  </p:stCondLst>
-                                  <p:childTnLst>
-                                    <p:set>
-                                      <p:cBhvr>
-                                        <p:cTn id="6" dur="1" fill="hold">
-                                          <p:stCondLst>
-                                            <p:cond delay="0"/>
-                                          </p:stCondLst>
-                                        </p:cTn>
-                                        <p:tgtEl>
-                                          <p:spTgt spid="62467">
-                                            <p:txEl>
-                                              <p:pRg st="0" end="0"/>
-                                            </p:txEl>
-                                          </p:spTgt>
-                                        </p:tgtEl>
-                                        <p:attrNameLst>
-                                          <p:attrName>style.visibility</p:attrName>
-                                        </p:attrNameLst>
-                                      </p:cBhvr>
-                                      <p:to>
-                                        <p:strVal val="visible"/>
-                                      </p:to>
-                                    </p:set>
-                                    <p:animEffect transition="in" filter="box(in)">
-                                      <p:cBhvr>
-                                        <p:cTn id="7" dur="500"/>
-                                        <p:tgtEl>
-                                          <p:spTgt spid="62467">
-                                            <p:txEl>
-                                              <p:pRg st="0" end="0"/>
-                                            </p:txEl>
-                                          </p:spTgt>
-                                        </p:tgtEl>
-                                      </p:cBhvr>
-                                    </p:animEffect>
-                                  </p:childTnLst>
-                                </p:cTn>
-                              </p:par>
-                            </p:childTnLst>
-                          </p:cTn>
-                        </p:par>
-                      </p:childTnLst>
-                    </p:cTn>
-                  </p:par>
-                  <p:par>
-                    <p:cTn id="8" fill="hold">
-                      <p:stCondLst>
-                        <p:cond delay="indefinite"/>
-                      </p:stCondLst>
-                      <p:childTnLst>
-                        <p:par>
-                          <p:cTn id="9" fill="hold">
-                            <p:stCondLst>
-                              <p:cond delay="0"/>
-                            </p:stCondLst>
-                            <p:childTnLst>
-                              <p:par>
-                                <p:cTn id="10" presetID="4" presetClass="entr" presetSubtype="16" fill="hold" grpId="0" nodeType="clickEffect">
-                                  <p:stCondLst>
-                                    <p:cond delay="0"/>
-                                  </p:stCondLst>
-                                  <p:childTnLst>
-                                    <p:set>
-                                      <p:cBhvr>
-                                        <p:cTn id="11" dur="1" fill="hold">
-                                          <p:stCondLst>
-                                            <p:cond delay="0"/>
-                                          </p:stCondLst>
-                                        </p:cTn>
-                                        <p:tgtEl>
-                                          <p:spTgt spid="62467">
-                                            <p:txEl>
-                                              <p:pRg st="1" end="1"/>
-                                            </p:txEl>
-                                          </p:spTgt>
-                                        </p:tgtEl>
-                                        <p:attrNameLst>
-                                          <p:attrName>style.visibility</p:attrName>
-                                        </p:attrNameLst>
-                                      </p:cBhvr>
-                                      <p:to>
-                                        <p:strVal val="visible"/>
-                                      </p:to>
-                                    </p:set>
-                                    <p:animEffect transition="in" filter="box(in)">
-                                      <p:cBhvr>
-                                        <p:cTn id="12" dur="500"/>
-                                        <p:tgtEl>
-                                          <p:spTgt spid="62467">
-                                            <p:txEl>
-                                              <p:pRg st="1" end="1"/>
-                                            </p:txEl>
-                                          </p:spTgt>
-                                        </p:tgtEl>
-                                      </p:cBhvr>
-                                    </p:animEffect>
-                                  </p:childTnLst>
-                                </p:cTn>
-                              </p:par>
-                            </p:childTnLst>
-                          </p:cTn>
-                        </p:par>
-                      </p:childTnLst>
-                    </p:cTn>
-                  </p:par>
-                  <p:par>
-                    <p:cTn id="13" fill="hold">
-                      <p:stCondLst>
-                        <p:cond delay="indefinite"/>
-                      </p:stCondLst>
-                      <p:childTnLst>
-                        <p:par>
-                          <p:cTn id="14" fill="hold">
-                            <p:stCondLst>
-                              <p:cond delay="0"/>
-                            </p:stCondLst>
-                            <p:childTnLst>
-                              <p:par>
-                                <p:cTn id="15" presetID="4" presetClass="entr" presetSubtype="16" fill="hold" grpId="0" nodeType="clickEffect">
-                                  <p:stCondLst>
-                                    <p:cond delay="0"/>
-                                  </p:stCondLst>
-                                  <p:childTnLst>
-                                    <p:set>
-                                      <p:cBhvr>
-                                        <p:cTn id="16" dur="1" fill="hold">
-                                          <p:stCondLst>
-                                            <p:cond delay="0"/>
-                                          </p:stCondLst>
-                                        </p:cTn>
-                                        <p:tgtEl>
-                                          <p:spTgt spid="62467">
-                                            <p:txEl>
-                                              <p:pRg st="2" end="2"/>
-                                            </p:txEl>
-                                          </p:spTgt>
-                                        </p:tgtEl>
-                                        <p:attrNameLst>
-                                          <p:attrName>style.visibility</p:attrName>
-                                        </p:attrNameLst>
-                                      </p:cBhvr>
-                                      <p:to>
-                                        <p:strVal val="visible"/>
-                                      </p:to>
-                                    </p:set>
-                                    <p:animEffect transition="in" filter="box(in)">
-                                      <p:cBhvr>
-                                        <p:cTn id="17" dur="500"/>
-                                        <p:tgtEl>
-                                          <p:spTgt spid="62467">
-                                            <p:txEl>
-                                              <p:pRg st="2" end="2"/>
-                                            </p:txEl>
-                                          </p:spTgt>
-                                        </p:tgtEl>
-                                      </p:cBhvr>
-                                    </p:animEffect>
-                                  </p:childTnLst>
-                                </p:cTn>
-                              </p:par>
-                            </p:childTnLst>
-                          </p:cTn>
-                        </p:par>
-                      </p:childTnLst>
-                    </p:cTn>
-                  </p:par>
-                  <p:par>
-                    <p:cTn id="18" fill="hold">
-                      <p:stCondLst>
-                        <p:cond delay="indefinite"/>
-                      </p:stCondLst>
-                      <p:childTnLst>
-                        <p:par>
-                          <p:cTn id="19" fill="hold">
-                            <p:stCondLst>
-                              <p:cond delay="0"/>
-                            </p:stCondLst>
-                            <p:childTnLst>
-                              <p:par>
-                                <p:cTn id="20" presetID="4" presetClass="entr" presetSubtype="16" fill="hold" grpId="0" nodeType="clickEffect">
-                                  <p:stCondLst>
-                                    <p:cond delay="0"/>
-                                  </p:stCondLst>
-                                  <p:childTnLst>
-                                    <p:set>
-                                      <p:cBhvr>
-                                        <p:cTn id="21" dur="1" fill="hold">
-                                          <p:stCondLst>
-                                            <p:cond delay="0"/>
-                                          </p:stCondLst>
-                                        </p:cTn>
-                                        <p:tgtEl>
-                                          <p:spTgt spid="62467">
-                                            <p:txEl>
-                                              <p:pRg st="3" end="3"/>
-                                            </p:txEl>
-                                          </p:spTgt>
-                                        </p:tgtEl>
-                                        <p:attrNameLst>
-                                          <p:attrName>style.visibility</p:attrName>
-                                        </p:attrNameLst>
-                                      </p:cBhvr>
-                                      <p:to>
-                                        <p:strVal val="visible"/>
-                                      </p:to>
-                                    </p:set>
-                                    <p:animEffect transition="in" filter="box(in)">
-                                      <p:cBhvr>
-                                        <p:cTn id="22" dur="500"/>
-                                        <p:tgtEl>
-                                          <p:spTgt spid="62467">
-                                            <p:txEl>
-                                              <p:pRg st="3" end="3"/>
-                                            </p:txEl>
-                                          </p:spTgt>
-                                        </p:tgtEl>
-                                      </p:cBhvr>
-                                    </p:animEffect>
-                                  </p:childTnLst>
-                                </p:cTn>
-                              </p:par>
-                            </p:childTnLst>
-                          </p:cTn>
-                        </p:par>
-                      </p:childTnLst>
-                    </p:cTn>
-                  </p:par>
-                </p:childTnLst>
-              </p:cTn>
-              <p:prevCondLst>
-                <p:cond evt="onPrev" delay="0">
-                  <p:tgtEl>
-                    <p:sldTgt/>
-                  </p:tgtEl>
-                </p:cond>
-              </p:prevCondLst>
-              <p:nextCondLst>
-                <p:cond evt="onNext" delay="0">
-                  <p:tgtEl>
-                    <p:sldTgt/>
-                  </p:tgtEl>
-                </p:cond>
-              </p:nextCondLst>
-            </p:seq>
-          </p:childTnLst>
-        </p:cTn>
-      </p:par>
-    </p:tnLst>
-    <p:bldLst>
-      <p:bldP spid="62467" grpId="0" build="p"/>
-    </p:bldLst>
-  </p:timing>
-</p:sld>
-</file>
-
 <file path=ppt/slides/slide6.xml><?xml version="1.0" encoding="utf-8"?>
 <p:sld xmlns:a="http://schemas.openxmlformats.org/drawingml/2006/main" xmlns:r="http://schemas.openxmlformats.org/officeDocument/2006/relationships" xmlns:p="http://schemas.openxmlformats.org/presentationml/2006/main">
   <p:cSld>
@@ -44237,9 +47207,18 @@
           <a:p>
             <a:pPr eaLnBrk="1" hangingPunct="1"/>
             <a:r>
-              <a:rPr lang="en-US" altLang="zh-TW" sz="4000"/>
+              <a:rPr lang="en-US" altLang="zh-TW" sz="4000" dirty="0"/>
               <a:t>CPU Scheduler</a:t>
             </a:r>
+            <a:r>
+              <a:rPr lang="zh-TW" altLang="en-US" sz="4000" dirty="0"/>
+              <a:t> 排程 在做</a:t>
+            </a:r>
+            <a:r>
+              <a:rPr lang="en-US" altLang="zh-TW" sz="4000" dirty="0" err="1"/>
+              <a:t>vvv</a:t>
+            </a:r>
+            <a:endParaRPr lang="en-US" altLang="zh-TW" sz="4000" dirty="0"/>
           </a:p>
         </p:txBody>
       </p:sp>
@@ -44259,7 +47238,7 @@
           <a:lstStyle/>
           <a:p>
             <a:r>
-              <a:rPr lang="en-US" altLang="zh-TW" sz="2400" dirty="0"/>
+              <a:rPr lang="en-US" altLang="zh-TW" sz="2400" i="1" dirty="0"/>
               <a:t>Selects from among the processes in memory that are ready to execute, and allocates the CPU to one of them</a:t>
             </a:r>
           </a:p>
@@ -44284,7 +47263,7 @@
             </a:r>
             <a:r>
               <a:rPr lang="en-US" altLang="zh-TW" sz="2400" dirty="0"/>
-              <a:t>Switches from running to waiting state </a:t>
+              <a:t>Switches from </a:t>
             </a:r>
             <a:r>
               <a:rPr lang="en-US" altLang="zh-TW" sz="2400" dirty="0">
@@ -44292,6 +47271,30 @@
                   <a:srgbClr val="FF0000"/>
                 </a:solidFill>
               </a:rPr>
+              <a:t>running</a:t>
+            </a:r>
+            <a:r>
+              <a:rPr lang="en-US" altLang="zh-TW" sz="2400" dirty="0"/>
+              <a:t> to </a:t>
+            </a:r>
+            <a:r>
+              <a:rPr lang="en-US" altLang="zh-TW" sz="2400" dirty="0">
+                <a:solidFill>
+                  <a:srgbClr val="FF0000"/>
+                </a:solidFill>
+              </a:rPr>
+              <a:t>waiting</a:t>
+            </a:r>
+            <a:r>
+              <a:rPr lang="en-US" altLang="zh-TW" sz="2400" dirty="0"/>
+              <a:t> state </a:t>
+            </a:r>
+            <a:r>
+              <a:rPr lang="en-US" altLang="zh-TW" sz="2400" dirty="0">
+                <a:solidFill>
+                  <a:srgbClr val="FF0000"/>
+                </a:solidFill>
+              </a:rPr>
               <a:t>(I/O Request)</a:t>
             </a:r>
           </a:p>
@@ -44310,7 +47313,7 @@
             </a:r>
             <a:r>
               <a:rPr lang="en-US" altLang="zh-TW" sz="2400" dirty="0"/>
-              <a:t>	Switches from running to ready state </a:t>
+              <a:t>	Switches from </a:t>
             </a:r>
             <a:r>
               <a:rPr lang="en-US" altLang="zh-TW" sz="2400" dirty="0">
@@ -44318,6 +47321,30 @@
                   <a:srgbClr val="FF0000"/>
                 </a:solidFill>
               </a:rPr>
+              <a:t>running</a:t>
+            </a:r>
+            <a:r>
+              <a:rPr lang="en-US" altLang="zh-TW" sz="2400" dirty="0"/>
+              <a:t> to </a:t>
+            </a:r>
+            <a:r>
+              <a:rPr lang="en-US" altLang="zh-TW" sz="2400" dirty="0">
+                <a:solidFill>
+                  <a:srgbClr val="FF0000"/>
+                </a:solidFill>
+              </a:rPr>
+              <a:t>ready</a:t>
+            </a:r>
+            <a:r>
+              <a:rPr lang="en-US" altLang="zh-TW" sz="2400" dirty="0"/>
+              <a:t> state </a:t>
+            </a:r>
+            <a:r>
+              <a:rPr lang="en-US" altLang="zh-TW" sz="2400" dirty="0">
+                <a:solidFill>
+                  <a:srgbClr val="FF0000"/>
+                </a:solidFill>
+              </a:rPr>
               <a:t>(Timer timeout)</a:t>
             </a:r>
           </a:p>
@@ -44336,7 +47363,7 @@
             </a:r>
             <a:r>
               <a:rPr lang="en-US" altLang="zh-TW" sz="2400" dirty="0"/>
-              <a:t>	Switches from waiting to ready </a:t>
+              <a:t>	Switches from </a:t>
             </a:r>
             <a:r>
               <a:rPr lang="en-US" altLang="zh-TW" sz="2400" dirty="0">
@@ -44344,6 +47371,30 @@
                   <a:srgbClr val="FF0000"/>
                 </a:solidFill>
               </a:rPr>
+              <a:t>waiting</a:t>
+            </a:r>
+            <a:r>
+              <a:rPr lang="en-US" altLang="zh-TW" sz="2400" dirty="0"/>
+              <a:t> to </a:t>
+            </a:r>
+            <a:r>
+              <a:rPr lang="en-US" altLang="zh-TW" sz="2400" dirty="0">
+                <a:solidFill>
+                  <a:srgbClr val="FF0000"/>
+                </a:solidFill>
+              </a:rPr>
+              <a:t>ready</a:t>
+            </a:r>
+            <a:r>
+              <a:rPr lang="en-US" altLang="zh-TW" sz="2400" dirty="0"/>
+              <a:t> </a:t>
+            </a:r>
+            <a:r>
+              <a:rPr lang="en-US" altLang="zh-TW" sz="2400" dirty="0">
+                <a:solidFill>
+                  <a:srgbClr val="FF0000"/>
+                </a:solidFill>
+              </a:rPr>
               <a:t>(I/O Completed)</a:t>
             </a:r>
           </a:p>
@@ -44362,7 +47413,15 @@
             </a:r>
             <a:r>
               <a:rPr lang="en-US" altLang="zh-TW" sz="2400" dirty="0"/>
-              <a:t>	Terminates</a:t>
+              <a:t>	</a:t>
+            </a:r>
+            <a:r>
+              <a:rPr lang="en-US" altLang="zh-TW" sz="2400" dirty="0">
+                <a:solidFill>
+                  <a:srgbClr val="FF0000"/>
+                </a:solidFill>
+              </a:rPr>
+              <a:t>Terminates</a:t>
             </a:r>
           </a:p>
           <a:p>
@@ -44413,6 +47472,84 @@
               </a:rPr>
               <a:t>)</a:t>
             </a:r>
+          </a:p>
+          <a:p>
+            <a:r>
+              <a:rPr lang="en-US" altLang="zh-TW" dirty="0">
+                <a:solidFill>
+                  <a:srgbClr val="FF0000"/>
+                </a:solidFill>
+              </a:rPr>
+              <a:t>Preemptive &gt; </a:t>
+            </a:r>
+            <a:r>
+              <a:rPr lang="zh-TW" altLang="en-US" dirty="0">
+                <a:solidFill>
+                  <a:srgbClr val="FF0000"/>
+                </a:solidFill>
+              </a:rPr>
+              <a:t>一隻程式在跑  把他停下來 </a:t>
+            </a:r>
+            <a:r>
+              <a:rPr lang="en-US" altLang="zh-TW" dirty="0">
+                <a:solidFill>
+                  <a:srgbClr val="FF0000"/>
+                </a:solidFill>
+              </a:rPr>
+              <a:t>CPU</a:t>
+            </a:r>
+            <a:r>
+              <a:rPr lang="zh-TW" altLang="en-US" dirty="0">
+                <a:solidFill>
+                  <a:srgbClr val="FF0000"/>
+                </a:solidFill>
+              </a:rPr>
+              <a:t>搶過來</a:t>
+            </a:r>
+            <a:endParaRPr lang="en-US" altLang="zh-TW" dirty="0">
+              <a:solidFill>
+                <a:srgbClr val="FF0000"/>
+              </a:solidFill>
+            </a:endParaRPr>
+          </a:p>
+          <a:p>
+            <a:r>
+              <a:rPr lang="zh-TW" altLang="en-US" dirty="0">
+                <a:solidFill>
+                  <a:srgbClr val="FF0000"/>
+                </a:solidFill>
+              </a:rPr>
+              <a:t>換另一隻跑  </a:t>
+            </a:r>
+            <a:r>
+              <a:rPr lang="en-US" altLang="zh-TW" dirty="0" err="1">
+                <a:solidFill>
+                  <a:srgbClr val="FF0000"/>
+                </a:solidFill>
+              </a:rPr>
+              <a:t>nonpr</a:t>
+            </a:r>
+            <a:r>
+              <a:rPr lang="en-US" altLang="zh-TW" dirty="0">
+                <a:solidFill>
+                  <a:srgbClr val="FF0000"/>
+                </a:solidFill>
+              </a:rPr>
+              <a:t>..</a:t>
+            </a:r>
+            <a:r>
+              <a:rPr lang="zh-TW" altLang="en-US" dirty="0">
+                <a:solidFill>
+                  <a:srgbClr val="FF0000"/>
+                </a:solidFill>
+              </a:rPr>
+              <a:t>不可搶</a:t>
+            </a:r>
+            <a:endParaRPr lang="en-US" altLang="zh-TW" sz="2400" b="1" dirty="0">
+              <a:solidFill>
+                <a:srgbClr val="FF0000"/>
+              </a:solidFill>
+            </a:endParaRPr>
           </a:p>
         </p:txBody>
       </p:sp>
@@ -44433,7 +47570,7 @@
         </p:blipFill>
         <p:spPr bwMode="auto">
           <a:xfrm>
-            <a:off x="7212724" y="4120651"/>
+            <a:off x="8793163" y="2417512"/>
             <a:ext cx="3862551" cy="2022975"/>
           </a:xfrm>
           <a:prstGeom prst="rect">
@@ -44914,6 +48051,128 @@
                                           <p:spTgt spid="10243">
                                             <p:txEl>
                                               <p:pRg st="7" end="7"/>
+                                            </p:txEl>
+                                          </p:spTgt>
+                                        </p:tgtEl>
+                                      </p:cBhvr>
+                                    </p:animEffect>
+                                  </p:childTnLst>
+                                </p:cTn>
+                              </p:par>
+                            </p:childTnLst>
+                          </p:cTn>
+                        </p:par>
+                      </p:childTnLst>
+                    </p:cTn>
+                  </p:par>
+                  <p:par>
+                    <p:cTn id="38" fill="hold">
+                      <p:stCondLst>
+                        <p:cond delay="indefinite"/>
+                      </p:stCondLst>
+                      <p:childTnLst>
+                        <p:par>
+                          <p:cTn id="39" fill="hold">
+                            <p:stCondLst>
+                              <p:cond delay="0"/>
+                            </p:stCondLst>
+                            <p:childTnLst>
+                              <p:par>
+                                <p:cTn id="40" presetID="4" presetClass="entr" presetSubtype="16" fill="hold" grpId="0" nodeType="clickEffect">
+                                  <p:stCondLst>
+                                    <p:cond delay="0"/>
+                                  </p:stCondLst>
+                                  <p:childTnLst>
+                                    <p:set>
+                                      <p:cBhvr>
+                                        <p:cTn id="41" dur="1" fill="hold">
+                                          <p:stCondLst>
+                                            <p:cond delay="0"/>
+                                          </p:stCondLst>
+                                        </p:cTn>
+                                        <p:tgtEl>
+                                          <p:spTgt spid="10243">
+                                            <p:txEl>
+                                              <p:pRg st="8" end="8"/>
+                                            </p:txEl>
+                                          </p:spTgt>
+                                        </p:tgtEl>
+                                        <p:attrNameLst>
+                                          <p:attrName>style.visibility</p:attrName>
+                                        </p:attrNameLst>
+                                      </p:cBhvr>
+                                      <p:to>
+                                        <p:strVal val="visible"/>
+                                      </p:to>
+                                    </p:set>
+                                    <p:animEffect transition="in" filter="box(in)">
+                                      <p:cBhvr>
+                                        <p:cTn id="42" dur="500"/>
+                                        <p:tgtEl>
+                                          <p:spTgt spid="10243">
+                                            <p:txEl>
+                                              <p:pRg st="8" end="8"/>
+                                            </p:txEl>
+                                          </p:spTgt>
+                                        </p:tgtEl>
+                                      </p:cBhvr>
+                                    </p:animEffect>
+                                  </p:childTnLst>
+                                </p:cTn>
+                              </p:par>
+                            </p:childTnLst>
+                          </p:cTn>
+                        </p:par>
+                      </p:childTnLst>
+                    </p:cTn>
+                  </p:par>
+                  <p:par>
+                    <p:cTn id="43" fill="hold">
+                      <p:stCondLst>
+                        <p:cond delay="indefinite"/>
+                      </p:stCondLst>
+                      <p:childTnLst>
+                        <p:par>
+                          <p:cTn id="44" fill="hold">
+                            <p:stCondLst>
+                              <p:cond delay="0"/>
+                            </p:stCondLst>
+                            <p:childTnLst>
+                              <p:par>
+                                <p:cTn id="45" presetID="4" presetClass="entr" presetSubtype="16" fill="hold" grpId="0" nodeType="clickEffect">
+                                  <p:stCondLst>
+                                    <p:cond delay="0"/>
+                                  </p:stCondLst>
+                                  <p:childTnLst>
+                                    <p:set>
+                                      <p:cBhvr>
+                                        <p:cTn id="46" dur="1" fill="hold">
+                                          <p:stCondLst>
+                                            <p:cond delay="0"/>
+                                          </p:stCondLst>
+                                        </p:cTn>
+                                        <p:tgtEl>
+                                          <p:spTgt spid="10243">
+                                            <p:txEl>
+                                              <p:pRg st="9" end="9"/>
+                                            </p:txEl>
+                                          </p:spTgt>
+                                        </p:tgtEl>
+                                        <p:attrNameLst>
+                                          <p:attrName>style.visibility</p:attrName>
+                                        </p:attrNameLst>
+                                      </p:cBhvr>
+                                      <p:to>
+                                        <p:strVal val="visible"/>
+                                      </p:to>
+                                    </p:set>
+                                    <p:animEffect transition="in" filter="box(in)">
+                                      <p:cBhvr>
+                                        <p:cTn id="47" dur="500"/>
+                                        <p:tgtEl>
+                                          <p:spTgt spid="10243">
+                                            <p:txEl>
+                                              <p:pRg st="9" end="9"/>
                                             </p:txEl>
                                           </p:spTgt>
                                         </p:tgtEl>
@@ -44975,6 +48234,636 @@
       </p:grpSpPr>
       <p:sp>
         <p:nvSpPr>
+          <p:cNvPr id="62466" name="Rectangle 2"/>
+          <p:cNvSpPr>
+            <a:spLocks noGrp="1" noChangeArrowheads="1"/>
+          </p:cNvSpPr>
+          <p:nvPr>
+            <p:ph type="title"/>
+          </p:nvPr>
+        </p:nvSpPr>
+        <p:spPr/>
+        <p:txBody>
+          <a:bodyPr/>
+          <a:lstStyle/>
+          <a:p>
+            <a:r>
+              <a:rPr lang="en-US" altLang="zh-TW" sz="4000" dirty="0" err="1"/>
+              <a:t>Queueing</a:t>
+            </a:r>
+            <a:r>
+              <a:rPr lang="en-US" altLang="zh-TW" sz="4000" dirty="0"/>
+              <a:t> models</a:t>
+            </a:r>
+          </a:p>
+        </p:txBody>
+      </p:sp>
+      <p:sp>
+        <p:nvSpPr>
+          <p:cNvPr id="62467" name="Rectangle 3"/>
+          <p:cNvSpPr>
+            <a:spLocks noGrp="1" noChangeArrowheads="1"/>
+          </p:cNvSpPr>
+          <p:nvPr>
+            <p:ph type="body" idx="1"/>
+          </p:nvPr>
+        </p:nvSpPr>
+        <p:spPr>
+          <a:xfrm>
+            <a:off x="609600" y="1143000"/>
+            <a:ext cx="8229600" cy="4643438"/>
+          </a:xfrm>
+        </p:spPr>
+        <p:txBody>
+          <a:bodyPr/>
+          <a:lstStyle/>
+          <a:p>
+            <a:r>
+              <a:rPr lang="en-US" altLang="zh-TW" sz="2800" dirty="0"/>
+              <a:t>On many systems, the processes that are run vary from day to day, so there is </a:t>
+            </a:r>
+            <a:r>
+              <a:rPr lang="en-US" altLang="zh-TW" sz="2800" dirty="0">
+                <a:solidFill>
+                  <a:srgbClr val="FF0000"/>
+                </a:solidFill>
+              </a:rPr>
+              <a:t>no static set of processes</a:t>
+            </a:r>
+            <a:r>
+              <a:rPr lang="en-US" altLang="zh-TW" sz="2800" dirty="0"/>
+              <a:t> to use for deterministic modeling.</a:t>
+            </a:r>
+          </a:p>
+          <a:p>
+            <a:r>
+              <a:rPr lang="zh-TW" altLang="en-US" sz="2800" dirty="0"/>
+              <a:t>實際工作上每天</a:t>
+            </a:r>
+            <a:r>
+              <a:rPr lang="en-US" altLang="zh-TW" sz="2800" dirty="0"/>
+              <a:t>proc</a:t>
+            </a:r>
+            <a:r>
+              <a:rPr lang="zh-TW" altLang="en-US" sz="2800" dirty="0"/>
+              <a:t>順序都不太一樣 </a:t>
+            </a:r>
+            <a:endParaRPr lang="en-US" altLang="zh-TW" sz="2800" dirty="0"/>
+          </a:p>
+          <a:p>
+            <a:r>
+              <a:rPr lang="en-US" altLang="zh-TW" sz="2800" dirty="0"/>
+              <a:t>What can be determined is the </a:t>
+            </a:r>
+            <a:r>
+              <a:rPr lang="en-US" altLang="zh-TW" sz="2800" b="1" dirty="0">
+                <a:solidFill>
+                  <a:srgbClr val="FF0000"/>
+                </a:solidFill>
+              </a:rPr>
+              <a:t>distribution</a:t>
+            </a:r>
+            <a:r>
+              <a:rPr lang="en-US" altLang="zh-TW" sz="2800" dirty="0"/>
+              <a:t> of </a:t>
+            </a:r>
+            <a:r>
+              <a:rPr lang="en-US" altLang="zh-TW" sz="2800" dirty="0">
+                <a:solidFill>
+                  <a:srgbClr val="FF0000"/>
+                </a:solidFill>
+              </a:rPr>
+              <a:t>CPU and I/O </a:t>
+            </a:r>
+            <a:r>
+              <a:rPr lang="en-US" altLang="zh-TW" sz="2800" dirty="0"/>
+              <a:t>bursts.</a:t>
+            </a:r>
+          </a:p>
+          <a:p>
+            <a:r>
+              <a:rPr lang="en-US" altLang="zh-TW" sz="2800" dirty="0"/>
+              <a:t>These distributions can be measured and then approximated or simply estimated – </a:t>
+            </a:r>
+            <a:r>
+              <a:rPr lang="en-US" altLang="zh-TW" sz="2800" b="1" dirty="0">
+                <a:solidFill>
+                  <a:srgbClr val="FF0000"/>
+                </a:solidFill>
+              </a:rPr>
+              <a:t>a mathematical formula</a:t>
+            </a:r>
+            <a:r>
+              <a:rPr lang="en-US" altLang="zh-TW" sz="2800" dirty="0"/>
+              <a:t> describing the </a:t>
+            </a:r>
+            <a:r>
+              <a:rPr lang="en-US" altLang="zh-TW" sz="2800" dirty="0">
+                <a:solidFill>
+                  <a:srgbClr val="FF0000"/>
+                </a:solidFill>
+              </a:rPr>
+              <a:t>probability</a:t>
+            </a:r>
+            <a:r>
+              <a:rPr lang="en-US" altLang="zh-TW" sz="2800" dirty="0"/>
+              <a:t> of a particular CPU burst.</a:t>
+            </a:r>
+          </a:p>
+          <a:p>
+            <a:r>
+              <a:rPr lang="en-US" altLang="zh-TW" sz="2800" dirty="0"/>
+              <a:t>Commonly, this distribution </a:t>
+            </a:r>
+            <a:r>
+              <a:rPr lang="en-US" altLang="zh-TW" sz="2800" b="1" dirty="0">
+                <a:solidFill>
+                  <a:srgbClr val="FF0000"/>
+                </a:solidFill>
+              </a:rPr>
+              <a:t>is exponential </a:t>
+            </a:r>
+            <a:r>
+              <a:rPr lang="en-US" altLang="zh-TW" sz="2800" dirty="0"/>
+              <a:t>and is described by its </a:t>
+            </a:r>
+            <a:r>
+              <a:rPr lang="en-US" altLang="zh-TW" sz="2800" b="1" dirty="0">
+                <a:solidFill>
+                  <a:srgbClr val="FF0000"/>
+                </a:solidFill>
+              </a:rPr>
+              <a:t>mean</a:t>
+            </a:r>
+            <a:r>
+              <a:rPr lang="en-US" altLang="zh-TW" sz="2800" dirty="0"/>
+              <a:t>. </a:t>
+            </a:r>
+          </a:p>
+        </p:txBody>
+      </p:sp>
+    </p:spTree>
+  </p:cSld>
+  <p:clrMapOvr>
+    <a:masterClrMapping/>
+  </p:clrMapOvr>
+  <p:timing>
+    <p:tnLst>
+      <p:par>
+        <p:cTn id="1" dur="indefinite" restart="never" nodeType="tmRoot">
+          <p:childTnLst>
+            <p:seq concurrent="1" nextAc="seek">
+              <p:cTn id="2" dur="indefinite" nodeType="mainSeq">
+                <p:childTnLst>
+                  <p:par>
+                    <p:cTn id="3" fill="hold">
+                      <p:stCondLst>
+                        <p:cond delay="indefinite"/>
+                      </p:stCondLst>
+                      <p:childTnLst>
+                        <p:par>
+                          <p:cTn id="4" fill="hold">
+                            <p:stCondLst>
+                              <p:cond delay="0"/>
+                            </p:stCondLst>
+                            <p:childTnLst>
+                              <p:par>
+                                <p:cTn id="5" presetID="4" presetClass="entr" presetSubtype="16" fill="hold" grpId="0" nodeType="clickEffect">
+                                  <p:stCondLst>
+                                    <p:cond delay="0"/>
+                                  </p:stCondLst>
+                                  <p:childTnLst>
+                                    <p:set>
+                                      <p:cBhvr>
+                                        <p:cTn id="6" dur="1" fill="hold">
+                                          <p:stCondLst>
+                                            <p:cond delay="0"/>
+                                          </p:stCondLst>
+                                        </p:cTn>
+                                        <p:tgtEl>
+                                          <p:spTgt spid="62467">
+                                            <p:txEl>
+                                              <p:pRg st="0" end="0"/>
+                                            </p:txEl>
+                                          </p:spTgt>
+                                        </p:tgtEl>
+                                        <p:attrNameLst>
+                                          <p:attrName>style.visibility</p:attrName>
+                                        </p:attrNameLst>
+                                      </p:cBhvr>
+                                      <p:to>
+                                        <p:strVal val="visible"/>
+                                      </p:to>
+                                    </p:set>
+                                    <p:animEffect transition="in" filter="box(in)">
+                                      <p:cBhvr>
+                                        <p:cTn id="7" dur="500"/>
+                                        <p:tgtEl>
+                                          <p:spTgt spid="62467">
+                                            <p:txEl>
+                                              <p:pRg st="0" end="0"/>
+                                            </p:txEl>
+                                          </p:spTgt>
+                                        </p:tgtEl>
+                                      </p:cBhvr>
+                                    </p:animEffect>
+                                  </p:childTnLst>
+                                </p:cTn>
+                              </p:par>
+                            </p:childTnLst>
+                          </p:cTn>
+                        </p:par>
+                      </p:childTnLst>
+                    </p:cTn>
+                  </p:par>
+                  <p:par>
+                    <p:cTn id="8" fill="hold">
+                      <p:stCondLst>
+                        <p:cond delay="indefinite"/>
+                      </p:stCondLst>
+                      <p:childTnLst>
+                        <p:par>
+                          <p:cTn id="9" fill="hold">
+                            <p:stCondLst>
+                              <p:cond delay="0"/>
+                            </p:stCondLst>
+                            <p:childTnLst>
+                              <p:par>
+                                <p:cTn id="10" presetID="4" presetClass="entr" presetSubtype="16" fill="hold" grpId="0" nodeType="clickEffect">
+                                  <p:stCondLst>
+                                    <p:cond delay="0"/>
+                                  </p:stCondLst>
+                                  <p:childTnLst>
+                                    <p:set>
+                                      <p:cBhvr>
+                                        <p:cTn id="11" dur="1" fill="hold">
+                                          <p:stCondLst>
+                                            <p:cond delay="0"/>
+                                          </p:stCondLst>
+                                        </p:cTn>
+                                        <p:tgtEl>
+                                          <p:spTgt spid="62467">
+                                            <p:txEl>
+                                              <p:pRg st="1" end="1"/>
+                                            </p:txEl>
+                                          </p:spTgt>
+                                        </p:tgtEl>
+                                        <p:attrNameLst>
+                                          <p:attrName>style.visibility</p:attrName>
+                                        </p:attrNameLst>
+                                      </p:cBhvr>
+                                      <p:to>
+                                        <p:strVal val="visible"/>
+                                      </p:to>
+                                    </p:set>
+                                    <p:animEffect transition="in" filter="box(in)">
+                                      <p:cBhvr>
+                                        <p:cTn id="12" dur="500"/>
+                                        <p:tgtEl>
+                                          <p:spTgt spid="62467">
+                                            <p:txEl>
+                                              <p:pRg st="1" end="1"/>
+                                            </p:txEl>
+                                          </p:spTgt>
+                                        </p:tgtEl>
+                                      </p:cBhvr>
+                                    </p:animEffect>
+                                  </p:childTnLst>
+                                </p:cTn>
+                              </p:par>
+                            </p:childTnLst>
+                          </p:cTn>
+                        </p:par>
+                      </p:childTnLst>
+                    </p:cTn>
+                  </p:par>
+                  <p:par>
+                    <p:cTn id="13" fill="hold">
+                      <p:stCondLst>
+                        <p:cond delay="indefinite"/>
+                      </p:stCondLst>
+                      <p:childTnLst>
+                        <p:par>
+                          <p:cTn id="14" fill="hold">
+                            <p:stCondLst>
+                              <p:cond delay="0"/>
+                            </p:stCondLst>
+                            <p:childTnLst>
+                              <p:par>
+                                <p:cTn id="15" presetID="4" presetClass="entr" presetSubtype="16" fill="hold" grpId="0" nodeType="clickEffect">
+                                  <p:stCondLst>
+                                    <p:cond delay="0"/>
+                                  </p:stCondLst>
+                                  <p:childTnLst>
+                                    <p:set>
+                                      <p:cBhvr>
+                                        <p:cTn id="16" dur="1" fill="hold">
+                                          <p:stCondLst>
+                                            <p:cond delay="0"/>
+                                          </p:stCondLst>
+                                        </p:cTn>
+                                        <p:tgtEl>
+                                          <p:spTgt spid="62467">
+                                            <p:txEl>
+                                              <p:pRg st="2" end="2"/>
+                                            </p:txEl>
+                                          </p:spTgt>
+                                        </p:tgtEl>
+                                        <p:attrNameLst>
+                                          <p:attrName>style.visibility</p:attrName>
+                                        </p:attrNameLst>
+                                      </p:cBhvr>
+                                      <p:to>
+                                        <p:strVal val="visible"/>
+                                      </p:to>
+                                    </p:set>
+                                    <p:animEffect transition="in" filter="box(in)">
+                                      <p:cBhvr>
+                                        <p:cTn id="17" dur="500"/>
+                                        <p:tgtEl>
+                                          <p:spTgt spid="62467">
+                                            <p:txEl>
+                                              <p:pRg st="2" end="2"/>
+                                            </p:txEl>
+                                          </p:spTgt>
+                                        </p:tgtEl>
+                                      </p:cBhvr>
+                                    </p:animEffect>
+                                  </p:childTnLst>
+                                </p:cTn>
+                              </p:par>
+                            </p:childTnLst>
+                          </p:cTn>
+                        </p:par>
+                      </p:childTnLst>
+                    </p:cTn>
+                  </p:par>
+                  <p:par>
+                    <p:cTn id="18" fill="hold">
+                      <p:stCondLst>
+                        <p:cond delay="indefinite"/>
+                      </p:stCondLst>
+                      <p:childTnLst>
+                        <p:par>
+                          <p:cTn id="19" fill="hold">
+                            <p:stCondLst>
+                              <p:cond delay="0"/>
+                            </p:stCondLst>
+                            <p:childTnLst>
+                              <p:par>
+                                <p:cTn id="20" presetID="4" presetClass="entr" presetSubtype="16" fill="hold" grpId="0" nodeType="clickEffect">
+                                  <p:stCondLst>
+                                    <p:cond delay="0"/>
+                                  </p:stCondLst>
+                                  <p:childTnLst>
+                                    <p:set>
+                                      <p:cBhvr>
+                                        <p:cTn id="21" dur="1" fill="hold">
+                                          <p:stCondLst>
+                                            <p:cond delay="0"/>
+                                          </p:stCondLst>
+                                        </p:cTn>
+                                        <p:tgtEl>
+                                          <p:spTgt spid="62467">
+                                            <p:txEl>
+                                              <p:pRg st="3" end="3"/>
+                                            </p:txEl>
+                                          </p:spTgt>
+                                        </p:tgtEl>
+                                        <p:attrNameLst>
+                                          <p:attrName>style.visibility</p:attrName>
+                                        </p:attrNameLst>
+                                      </p:cBhvr>
+                                      <p:to>
+                                        <p:strVal val="visible"/>
+                                      </p:to>
+                                    </p:set>
+                                    <p:animEffect transition="in" filter="box(in)">
+                                      <p:cBhvr>
+                                        <p:cTn id="22" dur="500"/>
+                                        <p:tgtEl>
+                                          <p:spTgt spid="62467">
+                                            <p:txEl>
+                                              <p:pRg st="3" end="3"/>
+                                            </p:txEl>
+                                          </p:spTgt>
+                                        </p:tgtEl>
+                                      </p:cBhvr>
+                                    </p:animEffect>
+                                  </p:childTnLst>
+                                </p:cTn>
+                              </p:par>
+                            </p:childTnLst>
+                          </p:cTn>
+                        </p:par>
+                      </p:childTnLst>
+                    </p:cTn>
+                  </p:par>
+                  <p:par>
+                    <p:cTn id="23" fill="hold">
+                      <p:stCondLst>
+                        <p:cond delay="indefinite"/>
+                      </p:stCondLst>
+                      <p:childTnLst>
+                        <p:par>
+                          <p:cTn id="24" fill="hold">
+                            <p:stCondLst>
+                              <p:cond delay="0"/>
+                            </p:stCondLst>
+                            <p:childTnLst>
+                              <p:par>
+                                <p:cTn id="25" presetID="4" presetClass="entr" presetSubtype="16" fill="hold" grpId="0" nodeType="clickEffect">
+                                  <p:stCondLst>
+                                    <p:cond delay="0"/>
+                                  </p:stCondLst>
+                                  <p:childTnLst>
+                                    <p:set>
+                                      <p:cBhvr>
+                                        <p:cTn id="26" dur="1" fill="hold">
+                                          <p:stCondLst>
+                                            <p:cond delay="0"/>
+                                          </p:stCondLst>
+                                        </p:cTn>
+                                        <p:tgtEl>
+                                          <p:spTgt spid="62467">
+                                            <p:txEl>
+                                              <p:pRg st="4" end="4"/>
+                                            </p:txEl>
+                                          </p:spTgt>
+                                        </p:tgtEl>
+                                        <p:attrNameLst>
+                                          <p:attrName>style.visibility</p:attrName>
+                                        </p:attrNameLst>
+                                      </p:cBhvr>
+                                      <p:to>
+                                        <p:strVal val="visible"/>
+                                      </p:to>
+                                    </p:set>
+                                    <p:animEffect transition="in" filter="box(in)">
+                                      <p:cBhvr>
+                                        <p:cTn id="27" dur="500"/>
+                                        <p:tgtEl>
+                                          <p:spTgt spid="62467">
+                                            <p:txEl>
+                                              <p:pRg st="4" end="4"/>
+                                            </p:txEl>
+                                          </p:spTgt>
+                                        </p:tgtEl>
+                                      </p:cBhvr>
+                                    </p:animEffect>
+                                  </p:childTnLst>
+                                </p:cTn>
+                              </p:par>
+                            </p:childTnLst>
+                          </p:cTn>
+                        </p:par>
+                      </p:childTnLst>
+                    </p:cTn>
+                  </p:par>
+                </p:childTnLst>
+              </p:cTn>
+              <p:prevCondLst>
+                <p:cond evt="onPrev" delay="0">
+                  <p:tgtEl>
+                    <p:sldTgt/>
+                  </p:tgtEl>
+                </p:cond>
+              </p:prevCondLst>
+              <p:nextCondLst>
+                <p:cond evt="onNext" delay="0">
+                  <p:tgtEl>
+                    <p:sldTgt/>
+                  </p:tgtEl>
+                </p:cond>
+              </p:nextCondLst>
+            </p:seq>
+          </p:childTnLst>
+        </p:cTn>
+      </p:par>
+    </p:tnLst>
+    <p:bldLst>
+      <p:bldP spid="62467" grpId="0" build="p"/>
+    </p:bldLst>
+  </p:timing>
+</p:sld>
+</file>
+
+<file path=ppt/slides/slide61.xml><?xml version="1.0" encoding="utf-8"?>
+<p:sld xmlns:a="http://schemas.openxmlformats.org/drawingml/2006/main" xmlns:r="http://schemas.openxmlformats.org/officeDocument/2006/relationships" xmlns:p="http://schemas.openxmlformats.org/presentationml/2006/main">
+  <p:cSld>
+    <p:spTree>
+      <p:nvGrpSpPr>
+        <p:cNvPr id="1" name=""/>
+        <p:cNvGrpSpPr/>
+        <p:nvPr/>
+      </p:nvGrpSpPr>
+      <p:grpSpPr>
+        <a:xfrm>
+          <a:off x="0" y="0"/>
+          <a:ext cx="0" cy="0"/>
+          <a:chOff x="0" y="0"/>
+          <a:chExt cx="0" cy="0"/>
+        </a:xfrm>
+      </p:grpSpPr>
+      <p:sp>
+        <p:nvSpPr>
+          <p:cNvPr id="2" name="Title 1">
+            <a:extLst>
+              <a:ext uri="{FF2B5EF4-FFF2-40B4-BE49-F238E27FC236}">
+                <a16:creationId xmlns:a16="http://schemas.microsoft.com/office/drawing/2014/main" id="{CF55048D-52CC-419C-8BDF-CA275ECB642B}"/>
+              </a:ext>
+            </a:extLst>
+          </p:cNvPr>
+          <p:cNvSpPr>
+            <a:spLocks noGrp="1"/>
+          </p:cNvSpPr>
+          <p:nvPr>
+            <p:ph type="title"/>
+          </p:nvPr>
+        </p:nvSpPr>
+        <p:spPr>
+          <a:xfrm>
+            <a:off x="563563" y="257935"/>
+            <a:ext cx="8229600" cy="576262"/>
+          </a:xfrm>
+        </p:spPr>
+        <p:txBody>
+          <a:bodyPr/>
+          <a:lstStyle/>
+          <a:p>
+            <a:endParaRPr lang="en-US" dirty="0"/>
+          </a:p>
+        </p:txBody>
+      </p:sp>
+      <p:sp>
+        <p:nvSpPr>
+          <p:cNvPr id="3" name="Content Placeholder 2">
+            <a:extLst>
+              <a:ext uri="{FF2B5EF4-FFF2-40B4-BE49-F238E27FC236}">
+                <a16:creationId xmlns:a16="http://schemas.microsoft.com/office/drawing/2014/main" id="{0E760AFC-0E60-4E3B-AA3B-422BEE9568BB}"/>
+              </a:ext>
+            </a:extLst>
+          </p:cNvPr>
+          <p:cNvSpPr>
+            <a:spLocks noGrp="1"/>
+          </p:cNvSpPr>
+          <p:nvPr>
+            <p:ph idx="1"/>
+          </p:nvPr>
+        </p:nvSpPr>
+        <p:spPr/>
+        <p:txBody>
+          <a:bodyPr/>
+          <a:lstStyle/>
+          <a:p>
+            <a:r>
+              <a:rPr lang="en-US" dirty="0"/>
+              <a:t>Exponential distribution</a:t>
+            </a:r>
+          </a:p>
+          <a:p>
+            <a:r>
+              <a:rPr lang="en-US" dirty="0">
+                <a:hlinkClick r:id="rId2"/>
+              </a:rPr>
+              <a:t>https://zh.wikipedia.org/wiki/%E6%8C%87%E6%95%B0%E5%88%86%E5%B8%83</a:t>
+            </a:r>
+            <a:endParaRPr lang="en-US" dirty="0"/>
+          </a:p>
+        </p:txBody>
+      </p:sp>
+    </p:spTree>
+    <p:extLst>
+      <p:ext uri="{BB962C8B-B14F-4D97-AF65-F5344CB8AC3E}">
+        <p14:creationId xmlns:p14="http://schemas.microsoft.com/office/powerpoint/2010/main" val="1501357141"/>
+      </p:ext>
+    </p:extLst>
+  </p:cSld>
+  <p:clrMapOvr>
+    <a:masterClrMapping/>
+  </p:clrMapOvr>
+</p:sld>
+</file>
+
+<file path=ppt/slides/slide62.xml><?xml version="1.0" encoding="utf-8"?>
+<p:sld xmlns:a="http://schemas.openxmlformats.org/drawingml/2006/main" xmlns:r="http://schemas.openxmlformats.org/officeDocument/2006/relationships" xmlns:p="http://schemas.openxmlformats.org/presentationml/2006/main">
+  <p:cSld>
+    <p:spTree>
+      <p:nvGrpSpPr>
+        <p:cNvPr id="1" name=""/>
+        <p:cNvGrpSpPr/>
+        <p:nvPr/>
+      </p:nvGrpSpPr>
+      <p:grpSpPr>
+        <a:xfrm>
+          <a:off x="0" y="0"/>
+          <a:ext cx="0" cy="0"/>
+          <a:chOff x="0" y="0"/>
+          <a:chExt cx="0" cy="0"/>
+        </a:xfrm>
+      </p:grpSpPr>
+      <p:sp>
+        <p:nvSpPr>
           <p:cNvPr id="63490" name="Rectangle 2"/>
           <p:cNvSpPr>
             <a:spLocks noGrp="1" noChangeArrowheads="1"/>
@@ -45044,20 +48933,20 @@
           </a:p>
           <a:p>
             <a:r>
-              <a:rPr lang="en-US" altLang="zh-TW" sz="2800" b="1" dirty="0" err="1">
-                <a:solidFill>
-                  <a:srgbClr val="FF0000"/>
-                </a:solidFill>
-              </a:rPr>
-              <a:t>Queueing</a:t>
-            </a:r>
-            <a:r>
               <a:rPr lang="en-US" altLang="zh-TW" sz="2800" b="1" dirty="0">
                 <a:solidFill>
                   <a:srgbClr val="FF0000"/>
                 </a:solidFill>
               </a:rPr>
-              <a:t>-network analysis</a:t>
+              <a:t>Queueing-network analysis</a:t>
+            </a:r>
+            <a:r>
+              <a:rPr lang="zh-TW" altLang="en-US" sz="2800" b="1" dirty="0">
+                <a:solidFill>
+                  <a:srgbClr val="FF0000"/>
+                </a:solidFill>
+              </a:rPr>
+              <a:t>也是一門專門的學問</a:t>
             </a:r>
             <a:r>
               <a:rPr lang="en-US" altLang="zh-TW" sz="2800" dirty="0"/>
@@ -45390,7 +49279,7 @@
 </p:sld>
 </file>
 
-<file path=ppt/slides/slide61.xml><?xml version="1.0" encoding="utf-8"?>
+<file path=ppt/slides/slide63.xml><?xml version="1.0" encoding="utf-8"?>
 <p:sld xmlns:a="http://schemas.openxmlformats.org/drawingml/2006/main" xmlns:r="http://schemas.openxmlformats.org/officeDocument/2006/relationships" xmlns:p="http://schemas.openxmlformats.org/presentationml/2006/main">
   <p:cSld>
     <p:spTree>
@@ -45597,7 +49486,15 @@
             </a:r>
             <a:r>
               <a:rPr lang="en-US" altLang="zh-TW" sz="2400" dirty="0"/>
-              <a:t> new processes will arrive in the queue. If the system is in a steady state, then the number of processes leaving the queue must be equal to the number of processes that arrive.</a:t>
+              <a:t> new processes will arrive in the queue. If the system is in a steady</a:t>
+            </a:r>
+            <a:r>
+              <a:rPr lang="zh-TW" altLang="en-US" sz="2400" dirty="0"/>
+              <a:t>穩定</a:t>
+            </a:r>
+            <a:r>
+              <a:rPr lang="en-US" altLang="zh-TW" sz="2400" dirty="0"/>
+              <a:t> state, then the number of processes leaving the queue must be equal to the number of processes that arrive.</a:t>
             </a:r>
           </a:p>
         </p:txBody>
@@ -46009,7 +49906,7 @@
 </p:sld>
 </file>
 
-<file path=ppt/slides/slide62.xml><?xml version="1.0" encoding="utf-8"?>
+<file path=ppt/slides/slide64.xml><?xml version="1.0" encoding="utf-8"?>
 <p:sld xmlns:a="http://schemas.openxmlformats.org/drawingml/2006/main" xmlns:r="http://schemas.openxmlformats.org/officeDocument/2006/relationships" xmlns:p="http://schemas.openxmlformats.org/presentationml/2006/main">
   <p:cSld>
     <p:spTree>
@@ -46165,12 +50062,8 @@
           </a:p>
           <a:p>
             <a:r>
-              <a:rPr lang="en-US" altLang="zh-TW" sz="2400" dirty="0" err="1"/>
-              <a:t>Queueing</a:t>
-            </a:r>
-            <a:r>
               <a:rPr lang="en-US" altLang="zh-TW" sz="2400" dirty="0"/>
-              <a:t> models are often only </a:t>
+              <a:t>Queueing models are often only </a:t>
             </a:r>
             <a:r>
               <a:rPr lang="en-US" altLang="zh-TW" sz="2400" b="1" dirty="0">
@@ -46179,6 +50072,14 @@
                 </a:solidFill>
               </a:rPr>
               <a:t>approximations</a:t>
+            </a:r>
+            <a:r>
+              <a:rPr lang="zh-TW" altLang="en-US" sz="2400" b="1" dirty="0">
+                <a:solidFill>
+                  <a:srgbClr val="FF0000"/>
+                </a:solidFill>
+              </a:rPr>
+              <a:t>近似</a:t>
             </a:r>
             <a:r>
               <a:rPr lang="en-US" altLang="zh-TW" sz="2400" dirty="0"/>
@@ -46565,7 +50466,7 @@
 </p:sld>
 </file>
 
-<file path=ppt/slides/slide63.xml><?xml version="1.0" encoding="utf-8"?>
+<file path=ppt/slides/slide65.xml><?xml version="1.0" encoding="utf-8"?>
 <p:sld xmlns:a="http://schemas.openxmlformats.org/drawingml/2006/main" xmlns:r="http://schemas.openxmlformats.org/officeDocument/2006/relationships" xmlns:p="http://schemas.openxmlformats.org/presentationml/2006/main">
   <p:cSld>
     <p:spTree>
@@ -46733,7 +50634,7 @@
 </p:sld>
 </file>
 
-<file path=ppt/slides/slide64.xml><?xml version="1.0" encoding="utf-8"?>
+<file path=ppt/slides/slide66.xml><?xml version="1.0" encoding="utf-8"?>
 <p:sld xmlns:a="http://schemas.openxmlformats.org/drawingml/2006/main" xmlns:r="http://schemas.openxmlformats.org/officeDocument/2006/relationships" xmlns:p="http://schemas.openxmlformats.org/presentationml/2006/main">
   <p:cSld>
     <p:spTree>
@@ -46864,8 +50765,37 @@
             </a:r>
             <a:r>
               <a:rPr lang="en-US" altLang="zh-TW" sz="2400" dirty="0"/>
-              <a:t> module gives control of the CPU to the process selected by the short-term scheduler; this involves:</a:t>
-            </a:r>
+              <a:t> </a:t>
+            </a:r>
+            <a:r>
+              <a:rPr lang="zh-TW" altLang="en-US" sz="2400" dirty="0"/>
+              <a:t>軟體模組</a:t>
+            </a:r>
+            <a:r>
+              <a:rPr lang="en-US" altLang="zh-TW" sz="2400" dirty="0"/>
+              <a:t>module gives control of the CPU to the process selected by the short-term scheduler; this involves:</a:t>
+            </a:r>
+            <a:r>
+              <a:rPr lang="zh-TW" altLang="en-US" sz="2400" dirty="0"/>
+              <a:t>   把</a:t>
+            </a:r>
+            <a:r>
+              <a:rPr lang="en-US" altLang="zh-TW" sz="2400" dirty="0"/>
+              <a:t>CPU</a:t>
+            </a:r>
+            <a:r>
+              <a:rPr lang="zh-TW" altLang="en-US" sz="2400" dirty="0"/>
+              <a:t>透過演算法挑一個</a:t>
+            </a:r>
+            <a:r>
+              <a:rPr lang="en-US" altLang="zh-TW" sz="2400" dirty="0"/>
+              <a:t>proc</a:t>
+            </a:r>
+            <a:r>
+              <a:rPr lang="zh-TW" altLang="en-US" sz="2400" dirty="0"/>
+              <a:t>給他用</a:t>
+            </a:r>
+            <a:endParaRPr lang="en-US" altLang="zh-TW" sz="2400" dirty="0"/>
           </a:p>
           <a:p>
             <a:pPr lvl="1"/>
@@ -46873,6 +50803,19 @@
               <a:rPr lang="en-US" altLang="zh-TW" sz="2400" dirty="0"/>
               <a:t>switching context</a:t>
             </a:r>
+            <a:r>
+              <a:rPr lang="zh-TW" altLang="en-US" sz="2400" dirty="0"/>
+              <a:t>    </a:t>
+            </a:r>
+            <a:r>
+              <a:rPr lang="en-US" altLang="zh-TW" sz="2400" dirty="0"/>
+              <a:t>stack</a:t>
+            </a:r>
+            <a:r>
+              <a:rPr lang="zh-TW" altLang="en-US" sz="2400" dirty="0"/>
+              <a:t>資結要存</a:t>
+            </a:r>
+            <a:endParaRPr lang="en-US" altLang="zh-TW" sz="2400" dirty="0"/>
           </a:p>
           <a:p>
             <a:pPr lvl="1"/>
@@ -46880,6 +50823,19 @@
               <a:rPr lang="en-US" altLang="zh-TW" sz="2400" dirty="0"/>
               <a:t>switching to user mode</a:t>
             </a:r>
+            <a:r>
+              <a:rPr lang="zh-TW" altLang="en-US" sz="2400" dirty="0"/>
+              <a:t>       一般程式在</a:t>
+            </a:r>
+            <a:r>
+              <a:rPr lang="en-US" altLang="zh-TW" sz="2400" dirty="0"/>
+              <a:t>user m</a:t>
+            </a:r>
+            <a:r>
+              <a:rPr lang="zh-TW" altLang="en-US" sz="2400" dirty="0"/>
+              <a:t>執行    </a:t>
+            </a:r>
+            <a:endParaRPr lang="en-US" altLang="zh-TW" sz="2400" dirty="0"/>
           </a:p>
           <a:p>
             <a:pPr lvl="1"/>
@@ -46898,12 +50854,28 @@
               <a:t>Dispatch latency </a:t>
             </a:r>
             <a:r>
+              <a:rPr lang="zh-TW" altLang="en-US" sz="2400" b="1" dirty="0">
+                <a:solidFill>
+                  <a:srgbClr val="FF0000"/>
+                </a:solidFill>
+              </a:rPr>
+              <a:t>切換花的時間</a:t>
+            </a:r>
+            <a:r>
+              <a:rPr lang="en-US" altLang="zh-TW" sz="2400" b="1" dirty="0">
+                <a:solidFill>
+                  <a:srgbClr val="FF0000"/>
+                </a:solidFill>
+              </a:rPr>
+              <a:t> </a:t>
+            </a:r>
+            <a:r>
               <a:rPr lang="en-US" altLang="zh-TW" sz="2400" dirty="0"/>
               <a:t>– time it takes for the dispatcher to stop one process and start another running</a:t>
             </a:r>
             <a:r>
               <a:rPr lang="zh-TW" altLang="en-US" sz="2400" dirty="0"/>
-              <a:t>跟前一章的圖相同</a:t>
+              <a:t>跟前一章的圖相同  每個程式切換時間可能不同   這個時間不算在對效率沒幫助所以不希望太頻繁</a:t>
             </a:r>
             <a:endParaRPr lang="en-US" altLang="zh-TW" sz="2400" dirty="0"/>
           </a:p>
@@ -47289,9 +51261,14 @@
           <a:p>
             <a:pPr eaLnBrk="1" hangingPunct="1"/>
             <a:r>
-              <a:rPr lang="en-US" altLang="zh-TW" sz="4000"/>
+              <a:rPr lang="en-US" altLang="zh-TW" sz="4000" dirty="0"/>
               <a:t>Scheduling Criteria</a:t>
             </a:r>
+            <a:r>
+              <a:rPr lang="zh-TW" altLang="en-US" sz="4000" dirty="0"/>
+              <a:t>  排程考量準則</a:t>
+            </a:r>
+            <a:endParaRPr lang="en-US" altLang="zh-TW" sz="4000" dirty="0"/>
           </a:p>
         </p:txBody>
       </p:sp>
@@ -47373,8 +51350,52 @@
             </a:r>
             <a:r>
               <a:rPr lang="en-US" altLang="zh-TW" sz="2400" dirty="0"/>
-              <a:t>– amount of time to execute a particular process</a:t>
-            </a:r>
+              <a:t>– amount of time to execute a particular process   </a:t>
+            </a:r>
+            <a:r>
+              <a:rPr lang="zh-TW" altLang="en-US" sz="2400" dirty="0"/>
+              <a:t>程式開始執行到結束的時間</a:t>
+            </a:r>
+            <a:endParaRPr lang="en-US" altLang="zh-TW" sz="2400" dirty="0"/>
+          </a:p>
+          <a:p>
+            <a:r>
+              <a:rPr lang="zh-TW" altLang="en-US" dirty="0"/>
+              <a:t>開始</a:t>
+            </a:r>
+            <a:r>
+              <a:rPr lang="en-US" altLang="zh-TW" dirty="0"/>
+              <a:t>&gt;</a:t>
+            </a:r>
+            <a:r>
+              <a:rPr lang="zh-TW" altLang="en-US" dirty="0"/>
+              <a:t>進</a:t>
+            </a:r>
+            <a:r>
+              <a:rPr lang="en-US" altLang="zh-TW" dirty="0"/>
+              <a:t>ready Q &gt; CPU &gt;IO &gt;CPU   </a:t>
+            </a:r>
+            <a:r>
+              <a:rPr lang="zh-TW" altLang="en-US" dirty="0"/>
+              <a:t>在</a:t>
+            </a:r>
+            <a:r>
+              <a:rPr lang="en-US" altLang="zh-TW" dirty="0"/>
+              <a:t>state</a:t>
+            </a:r>
+            <a:r>
+              <a:rPr lang="zh-TW" altLang="en-US" dirty="0"/>
+              <a:t>轉轉</a:t>
+            </a:r>
+            <a:r>
+              <a:rPr lang="en-US" altLang="zh-TW" dirty="0"/>
+              <a:t>…</a:t>
+            </a:r>
+            <a:r>
+              <a:rPr lang="zh-TW" altLang="en-US" dirty="0"/>
+              <a:t>結束</a:t>
+            </a:r>
+            <a:endParaRPr lang="en-US" altLang="zh-TW" sz="2400" dirty="0"/>
           </a:p>
           <a:p>
             <a:r>
@@ -47389,6 +51410,27 @@
               <a:rPr lang="en-US" altLang="zh-TW" sz="2400" dirty="0"/>
               <a:t>– amount of time a process has been waiting in the ready queue</a:t>
             </a:r>
+            <a:r>
+              <a:rPr lang="zh-TW" altLang="en-US" sz="2400" dirty="0"/>
+              <a:t>   </a:t>
+            </a:r>
+            <a:r>
+              <a:rPr lang="en-US" altLang="zh-TW" sz="2400" dirty="0" err="1"/>
+              <a:t>rQ</a:t>
+            </a:r>
+            <a:r>
+              <a:rPr lang="zh-TW" altLang="en-US" sz="2400" dirty="0"/>
+              <a:t>裡的等待時間 </a:t>
+            </a:r>
+            <a:r>
+              <a:rPr lang="en-US" altLang="zh-TW" dirty="0" err="1"/>
+              <a:t>exGame</a:t>
+            </a:r>
+            <a:r>
+              <a:rPr lang="zh-TW" altLang="en-US" dirty="0"/>
+              <a:t>越短越好</a:t>
+            </a:r>
+            <a:endParaRPr lang="en-US" altLang="zh-TW" sz="2400" dirty="0"/>
           </a:p>
           <a:p>
             <a:r>
@@ -47710,6 +51752,67 @@
                                           <p:spTgt spid="12291">
                                             <p:txEl>
                                               <p:pRg st="4" end="4"/>
+                                            </p:txEl>
+                                          </p:spTgt>
+                                        </p:tgtEl>
+                                      </p:cBhvr>
+                                    </p:animEffect>
+                                  </p:childTnLst>
+                                </p:cTn>
+                              </p:par>
+                            </p:childTnLst>
+                          </p:cTn>
+                        </p:par>
+                      </p:childTnLst>
+                    </p:cTn>
+                  </p:par>
+                  <p:par>
+                    <p:cTn id="28" fill="hold">
+                      <p:stCondLst>
+                        <p:cond delay="indefinite"/>
+                      </p:stCondLst>
+                      <p:childTnLst>
+                        <p:par>
+                          <p:cTn id="29" fill="hold">
+                            <p:stCondLst>
+                              <p:cond delay="0"/>
+                            </p:stCondLst>
+                            <p:childTnLst>
+                              <p:par>
+                                <p:cTn id="30" presetID="4" presetClass="entr" presetSubtype="16" fill="hold" grpId="0" nodeType="clickEffect">
+                                  <p:stCondLst>
+                                    <p:cond delay="0"/>
+                                  </p:stCondLst>
+                                  <p:childTnLst>
+                                    <p:set>
+                                      <p:cBhvr>
+                                        <p:cTn id="31" dur="1" fill="hold">
+                                          <p:stCondLst>
+                                            <p:cond delay="0"/>
+                                          </p:stCondLst>
+                                        </p:cTn>
+                                        <p:tgtEl>
+                                          <p:spTgt spid="12291">
+                                            <p:txEl>
+                                              <p:pRg st="5" end="5"/>
+                                            </p:txEl>
+                                          </p:spTgt>
+                                        </p:tgtEl>
+                                        <p:attrNameLst>
+                                          <p:attrName>style.visibility</p:attrName>
+                                        </p:attrNameLst>
+                                      </p:cBhvr>
+                                      <p:to>
+                                        <p:strVal val="visible"/>
+                                      </p:to>
+                                    </p:set>
+                                    <p:animEffect transition="in" filter="box(in)">
+                                      <p:cBhvr>
+                                        <p:cTn id="32" dur="500"/>
+                                        <p:tgtEl>
+                                          <p:spTgt spid="12291">
+                                            <p:txEl>
+                                              <p:pRg st="5" end="5"/>
                                             </p:txEl>
                                           </p:spTgt>
                                         </p:tgtEl>
